--- a/HP - Capstone Project  - Presentation.pptx
+++ b/HP - Capstone Project  - Presentation.pptx
@@ -25,16 +25,29 @@
     <p:sldId id="270" r:id="rId19"/>
     <p:sldId id="271" r:id="rId20"/>
     <p:sldId id="272" r:id="rId21"/>
+    <p:sldId id="273" r:id="rId22"/>
+    <p:sldId id="274" r:id="rId23"/>
+    <p:sldId id="275" r:id="rId24"/>
+    <p:sldId id="276" r:id="rId25"/>
+    <p:sldId id="277" r:id="rId26"/>
+    <p:sldId id="278" r:id="rId27"/>
   </p:sldIdLst>
   <p:sldSz cy="6858000" cx="12192000"/>
   <p:notesSz cx="6858000" cy="9144000"/>
   <p:embeddedFontLst>
     <p:embeddedFont>
       <p:font typeface="Helvetica Neue"/>
-      <p:regular r:id="rId22"/>
-      <p:bold r:id="rId23"/>
-      <p:italic r:id="rId24"/>
-      <p:boldItalic r:id="rId25"/>
+      <p:regular r:id="rId28"/>
+      <p:bold r:id="rId29"/>
+      <p:italic r:id="rId30"/>
+      <p:boldItalic r:id="rId31"/>
+    </p:embeddedFont>
+    <p:embeddedFont>
+      <p:font typeface="Roboto Mono"/>
+      <p:regular r:id="rId32"/>
+      <p:bold r:id="rId33"/>
+      <p:italic r:id="rId34"/>
+      <p:boldItalic r:id="rId35"/>
     </p:embeddedFont>
   </p:embeddedFontLst>
   <p:defaultTextStyle>
@@ -799,7 +812,7 @@
   <p:cSld>
     <p:spTree>
       <p:nvGrpSpPr>
-        <p:cNvPr id="133" name="Shape 133"/>
+        <p:cNvPr id="136" name="Shape 136"/>
         <p:cNvGrpSpPr/>
         <p:nvPr/>
       </p:nvGrpSpPr>
@@ -813,7 +826,7 @@
       </p:grpSpPr>
       <p:sp>
         <p:nvSpPr>
-          <p:cNvPr id="134" name="Google Shape;134;g35c96876222_0_60:notes"/>
+          <p:cNvPr id="137" name="Google Shape;137;p7:notes"/>
           <p:cNvSpPr txBox="1"/>
           <p:nvPr>
             <p:ph idx="1" type="body"/>
@@ -852,7 +865,7 @@
       </p:sp>
       <p:sp>
         <p:nvSpPr>
-          <p:cNvPr id="135" name="Google Shape;135;g35c96876222_0_60:notes"/>
+          <p:cNvPr id="138" name="Google Shape;138;p7:notes"/>
           <p:cNvSpPr/>
           <p:nvPr>
             <p:ph idx="2" type="sldImg"/>
@@ -861,7 +874,7 @@
         <p:spPr>
           <a:xfrm>
             <a:off x="1143225" y="685800"/>
-            <a:ext cx="4572300" cy="3429000"/>
+            <a:ext cx="4572225" cy="3429000"/>
           </a:xfrm>
           <a:custGeom>
             <a:rect b="b" l="l" r="r" t="t"/>
@@ -898,7 +911,7 @@
   <p:cSld>
     <p:spTree>
       <p:nvGrpSpPr>
-        <p:cNvPr id="142" name="Shape 142"/>
+        <p:cNvPr id="145" name="Shape 145"/>
         <p:cNvGrpSpPr/>
         <p:nvPr/>
       </p:nvGrpSpPr>
@@ -912,7 +925,7 @@
       </p:grpSpPr>
       <p:sp>
         <p:nvSpPr>
-          <p:cNvPr id="143" name="Google Shape;143;p9:notes"/>
+          <p:cNvPr id="146" name="Google Shape;146;p8:notes"/>
           <p:cNvSpPr txBox="1"/>
           <p:nvPr>
             <p:ph idx="1" type="body"/>
@@ -951,7 +964,7 @@
       </p:sp>
       <p:sp>
         <p:nvSpPr>
-          <p:cNvPr id="144" name="Google Shape;144;p9:notes"/>
+          <p:cNvPr id="147" name="Google Shape;147;p8:notes"/>
           <p:cNvSpPr/>
           <p:nvPr>
             <p:ph idx="2" type="sldImg"/>
@@ -997,7 +1010,7 @@
   <p:cSld>
     <p:spTree>
       <p:nvGrpSpPr>
-        <p:cNvPr id="151" name="Shape 151"/>
+        <p:cNvPr id="154" name="Shape 154"/>
         <p:cNvGrpSpPr/>
         <p:nvPr/>
       </p:nvGrpSpPr>
@@ -1011,7 +1024,7 @@
       </p:grpSpPr>
       <p:sp>
         <p:nvSpPr>
-          <p:cNvPr id="152" name="Google Shape;152;p10:notes"/>
+          <p:cNvPr id="155" name="Google Shape;155;g35c96876222_0_60:notes"/>
           <p:cNvSpPr txBox="1"/>
           <p:nvPr>
             <p:ph idx="1" type="body"/>
@@ -1050,7 +1063,7 @@
       </p:sp>
       <p:sp>
         <p:nvSpPr>
-          <p:cNvPr id="153" name="Google Shape;153;p10:notes"/>
+          <p:cNvPr id="156" name="Google Shape;156;g35c96876222_0_60:notes"/>
           <p:cNvSpPr/>
           <p:nvPr>
             <p:ph idx="2" type="sldImg"/>
@@ -1059,7 +1072,7 @@
         <p:spPr>
           <a:xfrm>
             <a:off x="1143225" y="685800"/>
-            <a:ext cx="4572225" cy="3429000"/>
+            <a:ext cx="4572300" cy="3429000"/>
           </a:xfrm>
           <a:custGeom>
             <a:rect b="b" l="l" r="r" t="t"/>
@@ -1096,7 +1109,7 @@
   <p:cSld>
     <p:spTree>
       <p:nvGrpSpPr>
-        <p:cNvPr id="165" name="Shape 165"/>
+        <p:cNvPr id="163" name="Shape 163"/>
         <p:cNvGrpSpPr/>
         <p:nvPr/>
       </p:nvGrpSpPr>
@@ -1110,7 +1123,7 @@
       </p:grpSpPr>
       <p:sp>
         <p:nvSpPr>
-          <p:cNvPr id="166" name="Google Shape;166;p11:notes"/>
+          <p:cNvPr id="164" name="Google Shape;164;p9:notes"/>
           <p:cNvSpPr txBox="1"/>
           <p:nvPr>
             <p:ph idx="1" type="body"/>
@@ -1149,7 +1162,7 @@
       </p:sp>
       <p:sp>
         <p:nvSpPr>
-          <p:cNvPr id="167" name="Google Shape;167;p11:notes"/>
+          <p:cNvPr id="165" name="Google Shape;165;p9:notes"/>
           <p:cNvSpPr/>
           <p:nvPr>
             <p:ph idx="2" type="sldImg"/>
@@ -1195,7 +1208,7 @@
   <p:cSld>
     <p:spTree>
       <p:nvGrpSpPr>
-        <p:cNvPr id="174" name="Shape 174"/>
+        <p:cNvPr id="173" name="Shape 173"/>
         <p:cNvGrpSpPr/>
         <p:nvPr/>
       </p:nvGrpSpPr>
@@ -1209,7 +1222,7 @@
       </p:grpSpPr>
       <p:sp>
         <p:nvSpPr>
-          <p:cNvPr id="175" name="Google Shape;175;g35c96876222_0_31:notes"/>
+          <p:cNvPr id="174" name="Google Shape;174;g35d359552ad_0_53:notes"/>
           <p:cNvSpPr txBox="1"/>
           <p:nvPr>
             <p:ph idx="1" type="body"/>
@@ -1248,7 +1261,7 @@
       </p:sp>
       <p:sp>
         <p:nvSpPr>
-          <p:cNvPr id="176" name="Google Shape;176;g35c96876222_0_31:notes"/>
+          <p:cNvPr id="175" name="Google Shape;175;g35d359552ad_0_53:notes"/>
           <p:cNvSpPr/>
           <p:nvPr>
             <p:ph idx="2" type="sldImg"/>
@@ -1294,7 +1307,7 @@
   <p:cSld>
     <p:spTree>
       <p:nvGrpSpPr>
-        <p:cNvPr id="184" name="Shape 184"/>
+        <p:cNvPr id="182" name="Shape 182"/>
         <p:cNvGrpSpPr/>
         <p:nvPr/>
       </p:nvGrpSpPr>
@@ -1308,7 +1321,7 @@
       </p:grpSpPr>
       <p:sp>
         <p:nvSpPr>
-          <p:cNvPr id="185" name="Google Shape;185;g35c96876222_0_43:notes"/>
+          <p:cNvPr id="183" name="Google Shape;183;p10:notes"/>
           <p:cNvSpPr txBox="1"/>
           <p:nvPr>
             <p:ph idx="1" type="body"/>
@@ -1347,7 +1360,7 @@
       </p:sp>
       <p:sp>
         <p:nvSpPr>
-          <p:cNvPr id="186" name="Google Shape;186;g35c96876222_0_43:notes"/>
+          <p:cNvPr id="184" name="Google Shape;184;p10:notes"/>
           <p:cNvSpPr/>
           <p:nvPr>
             <p:ph idx="2" type="sldImg"/>
@@ -1356,7 +1369,7 @@
         <p:spPr>
           <a:xfrm>
             <a:off x="1143225" y="685800"/>
-            <a:ext cx="4572300" cy="3429000"/>
+            <a:ext cx="4572225" cy="3429000"/>
           </a:xfrm>
           <a:custGeom>
             <a:rect b="b" l="l" r="r" t="t"/>
@@ -1393,7 +1406,7 @@
   <p:cSld>
     <p:spTree>
       <p:nvGrpSpPr>
-        <p:cNvPr id="193" name="Shape 193"/>
+        <p:cNvPr id="196" name="Shape 196"/>
         <p:cNvGrpSpPr/>
         <p:nvPr/>
       </p:nvGrpSpPr>
@@ -1407,7 +1420,7 @@
       </p:grpSpPr>
       <p:sp>
         <p:nvSpPr>
-          <p:cNvPr id="194" name="Google Shape;194;p12:notes"/>
+          <p:cNvPr id="197" name="Google Shape;197;g35d359552ad_0_10:notes"/>
           <p:cNvSpPr txBox="1"/>
           <p:nvPr>
             <p:ph idx="1" type="body"/>
@@ -1446,7 +1459,7 @@
       </p:sp>
       <p:sp>
         <p:nvSpPr>
-          <p:cNvPr id="195" name="Google Shape;195;p12:notes"/>
+          <p:cNvPr id="198" name="Google Shape;198;g35d359552ad_0_10:notes"/>
           <p:cNvSpPr/>
           <p:nvPr>
             <p:ph idx="2" type="sldImg"/>
@@ -1455,7 +1468,7 @@
         <p:spPr>
           <a:xfrm>
             <a:off x="1143225" y="685800"/>
-            <a:ext cx="4572225" cy="3429000"/>
+            <a:ext cx="4572300" cy="3429000"/>
           </a:xfrm>
           <a:custGeom>
             <a:rect b="b" l="l" r="r" t="t"/>
@@ -1492,7 +1505,7 @@
   <p:cSld>
     <p:spTree>
       <p:nvGrpSpPr>
-        <p:cNvPr id="202" name="Shape 202"/>
+        <p:cNvPr id="209" name="Shape 209"/>
         <p:cNvGrpSpPr/>
         <p:nvPr/>
       </p:nvGrpSpPr>
@@ -1506,7 +1519,7 @@
       </p:grpSpPr>
       <p:sp>
         <p:nvSpPr>
-          <p:cNvPr id="203" name="Google Shape;203;p13:notes"/>
+          <p:cNvPr id="210" name="Google Shape;210;p11:notes"/>
           <p:cNvSpPr txBox="1"/>
           <p:nvPr>
             <p:ph idx="1" type="body"/>
@@ -1545,7 +1558,7 @@
       </p:sp>
       <p:sp>
         <p:nvSpPr>
-          <p:cNvPr id="204" name="Google Shape;204;p13:notes"/>
+          <p:cNvPr id="211" name="Google Shape;211;p11:notes"/>
           <p:cNvSpPr/>
           <p:nvPr>
             <p:ph idx="2" type="sldImg"/>
@@ -1555,6 +1568,204 @@
           <a:xfrm>
             <a:off x="1143225" y="685800"/>
             <a:ext cx="4572225" cy="3429000"/>
+          </a:xfrm>
+          <a:custGeom>
+            <a:rect b="b" l="l" r="r" t="t"/>
+            <a:pathLst>
+              <a:path extrusionOk="0" h="120000" w="120000">
+                <a:moveTo>
+                  <a:pt x="0" y="0"/>
+                </a:moveTo>
+                <a:lnTo>
+                  <a:pt x="120000" y="0"/>
+                </a:lnTo>
+                <a:lnTo>
+                  <a:pt x="120000" y="120000"/>
+                </a:lnTo>
+                <a:lnTo>
+                  <a:pt x="0" y="120000"/>
+                </a:lnTo>
+                <a:close/>
+              </a:path>
+            </a:pathLst>
+          </a:custGeom>
+        </p:spPr>
+      </p:sp>
+    </p:spTree>
+  </p:cSld>
+  <p:clrMapOvr>
+    <a:masterClrMapping/>
+  </p:clrMapOvr>
+</p:notes>
+</file>
+
+<file path=ppt/notesSlides/notesSlide18.xml><?xml version="1.0" encoding="utf-8"?>
+<p:notes xmlns:a="http://schemas.openxmlformats.org/drawingml/2006/main" xmlns:r="http://schemas.openxmlformats.org/officeDocument/2006/relationships" xmlns:mc="http://schemas.openxmlformats.org/markup-compatibility/2006" xmlns:mv="urn:schemas-microsoft-com:mac:vml" xmlns:p="http://schemas.openxmlformats.org/presentationml/2006/main" xmlns:c="http://schemas.openxmlformats.org/drawingml/2006/chart" xmlns:dgm="http://schemas.openxmlformats.org/drawingml/2006/diagram" xmlns:o="urn:schemas-microsoft-com:office:office" xmlns:v="urn:schemas-microsoft-com:vml" xmlns:pvml="urn:schemas-microsoft-com:office:powerpoint" xmlns:com="http://schemas.openxmlformats.org/drawingml/2006/compatibility" xmlns:p14="http://schemas.microsoft.com/office/powerpoint/2010/main" xmlns:p15="http://schemas.microsoft.com/office/powerpoint/2012/main" xmlns:ahyp="http://schemas.microsoft.com/office/drawing/2018/hyperlinkcolor" showMasterPhAnim="0" showMasterSp="0">
+  <p:cSld>
+    <p:spTree>
+      <p:nvGrpSpPr>
+        <p:cNvPr id="218" name="Shape 218"/>
+        <p:cNvGrpSpPr/>
+        <p:nvPr/>
+      </p:nvGrpSpPr>
+      <p:grpSpPr>
+        <a:xfrm>
+          <a:off x="0" y="0"/>
+          <a:ext cx="0" cy="0"/>
+          <a:chOff x="0" y="0"/>
+          <a:chExt cx="0" cy="0"/>
+        </a:xfrm>
+      </p:grpSpPr>
+      <p:sp>
+        <p:nvSpPr>
+          <p:cNvPr id="219" name="Google Shape;219;g35d359552ad_0_66:notes"/>
+          <p:cNvSpPr txBox="1"/>
+          <p:nvPr>
+            <p:ph idx="1" type="body"/>
+          </p:nvPr>
+        </p:nvSpPr>
+        <p:spPr>
+          <a:xfrm>
+            <a:off x="685800" y="4343400"/>
+            <a:ext cx="5486400" cy="4114800"/>
+          </a:xfrm>
+          <a:prstGeom prst="rect">
+            <a:avLst/>
+          </a:prstGeom>
+        </p:spPr>
+        <p:txBody>
+          <a:bodyPr anchorCtr="0" anchor="t" bIns="91425" lIns="91425" spcFirstLastPara="1" rIns="91425" wrap="square" tIns="91425">
+            <a:noAutofit/>
+          </a:bodyPr>
+          <a:lstStyle/>
+          <a:p>
+            <a:pPr indent="0" lvl="0" marL="0" rtl="0" algn="l">
+              <a:spcBef>
+                <a:spcPts val="0"/>
+              </a:spcBef>
+              <a:spcAft>
+                <a:spcPts val="0"/>
+              </a:spcAft>
+              <a:buNone/>
+            </a:pPr>
+            <a:r>
+              <a:t/>
+            </a:r>
+            <a:endParaRPr/>
+          </a:p>
+        </p:txBody>
+      </p:sp>
+      <p:sp>
+        <p:nvSpPr>
+          <p:cNvPr id="220" name="Google Shape;220;g35d359552ad_0_66:notes"/>
+          <p:cNvSpPr/>
+          <p:nvPr>
+            <p:ph idx="2" type="sldImg"/>
+          </p:nvPr>
+        </p:nvSpPr>
+        <p:spPr>
+          <a:xfrm>
+            <a:off x="1143225" y="685800"/>
+            <a:ext cx="4572300" cy="3429000"/>
+          </a:xfrm>
+          <a:custGeom>
+            <a:rect b="b" l="l" r="r" t="t"/>
+            <a:pathLst>
+              <a:path extrusionOk="0" h="120000" w="120000">
+                <a:moveTo>
+                  <a:pt x="0" y="0"/>
+                </a:moveTo>
+                <a:lnTo>
+                  <a:pt x="120000" y="0"/>
+                </a:lnTo>
+                <a:lnTo>
+                  <a:pt x="120000" y="120000"/>
+                </a:lnTo>
+                <a:lnTo>
+                  <a:pt x="0" y="120000"/>
+                </a:lnTo>
+                <a:close/>
+              </a:path>
+            </a:pathLst>
+          </a:custGeom>
+        </p:spPr>
+      </p:sp>
+    </p:spTree>
+  </p:cSld>
+  <p:clrMapOvr>
+    <a:masterClrMapping/>
+  </p:clrMapOvr>
+</p:notes>
+</file>
+
+<file path=ppt/notesSlides/notesSlide19.xml><?xml version="1.0" encoding="utf-8"?>
+<p:notes xmlns:a="http://schemas.openxmlformats.org/drawingml/2006/main" xmlns:r="http://schemas.openxmlformats.org/officeDocument/2006/relationships" xmlns:mc="http://schemas.openxmlformats.org/markup-compatibility/2006" xmlns:mv="urn:schemas-microsoft-com:mac:vml" xmlns:p="http://schemas.openxmlformats.org/presentationml/2006/main" xmlns:c="http://schemas.openxmlformats.org/drawingml/2006/chart" xmlns:dgm="http://schemas.openxmlformats.org/drawingml/2006/diagram" xmlns:o="urn:schemas-microsoft-com:office:office" xmlns:v="urn:schemas-microsoft-com:vml" xmlns:pvml="urn:schemas-microsoft-com:office:powerpoint" xmlns:com="http://schemas.openxmlformats.org/drawingml/2006/compatibility" xmlns:p14="http://schemas.microsoft.com/office/powerpoint/2010/main" xmlns:p15="http://schemas.microsoft.com/office/powerpoint/2012/main" xmlns:ahyp="http://schemas.microsoft.com/office/drawing/2018/hyperlinkcolor" showMasterPhAnim="0" showMasterSp="0">
+  <p:cSld>
+    <p:spTree>
+      <p:nvGrpSpPr>
+        <p:cNvPr id="227" name="Shape 227"/>
+        <p:cNvGrpSpPr/>
+        <p:nvPr/>
+      </p:nvGrpSpPr>
+      <p:grpSpPr>
+        <a:xfrm>
+          <a:off x="0" y="0"/>
+          <a:ext cx="0" cy="0"/>
+          <a:chOff x="0" y="0"/>
+          <a:chExt cx="0" cy="0"/>
+        </a:xfrm>
+      </p:grpSpPr>
+      <p:sp>
+        <p:nvSpPr>
+          <p:cNvPr id="228" name="Google Shape;228;g35c96876222_0_31:notes"/>
+          <p:cNvSpPr txBox="1"/>
+          <p:nvPr>
+            <p:ph idx="1" type="body"/>
+          </p:nvPr>
+        </p:nvSpPr>
+        <p:spPr>
+          <a:xfrm>
+            <a:off x="685800" y="4343400"/>
+            <a:ext cx="5486400" cy="4114800"/>
+          </a:xfrm>
+          <a:prstGeom prst="rect">
+            <a:avLst/>
+          </a:prstGeom>
+        </p:spPr>
+        <p:txBody>
+          <a:bodyPr anchorCtr="0" anchor="t" bIns="91425" lIns="91425" spcFirstLastPara="1" rIns="91425" wrap="square" tIns="91425">
+            <a:noAutofit/>
+          </a:bodyPr>
+          <a:lstStyle/>
+          <a:p>
+            <a:pPr indent="0" lvl="0" marL="0" rtl="0" algn="l">
+              <a:spcBef>
+                <a:spcPts val="0"/>
+              </a:spcBef>
+              <a:spcAft>
+                <a:spcPts val="0"/>
+              </a:spcAft>
+              <a:buNone/>
+            </a:pPr>
+            <a:r>
+              <a:t/>
+            </a:r>
+            <a:endParaRPr/>
+          </a:p>
+        </p:txBody>
+      </p:sp>
+      <p:sp>
+        <p:nvSpPr>
+          <p:cNvPr id="229" name="Google Shape;229;g35c96876222_0_31:notes"/>
+          <p:cNvSpPr/>
+          <p:nvPr>
+            <p:ph idx="2" type="sldImg"/>
+          </p:nvPr>
+        </p:nvSpPr>
+        <p:spPr>
+          <a:xfrm>
+            <a:off x="1143225" y="685800"/>
+            <a:ext cx="4572300" cy="3429000"/>
           </a:xfrm>
           <a:custGeom>
             <a:rect b="b" l="l" r="r" t="t"/>
@@ -1685,6 +1896,402 @@
 </p:notes>
 </file>
 
+<file path=ppt/notesSlides/notesSlide20.xml><?xml version="1.0" encoding="utf-8"?>
+<p:notes xmlns:a="http://schemas.openxmlformats.org/drawingml/2006/main" xmlns:r="http://schemas.openxmlformats.org/officeDocument/2006/relationships" xmlns:mc="http://schemas.openxmlformats.org/markup-compatibility/2006" xmlns:mv="urn:schemas-microsoft-com:mac:vml" xmlns:p="http://schemas.openxmlformats.org/presentationml/2006/main" xmlns:c="http://schemas.openxmlformats.org/drawingml/2006/chart" xmlns:dgm="http://schemas.openxmlformats.org/drawingml/2006/diagram" xmlns:o="urn:schemas-microsoft-com:office:office" xmlns:v="urn:schemas-microsoft-com:vml" xmlns:pvml="urn:schemas-microsoft-com:office:powerpoint" xmlns:com="http://schemas.openxmlformats.org/drawingml/2006/compatibility" xmlns:p14="http://schemas.microsoft.com/office/powerpoint/2010/main" xmlns:p15="http://schemas.microsoft.com/office/powerpoint/2012/main" xmlns:ahyp="http://schemas.microsoft.com/office/drawing/2018/hyperlinkcolor" showMasterPhAnim="0" showMasterSp="0">
+  <p:cSld>
+    <p:spTree>
+      <p:nvGrpSpPr>
+        <p:cNvPr id="237" name="Shape 237"/>
+        <p:cNvGrpSpPr/>
+        <p:nvPr/>
+      </p:nvGrpSpPr>
+      <p:grpSpPr>
+        <a:xfrm>
+          <a:off x="0" y="0"/>
+          <a:ext cx="0" cy="0"/>
+          <a:chOff x="0" y="0"/>
+          <a:chExt cx="0" cy="0"/>
+        </a:xfrm>
+      </p:grpSpPr>
+      <p:sp>
+        <p:nvSpPr>
+          <p:cNvPr id="238" name="Google Shape;238;g35d359552ad_0_0:notes"/>
+          <p:cNvSpPr txBox="1"/>
+          <p:nvPr>
+            <p:ph idx="1" type="body"/>
+          </p:nvPr>
+        </p:nvSpPr>
+        <p:spPr>
+          <a:xfrm>
+            <a:off x="685800" y="4343400"/>
+            <a:ext cx="5486400" cy="4114800"/>
+          </a:xfrm>
+          <a:prstGeom prst="rect">
+            <a:avLst/>
+          </a:prstGeom>
+        </p:spPr>
+        <p:txBody>
+          <a:bodyPr anchorCtr="0" anchor="t" bIns="91425" lIns="91425" spcFirstLastPara="1" rIns="91425" wrap="square" tIns="91425">
+            <a:noAutofit/>
+          </a:bodyPr>
+          <a:lstStyle/>
+          <a:p>
+            <a:pPr indent="0" lvl="0" marL="0" rtl="0" algn="l">
+              <a:spcBef>
+                <a:spcPts val="0"/>
+              </a:spcBef>
+              <a:spcAft>
+                <a:spcPts val="0"/>
+              </a:spcAft>
+              <a:buNone/>
+            </a:pPr>
+            <a:r>
+              <a:t/>
+            </a:r>
+            <a:endParaRPr/>
+          </a:p>
+        </p:txBody>
+      </p:sp>
+      <p:sp>
+        <p:nvSpPr>
+          <p:cNvPr id="239" name="Google Shape;239;g35d359552ad_0_0:notes"/>
+          <p:cNvSpPr/>
+          <p:nvPr>
+            <p:ph idx="2" type="sldImg"/>
+          </p:nvPr>
+        </p:nvSpPr>
+        <p:spPr>
+          <a:xfrm>
+            <a:off x="1143225" y="685800"/>
+            <a:ext cx="4572300" cy="3429000"/>
+          </a:xfrm>
+          <a:custGeom>
+            <a:rect b="b" l="l" r="r" t="t"/>
+            <a:pathLst>
+              <a:path extrusionOk="0" h="120000" w="120000">
+                <a:moveTo>
+                  <a:pt x="0" y="0"/>
+                </a:moveTo>
+                <a:lnTo>
+                  <a:pt x="120000" y="0"/>
+                </a:lnTo>
+                <a:lnTo>
+                  <a:pt x="120000" y="120000"/>
+                </a:lnTo>
+                <a:lnTo>
+                  <a:pt x="0" y="120000"/>
+                </a:lnTo>
+                <a:close/>
+              </a:path>
+            </a:pathLst>
+          </a:custGeom>
+        </p:spPr>
+      </p:sp>
+    </p:spTree>
+  </p:cSld>
+  <p:clrMapOvr>
+    <a:masterClrMapping/>
+  </p:clrMapOvr>
+</p:notes>
+</file>
+
+<file path=ppt/notesSlides/notesSlide21.xml><?xml version="1.0" encoding="utf-8"?>
+<p:notes xmlns:a="http://schemas.openxmlformats.org/drawingml/2006/main" xmlns:r="http://schemas.openxmlformats.org/officeDocument/2006/relationships" xmlns:mc="http://schemas.openxmlformats.org/markup-compatibility/2006" xmlns:mv="urn:schemas-microsoft-com:mac:vml" xmlns:p="http://schemas.openxmlformats.org/presentationml/2006/main" xmlns:c="http://schemas.openxmlformats.org/drawingml/2006/chart" xmlns:dgm="http://schemas.openxmlformats.org/drawingml/2006/diagram" xmlns:o="urn:schemas-microsoft-com:office:office" xmlns:v="urn:schemas-microsoft-com:vml" xmlns:pvml="urn:schemas-microsoft-com:office:powerpoint" xmlns:com="http://schemas.openxmlformats.org/drawingml/2006/compatibility" xmlns:p14="http://schemas.microsoft.com/office/powerpoint/2010/main" xmlns:p15="http://schemas.microsoft.com/office/powerpoint/2012/main" xmlns:ahyp="http://schemas.microsoft.com/office/drawing/2018/hyperlinkcolor" showMasterPhAnim="0" showMasterSp="0">
+  <p:cSld>
+    <p:spTree>
+      <p:nvGrpSpPr>
+        <p:cNvPr id="246" name="Shape 246"/>
+        <p:cNvGrpSpPr/>
+        <p:nvPr/>
+      </p:nvGrpSpPr>
+      <p:grpSpPr>
+        <a:xfrm>
+          <a:off x="0" y="0"/>
+          <a:ext cx="0" cy="0"/>
+          <a:chOff x="0" y="0"/>
+          <a:chExt cx="0" cy="0"/>
+        </a:xfrm>
+      </p:grpSpPr>
+      <p:sp>
+        <p:nvSpPr>
+          <p:cNvPr id="247" name="Google Shape;247;g35c96876222_0_43:notes"/>
+          <p:cNvSpPr txBox="1"/>
+          <p:nvPr>
+            <p:ph idx="1" type="body"/>
+          </p:nvPr>
+        </p:nvSpPr>
+        <p:spPr>
+          <a:xfrm>
+            <a:off x="685800" y="4343400"/>
+            <a:ext cx="5486400" cy="4114800"/>
+          </a:xfrm>
+          <a:prstGeom prst="rect">
+            <a:avLst/>
+          </a:prstGeom>
+        </p:spPr>
+        <p:txBody>
+          <a:bodyPr anchorCtr="0" anchor="t" bIns="91425" lIns="91425" spcFirstLastPara="1" rIns="91425" wrap="square" tIns="91425">
+            <a:noAutofit/>
+          </a:bodyPr>
+          <a:lstStyle/>
+          <a:p>
+            <a:pPr indent="0" lvl="0" marL="0" rtl="0" algn="l">
+              <a:spcBef>
+                <a:spcPts val="0"/>
+              </a:spcBef>
+              <a:spcAft>
+                <a:spcPts val="0"/>
+              </a:spcAft>
+              <a:buNone/>
+            </a:pPr>
+            <a:r>
+              <a:t/>
+            </a:r>
+            <a:endParaRPr/>
+          </a:p>
+        </p:txBody>
+      </p:sp>
+      <p:sp>
+        <p:nvSpPr>
+          <p:cNvPr id="248" name="Google Shape;248;g35c96876222_0_43:notes"/>
+          <p:cNvSpPr/>
+          <p:nvPr>
+            <p:ph idx="2" type="sldImg"/>
+          </p:nvPr>
+        </p:nvSpPr>
+        <p:spPr>
+          <a:xfrm>
+            <a:off x="1143225" y="685800"/>
+            <a:ext cx="4572300" cy="3429000"/>
+          </a:xfrm>
+          <a:custGeom>
+            <a:rect b="b" l="l" r="r" t="t"/>
+            <a:pathLst>
+              <a:path extrusionOk="0" h="120000" w="120000">
+                <a:moveTo>
+                  <a:pt x="0" y="0"/>
+                </a:moveTo>
+                <a:lnTo>
+                  <a:pt x="120000" y="0"/>
+                </a:lnTo>
+                <a:lnTo>
+                  <a:pt x="120000" y="120000"/>
+                </a:lnTo>
+                <a:lnTo>
+                  <a:pt x="0" y="120000"/>
+                </a:lnTo>
+                <a:close/>
+              </a:path>
+            </a:pathLst>
+          </a:custGeom>
+        </p:spPr>
+      </p:sp>
+    </p:spTree>
+  </p:cSld>
+  <p:clrMapOvr>
+    <a:masterClrMapping/>
+  </p:clrMapOvr>
+</p:notes>
+</file>
+
+<file path=ppt/notesSlides/notesSlide22.xml><?xml version="1.0" encoding="utf-8"?>
+<p:notes xmlns:a="http://schemas.openxmlformats.org/drawingml/2006/main" xmlns:r="http://schemas.openxmlformats.org/officeDocument/2006/relationships" xmlns:mc="http://schemas.openxmlformats.org/markup-compatibility/2006" xmlns:mv="urn:schemas-microsoft-com:mac:vml" xmlns:p="http://schemas.openxmlformats.org/presentationml/2006/main" xmlns:c="http://schemas.openxmlformats.org/drawingml/2006/chart" xmlns:dgm="http://schemas.openxmlformats.org/drawingml/2006/diagram" xmlns:o="urn:schemas-microsoft-com:office:office" xmlns:v="urn:schemas-microsoft-com:vml" xmlns:pvml="urn:schemas-microsoft-com:office:powerpoint" xmlns:com="http://schemas.openxmlformats.org/drawingml/2006/compatibility" xmlns:p14="http://schemas.microsoft.com/office/powerpoint/2010/main" xmlns:p15="http://schemas.microsoft.com/office/powerpoint/2012/main" xmlns:ahyp="http://schemas.microsoft.com/office/drawing/2018/hyperlinkcolor" showMasterPhAnim="0" showMasterSp="0">
+  <p:cSld>
+    <p:spTree>
+      <p:nvGrpSpPr>
+        <p:cNvPr id="257" name="Shape 257"/>
+        <p:cNvGrpSpPr/>
+        <p:nvPr/>
+      </p:nvGrpSpPr>
+      <p:grpSpPr>
+        <a:xfrm>
+          <a:off x="0" y="0"/>
+          <a:ext cx="0" cy="0"/>
+          <a:chOff x="0" y="0"/>
+          <a:chExt cx="0" cy="0"/>
+        </a:xfrm>
+      </p:grpSpPr>
+      <p:sp>
+        <p:nvSpPr>
+          <p:cNvPr id="258" name="Google Shape;258;p12:notes"/>
+          <p:cNvSpPr txBox="1"/>
+          <p:nvPr>
+            <p:ph idx="1" type="body"/>
+          </p:nvPr>
+        </p:nvSpPr>
+        <p:spPr>
+          <a:xfrm>
+            <a:off x="685800" y="4343400"/>
+            <a:ext cx="5486400" cy="4114800"/>
+          </a:xfrm>
+          <a:prstGeom prst="rect">
+            <a:avLst/>
+          </a:prstGeom>
+        </p:spPr>
+        <p:txBody>
+          <a:bodyPr anchorCtr="0" anchor="t" bIns="91425" lIns="91425" spcFirstLastPara="1" rIns="91425" wrap="square" tIns="91425">
+            <a:noAutofit/>
+          </a:bodyPr>
+          <a:lstStyle/>
+          <a:p>
+            <a:pPr indent="0" lvl="0" marL="0" rtl="0" algn="l">
+              <a:spcBef>
+                <a:spcPts val="0"/>
+              </a:spcBef>
+              <a:spcAft>
+                <a:spcPts val="0"/>
+              </a:spcAft>
+              <a:buNone/>
+            </a:pPr>
+            <a:r>
+              <a:t/>
+            </a:r>
+            <a:endParaRPr/>
+          </a:p>
+        </p:txBody>
+      </p:sp>
+      <p:sp>
+        <p:nvSpPr>
+          <p:cNvPr id="259" name="Google Shape;259;p12:notes"/>
+          <p:cNvSpPr/>
+          <p:nvPr>
+            <p:ph idx="2" type="sldImg"/>
+          </p:nvPr>
+        </p:nvSpPr>
+        <p:spPr>
+          <a:xfrm>
+            <a:off x="1143225" y="685800"/>
+            <a:ext cx="4572225" cy="3429000"/>
+          </a:xfrm>
+          <a:custGeom>
+            <a:rect b="b" l="l" r="r" t="t"/>
+            <a:pathLst>
+              <a:path extrusionOk="0" h="120000" w="120000">
+                <a:moveTo>
+                  <a:pt x="0" y="0"/>
+                </a:moveTo>
+                <a:lnTo>
+                  <a:pt x="120000" y="0"/>
+                </a:lnTo>
+                <a:lnTo>
+                  <a:pt x="120000" y="120000"/>
+                </a:lnTo>
+                <a:lnTo>
+                  <a:pt x="0" y="120000"/>
+                </a:lnTo>
+                <a:close/>
+              </a:path>
+            </a:pathLst>
+          </a:custGeom>
+        </p:spPr>
+      </p:sp>
+    </p:spTree>
+  </p:cSld>
+  <p:clrMapOvr>
+    <a:masterClrMapping/>
+  </p:clrMapOvr>
+</p:notes>
+</file>
+
+<file path=ppt/notesSlides/notesSlide23.xml><?xml version="1.0" encoding="utf-8"?>
+<p:notes xmlns:a="http://schemas.openxmlformats.org/drawingml/2006/main" xmlns:r="http://schemas.openxmlformats.org/officeDocument/2006/relationships" xmlns:mc="http://schemas.openxmlformats.org/markup-compatibility/2006" xmlns:mv="urn:schemas-microsoft-com:mac:vml" xmlns:p="http://schemas.openxmlformats.org/presentationml/2006/main" xmlns:c="http://schemas.openxmlformats.org/drawingml/2006/chart" xmlns:dgm="http://schemas.openxmlformats.org/drawingml/2006/diagram" xmlns:o="urn:schemas-microsoft-com:office:office" xmlns:v="urn:schemas-microsoft-com:vml" xmlns:pvml="urn:schemas-microsoft-com:office:powerpoint" xmlns:com="http://schemas.openxmlformats.org/drawingml/2006/compatibility" xmlns:p14="http://schemas.microsoft.com/office/powerpoint/2010/main" xmlns:p15="http://schemas.microsoft.com/office/powerpoint/2012/main" xmlns:ahyp="http://schemas.microsoft.com/office/drawing/2018/hyperlinkcolor" showMasterPhAnim="0" showMasterSp="0">
+  <p:cSld>
+    <p:spTree>
+      <p:nvGrpSpPr>
+        <p:cNvPr id="266" name="Shape 266"/>
+        <p:cNvGrpSpPr/>
+        <p:nvPr/>
+      </p:nvGrpSpPr>
+      <p:grpSpPr>
+        <a:xfrm>
+          <a:off x="0" y="0"/>
+          <a:ext cx="0" cy="0"/>
+          <a:chOff x="0" y="0"/>
+          <a:chExt cx="0" cy="0"/>
+        </a:xfrm>
+      </p:grpSpPr>
+      <p:sp>
+        <p:nvSpPr>
+          <p:cNvPr id="267" name="Google Shape;267;p13:notes"/>
+          <p:cNvSpPr txBox="1"/>
+          <p:nvPr>
+            <p:ph idx="1" type="body"/>
+          </p:nvPr>
+        </p:nvSpPr>
+        <p:spPr>
+          <a:xfrm>
+            <a:off x="685800" y="4343400"/>
+            <a:ext cx="5486400" cy="4114800"/>
+          </a:xfrm>
+          <a:prstGeom prst="rect">
+            <a:avLst/>
+          </a:prstGeom>
+        </p:spPr>
+        <p:txBody>
+          <a:bodyPr anchorCtr="0" anchor="t" bIns="91425" lIns="91425" spcFirstLastPara="1" rIns="91425" wrap="square" tIns="91425">
+            <a:noAutofit/>
+          </a:bodyPr>
+          <a:lstStyle/>
+          <a:p>
+            <a:pPr indent="0" lvl="0" marL="0" rtl="0" algn="l">
+              <a:spcBef>
+                <a:spcPts val="0"/>
+              </a:spcBef>
+              <a:spcAft>
+                <a:spcPts val="0"/>
+              </a:spcAft>
+              <a:buNone/>
+            </a:pPr>
+            <a:r>
+              <a:t/>
+            </a:r>
+            <a:endParaRPr/>
+          </a:p>
+        </p:txBody>
+      </p:sp>
+      <p:sp>
+        <p:nvSpPr>
+          <p:cNvPr id="268" name="Google Shape;268;p13:notes"/>
+          <p:cNvSpPr/>
+          <p:nvPr>
+            <p:ph idx="2" type="sldImg"/>
+          </p:nvPr>
+        </p:nvSpPr>
+        <p:spPr>
+          <a:xfrm>
+            <a:off x="1143225" y="685800"/>
+            <a:ext cx="4572225" cy="3429000"/>
+          </a:xfrm>
+          <a:custGeom>
+            <a:rect b="b" l="l" r="r" t="t"/>
+            <a:pathLst>
+              <a:path extrusionOk="0" h="120000" w="120000">
+                <a:moveTo>
+                  <a:pt x="0" y="0"/>
+                </a:moveTo>
+                <a:lnTo>
+                  <a:pt x="120000" y="0"/>
+                </a:lnTo>
+                <a:lnTo>
+                  <a:pt x="120000" y="120000"/>
+                </a:lnTo>
+                <a:lnTo>
+                  <a:pt x="0" y="120000"/>
+                </a:lnTo>
+                <a:close/>
+              </a:path>
+            </a:pathLst>
+          </a:custGeom>
+        </p:spPr>
+      </p:sp>
+    </p:spTree>
+  </p:cSld>
+  <p:clrMapOvr>
+    <a:masterClrMapping/>
+  </p:clrMapOvr>
+</p:notes>
+</file>
+
 <file path=ppt/notesSlides/notesSlide3.xml><?xml version="1.0" encoding="utf-8"?>
 <p:notes xmlns:a="http://schemas.openxmlformats.org/drawingml/2006/main" xmlns:r="http://schemas.openxmlformats.org/officeDocument/2006/relationships" xmlns:mc="http://schemas.openxmlformats.org/markup-compatibility/2006" xmlns:mv="urn:schemas-microsoft-com:mac:vml" xmlns:p="http://schemas.openxmlformats.org/presentationml/2006/main" xmlns:c="http://schemas.openxmlformats.org/drawingml/2006/chart" xmlns:dgm="http://schemas.openxmlformats.org/drawingml/2006/diagram" xmlns:o="urn:schemas-microsoft-com:office:office" xmlns:v="urn:schemas-microsoft-com:vml" xmlns:pvml="urn:schemas-microsoft-com:office:powerpoint" xmlns:com="http://schemas.openxmlformats.org/drawingml/2006/compatibility" xmlns:p14="http://schemas.microsoft.com/office/powerpoint/2010/main" xmlns:p15="http://schemas.microsoft.com/office/powerpoint/2012/main" xmlns:ahyp="http://schemas.microsoft.com/office/drawing/2018/hyperlinkcolor" showMasterPhAnim="0" showMasterSp="0">
   <p:cSld>
@@ -2100,7 +2707,7 @@
       </p:grpSpPr>
       <p:sp>
         <p:nvSpPr>
-          <p:cNvPr id="104" name="Google Shape;104;p6:notes"/>
+          <p:cNvPr id="104" name="Google Shape;104;g35d359552ad_0_39:notes"/>
           <p:cNvSpPr txBox="1"/>
           <p:nvPr>
             <p:ph idx="1" type="body"/>
@@ -2139,7 +2746,7 @@
       </p:sp>
       <p:sp>
         <p:nvSpPr>
-          <p:cNvPr id="105" name="Google Shape;105;p6:notes"/>
+          <p:cNvPr id="105" name="Google Shape;105;g35d359552ad_0_39:notes"/>
           <p:cNvSpPr/>
           <p:nvPr>
             <p:ph idx="2" type="sldImg"/>
@@ -2148,7 +2755,7 @@
         <p:spPr>
           <a:xfrm>
             <a:off x="1143225" y="685800"/>
-            <a:ext cx="4572225" cy="3429000"/>
+            <a:ext cx="4572300" cy="3429000"/>
           </a:xfrm>
           <a:custGeom>
             <a:rect b="b" l="l" r="r" t="t"/>
@@ -2185,7 +2792,7 @@
   <p:cSld>
     <p:spTree>
       <p:nvGrpSpPr>
-        <p:cNvPr id="115" name="Shape 115"/>
+        <p:cNvPr id="113" name="Shape 113"/>
         <p:cNvGrpSpPr/>
         <p:nvPr/>
       </p:nvGrpSpPr>
@@ -2199,7 +2806,7 @@
       </p:grpSpPr>
       <p:sp>
         <p:nvSpPr>
-          <p:cNvPr id="116" name="Google Shape;116;p7:notes"/>
+          <p:cNvPr id="114" name="Google Shape;114;p6:notes"/>
           <p:cNvSpPr txBox="1"/>
           <p:nvPr>
             <p:ph idx="1" type="body"/>
@@ -2238,7 +2845,7 @@
       </p:sp>
       <p:sp>
         <p:nvSpPr>
-          <p:cNvPr id="117" name="Google Shape;117;p7:notes"/>
+          <p:cNvPr id="115" name="Google Shape;115;p6:notes"/>
           <p:cNvSpPr/>
           <p:nvPr>
             <p:ph idx="2" type="sldImg"/>
@@ -2284,7 +2891,7 @@
   <p:cSld>
     <p:spTree>
       <p:nvGrpSpPr>
-        <p:cNvPr id="124" name="Shape 124"/>
+        <p:cNvPr id="125" name="Shape 125"/>
         <p:cNvGrpSpPr/>
         <p:nvPr/>
       </p:nvGrpSpPr>
@@ -2298,7 +2905,7 @@
       </p:grpSpPr>
       <p:sp>
         <p:nvSpPr>
-          <p:cNvPr id="125" name="Google Shape;125;p8:notes"/>
+          <p:cNvPr id="126" name="Google Shape;126;g35d359552ad_0_26:notes"/>
           <p:cNvSpPr txBox="1"/>
           <p:nvPr>
             <p:ph idx="1" type="body"/>
@@ -2337,7 +2944,7 @@
       </p:sp>
       <p:sp>
         <p:nvSpPr>
-          <p:cNvPr id="126" name="Google Shape;126;p8:notes"/>
+          <p:cNvPr id="127" name="Google Shape;127;g35d359552ad_0_26:notes"/>
           <p:cNvSpPr/>
           <p:nvPr>
             <p:ph idx="2" type="sldImg"/>
@@ -2346,7 +2953,7 @@
         <p:spPr>
           <a:xfrm>
             <a:off x="1143225" y="685800"/>
-            <a:ext cx="4572225" cy="3429000"/>
+            <a:ext cx="4572300" cy="3429000"/>
           </a:xfrm>
           <a:custGeom>
             <a:rect b="b" l="l" r="r" t="t"/>
@@ -6220,7 +6827,7 @@
   <p:cSld>
     <p:spTree>
       <p:nvGrpSpPr>
-        <p:cNvPr id="136" name="Shape 136"/>
+        <p:cNvPr id="139" name="Shape 139"/>
         <p:cNvGrpSpPr/>
         <p:nvPr/>
       </p:nvGrpSpPr>
@@ -6234,7 +6841,7 @@
       </p:grpSpPr>
       <p:pic>
         <p:nvPicPr>
-          <p:cNvPr id="137" name="Google Shape;137;p22"/>
+          <p:cNvPr descr="A low angle view of a building&#10;&#10;Description automatically generated with medium confidence" id="140" name="Google Shape;140;p22"/>
           <p:cNvPicPr preferRelativeResize="0"/>
           <p:nvPr/>
         </p:nvPicPr>
@@ -6242,13 +6849,13 @@
           <a:blip r:embed="rId3">
             <a:alphaModFix/>
           </a:blip>
-          <a:srcRect b="0" l="0" r="0" t="0"/>
+          <a:srcRect b="0" l="14445" r="11960" t="0"/>
           <a:stretch/>
         </p:blipFill>
         <p:spPr>
           <a:xfrm>
-            <a:off x="10347" y="0"/>
-            <a:ext cx="2401375" cy="902226"/>
+            <a:off x="7705638" y="0"/>
+            <a:ext cx="4486361" cy="6858000"/>
           </a:xfrm>
           <a:prstGeom prst="rect">
             <a:avLst/>
@@ -6259,16 +6866,43 @@
           </a:ln>
         </p:spPr>
       </p:pic>
+      <p:pic>
+        <p:nvPicPr>
+          <p:cNvPr id="141" name="Google Shape;141;p22"/>
+          <p:cNvPicPr preferRelativeResize="0"/>
+          <p:nvPr/>
+        </p:nvPicPr>
+        <p:blipFill rotWithShape="1">
+          <a:blip r:embed="rId4">
+            <a:alphaModFix/>
+          </a:blip>
+          <a:srcRect b="0" l="0" r="0" t="0"/>
+          <a:stretch/>
+        </p:blipFill>
+        <p:spPr>
+          <a:xfrm>
+            <a:off x="10347" y="0"/>
+            <a:ext cx="2401377" cy="902226"/>
+          </a:xfrm>
+          <a:prstGeom prst="rect">
+            <a:avLst/>
+          </a:prstGeom>
+          <a:noFill/>
+          <a:ln>
+            <a:noFill/>
+          </a:ln>
+        </p:spPr>
+      </p:pic>
       <p:cxnSp>
         <p:nvCxnSpPr>
-          <p:cNvPr id="138" name="Google Shape;138;p22"/>
+          <p:cNvPr id="142" name="Google Shape;142;p22"/>
           <p:cNvCxnSpPr/>
           <p:nvPr/>
         </p:nvCxnSpPr>
         <p:spPr>
           <a:xfrm>
             <a:off x="323850" y="1352550"/>
-            <a:ext cx="6305700" cy="0"/>
+            <a:ext cx="6305550" cy="0"/>
           </a:xfrm>
           <a:prstGeom prst="straightConnector1">
             <a:avLst/>
@@ -6285,43 +6919,16 @@
           </a:ln>
         </p:spPr>
       </p:cxnSp>
-      <p:pic>
-        <p:nvPicPr>
-          <p:cNvPr descr="A person standing on a roof&#10;&#10;Description automatically generated with low confidence" id="139" name="Google Shape;139;p22"/>
-          <p:cNvPicPr preferRelativeResize="0"/>
-          <p:nvPr/>
-        </p:nvPicPr>
-        <p:blipFill rotWithShape="1">
-          <a:blip r:embed="rId4">
-            <a:alphaModFix/>
-          </a:blip>
-          <a:srcRect b="0" l="13202" r="13371" t="0"/>
-          <a:stretch/>
-        </p:blipFill>
-        <p:spPr>
-          <a:xfrm>
-            <a:off x="7715985" y="0"/>
-            <a:ext cx="4476015" cy="6858000"/>
-          </a:xfrm>
-          <a:prstGeom prst="rect">
-            <a:avLst/>
-          </a:prstGeom>
-          <a:noFill/>
-          <a:ln>
-            <a:noFill/>
-          </a:ln>
-        </p:spPr>
-      </p:pic>
       <p:sp>
         <p:nvSpPr>
-          <p:cNvPr id="140" name="Google Shape;140;p22"/>
+          <p:cNvPr id="143" name="Google Shape;143;p22"/>
           <p:cNvSpPr txBox="1"/>
           <p:nvPr/>
         </p:nvSpPr>
         <p:spPr>
           <a:xfrm>
-            <a:off x="449450" y="736175"/>
-            <a:ext cx="6067500" cy="511500"/>
+            <a:off x="309975" y="829150"/>
+            <a:ext cx="7137000" cy="523500"/>
           </a:xfrm>
           <a:prstGeom prst="rect">
             <a:avLst/>
@@ -6356,19 +6963,7 @@
                 <a:cs typeface="Calibri"/>
                 <a:sym typeface="Calibri"/>
               </a:rPr>
-              <a:t>JMeter api.restful-dev </a:t>
-            </a:r>
-            <a:r>
-              <a:rPr lang="en-IN" sz="2800">
-                <a:solidFill>
-                  <a:schemeClr val="dk1"/>
-                </a:solidFill>
-                <a:latin typeface="Calibri"/>
-                <a:ea typeface="Calibri"/>
-                <a:cs typeface="Calibri"/>
-                <a:sym typeface="Calibri"/>
-              </a:rPr>
-              <a:t>Test Video</a:t>
+              <a:t>Selenium Form Submission Test Video</a:t>
             </a:r>
             <a:endParaRPr sz="2800">
               <a:solidFill>
@@ -6380,34 +6975,11 @@
               <a:sym typeface="Calibri"/>
             </a:endParaRPr>
           </a:p>
-          <a:p>
-            <a:pPr indent="0" lvl="0" marL="0" rtl="0" algn="l">
-              <a:spcBef>
-                <a:spcPts val="0"/>
-              </a:spcBef>
-              <a:spcAft>
-                <a:spcPts val="0"/>
-              </a:spcAft>
-              <a:buNone/>
-            </a:pPr>
-            <a:r>
-              <a:t/>
-            </a:r>
-            <a:endParaRPr sz="2800">
-              <a:solidFill>
-                <a:schemeClr val="dk1"/>
-              </a:solidFill>
-              <a:latin typeface="Calibri"/>
-              <a:ea typeface="Calibri"/>
-              <a:cs typeface="Calibri"/>
-              <a:sym typeface="Calibri"/>
-            </a:endParaRPr>
-          </a:p>
         </p:txBody>
       </p:sp>
       <p:pic>
         <p:nvPicPr>
-          <p:cNvPr id="141" name="Google Shape;141;p22" title="restful-api-dev-test.jmx (C__Users_swarna.sreekar_OneDrive - ascendion_Desktop_HP_Capstone_JMeter_restful-api-dev-test.jmx) - Apache JMeter (5.6.3) 2025-05-23 16-31-25.mp4">
+          <p:cNvPr id="144" name="Google Shape;144;p22" title="eclipse-workspace - hpcapstone_src_test_java_tests_FormSubmissionTest.java - Eclipse IDE 2025-05-23 16-42-09.mp4">
             <a:hlinkClick r:id="rId5"/>
           </p:cNvPr>
           <p:cNvPicPr preferRelativeResize="0"/>
@@ -6423,8 +6995,8 @@
         </p:blipFill>
         <p:spPr>
           <a:xfrm>
-            <a:off x="198900" y="1655800"/>
-            <a:ext cx="7411176" cy="4450526"/>
+            <a:off x="152400" y="1505050"/>
+            <a:ext cx="7294576" cy="4671025"/>
           </a:xfrm>
           <a:prstGeom prst="rect">
             <a:avLst/>
@@ -6474,7 +7046,7 @@
                                           </p:stCondLst>
                                         </p:cTn>
                                         <p:tgtEl>
-                                          <p:spTgt spid="141"/>
+                                          <p:spTgt spid="144"/>
                                         </p:tgtEl>
                                         <p:attrNameLst>
                                           <p:attrName>style.visibility</p:attrName>
@@ -6488,7 +7060,7 @@
                                       <p:cBhvr>
                                         <p:cTn dur="1000"/>
                                         <p:tgtEl>
-                                          <p:spTgt spid="141"/>
+                                          <p:spTgt spid="144"/>
                                         </p:tgtEl>
                                       </p:cBhvr>
                                     </p:animEffect>
@@ -6531,7 +7103,634 @@
   <p:cSld>
     <p:spTree>
       <p:nvGrpSpPr>
-        <p:cNvPr id="145" name="Shape 145"/>
+        <p:cNvPr id="148" name="Shape 148"/>
+        <p:cNvGrpSpPr/>
+        <p:nvPr/>
+      </p:nvGrpSpPr>
+      <p:grpSpPr>
+        <a:xfrm>
+          <a:off x="0" y="0"/>
+          <a:ext cx="0" cy="0"/>
+          <a:chOff x="0" y="0"/>
+          <a:chExt cx="0" cy="0"/>
+        </a:xfrm>
+      </p:grpSpPr>
+      <p:pic>
+        <p:nvPicPr>
+          <p:cNvPr id="149" name="Google Shape;149;p23"/>
+          <p:cNvPicPr preferRelativeResize="0"/>
+          <p:nvPr/>
+        </p:nvPicPr>
+        <p:blipFill rotWithShape="1">
+          <a:blip r:embed="rId3">
+            <a:alphaModFix/>
+          </a:blip>
+          <a:srcRect b="0" l="0" r="0" t="0"/>
+          <a:stretch/>
+        </p:blipFill>
+        <p:spPr>
+          <a:xfrm>
+            <a:off x="10347" y="0"/>
+            <a:ext cx="2401377" cy="902226"/>
+          </a:xfrm>
+          <a:prstGeom prst="rect">
+            <a:avLst/>
+          </a:prstGeom>
+          <a:noFill/>
+          <a:ln>
+            <a:noFill/>
+          </a:ln>
+        </p:spPr>
+      </p:pic>
+      <p:cxnSp>
+        <p:nvCxnSpPr>
+          <p:cNvPr id="150" name="Google Shape;150;p23"/>
+          <p:cNvCxnSpPr/>
+          <p:nvPr/>
+        </p:nvCxnSpPr>
+        <p:spPr>
+          <a:xfrm>
+            <a:off x="323850" y="1352550"/>
+            <a:ext cx="6305550" cy="0"/>
+          </a:xfrm>
+          <a:prstGeom prst="straightConnector1">
+            <a:avLst/>
+          </a:prstGeom>
+          <a:noFill/>
+          <a:ln cap="flat" cmpd="sng" w="9525">
+            <a:solidFill>
+              <a:schemeClr val="dk1"/>
+            </a:solidFill>
+            <a:prstDash val="solid"/>
+            <a:miter lim="800000"/>
+            <a:headEnd len="sm" w="sm" type="none"/>
+            <a:tailEnd len="sm" w="sm" type="none"/>
+          </a:ln>
+        </p:spPr>
+      </p:cxnSp>
+      <p:pic>
+        <p:nvPicPr>
+          <p:cNvPr descr="A person standing on a roof&#10;&#10;Description automatically generated with low confidence" id="151" name="Google Shape;151;p23"/>
+          <p:cNvPicPr preferRelativeResize="0"/>
+          <p:nvPr/>
+        </p:nvPicPr>
+        <p:blipFill rotWithShape="1">
+          <a:blip r:embed="rId4">
+            <a:alphaModFix/>
+          </a:blip>
+          <a:srcRect b="0" l="13202" r="13372" t="0"/>
+          <a:stretch/>
+        </p:blipFill>
+        <p:spPr>
+          <a:xfrm>
+            <a:off x="7715985" y="0"/>
+            <a:ext cx="4476015" cy="6858000"/>
+          </a:xfrm>
+          <a:prstGeom prst="rect">
+            <a:avLst/>
+          </a:prstGeom>
+          <a:noFill/>
+          <a:ln>
+            <a:noFill/>
+          </a:ln>
+        </p:spPr>
+      </p:pic>
+      <p:sp>
+        <p:nvSpPr>
+          <p:cNvPr id="152" name="Google Shape;152;p23"/>
+          <p:cNvSpPr txBox="1"/>
+          <p:nvPr/>
+        </p:nvSpPr>
+        <p:spPr>
+          <a:xfrm>
+            <a:off x="449450" y="736175"/>
+            <a:ext cx="6067500" cy="511500"/>
+          </a:xfrm>
+          <a:prstGeom prst="rect">
+            <a:avLst/>
+          </a:prstGeom>
+          <a:noFill/>
+          <a:ln>
+            <a:noFill/>
+          </a:ln>
+        </p:spPr>
+        <p:txBody>
+          <a:bodyPr anchorCtr="0" anchor="t" bIns="91425" lIns="91425" spcFirstLastPara="1" rIns="91425" wrap="square" tIns="91425">
+            <a:noAutofit/>
+          </a:bodyPr>
+          <a:lstStyle/>
+          <a:p>
+            <a:pPr indent="0" lvl="0" marL="0" rtl="0" algn="l">
+              <a:spcBef>
+                <a:spcPts val="0"/>
+              </a:spcBef>
+              <a:spcAft>
+                <a:spcPts val="0"/>
+              </a:spcAft>
+              <a:buClr>
+                <a:schemeClr val="dk1"/>
+              </a:buClr>
+              <a:buSzPts val="1100"/>
+              <a:buFont typeface="Arial"/>
+              <a:buNone/>
+            </a:pPr>
+            <a:r>
+              <a:rPr lang="en-IN" sz="2800">
+                <a:solidFill>
+                  <a:schemeClr val="dk1"/>
+                </a:solidFill>
+                <a:latin typeface="Calibri"/>
+                <a:ea typeface="Calibri"/>
+                <a:cs typeface="Calibri"/>
+                <a:sym typeface="Calibri"/>
+              </a:rPr>
+              <a:t>API Postman</a:t>
+            </a:r>
+            <a:r>
+              <a:rPr lang="en-IN" sz="2800">
+                <a:solidFill>
+                  <a:schemeClr val="dk1"/>
+                </a:solidFill>
+                <a:latin typeface="Calibri"/>
+                <a:ea typeface="Calibri"/>
+                <a:cs typeface="Calibri"/>
+                <a:sym typeface="Calibri"/>
+              </a:rPr>
+              <a:t> Test Video</a:t>
+            </a:r>
+            <a:endParaRPr sz="2800">
+              <a:solidFill>
+                <a:schemeClr val="dk1"/>
+              </a:solidFill>
+              <a:latin typeface="Calibri"/>
+              <a:ea typeface="Calibri"/>
+              <a:cs typeface="Calibri"/>
+              <a:sym typeface="Calibri"/>
+            </a:endParaRPr>
+          </a:p>
+          <a:p>
+            <a:pPr indent="0" lvl="0" marL="0" rtl="0" algn="l">
+              <a:spcBef>
+                <a:spcPts val="0"/>
+              </a:spcBef>
+              <a:spcAft>
+                <a:spcPts val="0"/>
+              </a:spcAft>
+              <a:buNone/>
+            </a:pPr>
+            <a:r>
+              <a:t/>
+            </a:r>
+            <a:endParaRPr sz="2800">
+              <a:solidFill>
+                <a:schemeClr val="dk1"/>
+              </a:solidFill>
+              <a:latin typeface="Calibri"/>
+              <a:ea typeface="Calibri"/>
+              <a:cs typeface="Calibri"/>
+              <a:sym typeface="Calibri"/>
+            </a:endParaRPr>
+          </a:p>
+        </p:txBody>
+      </p:sp>
+      <p:pic>
+        <p:nvPicPr>
+          <p:cNvPr id="153" name="Google Shape;153;p23" title="restful-api-env - My Workspace 2025-05-23 16-34-45.mp4">
+            <a:hlinkClick r:id="rId5"/>
+          </p:cNvPr>
+          <p:cNvPicPr preferRelativeResize="0"/>
+          <p:nvPr/>
+        </p:nvPicPr>
+        <p:blipFill>
+          <a:blip r:embed="rId6">
+            <a:alphaModFix/>
+          </a:blip>
+          <a:stretch>
+            <a:fillRect/>
+          </a:stretch>
+        </p:blipFill>
+        <p:spPr>
+          <a:xfrm>
+            <a:off x="175650" y="1562800"/>
+            <a:ext cx="7294525" cy="4636525"/>
+          </a:xfrm>
+          <a:prstGeom prst="rect">
+            <a:avLst/>
+          </a:prstGeom>
+          <a:noFill/>
+          <a:ln>
+            <a:noFill/>
+          </a:ln>
+        </p:spPr>
+      </p:pic>
+    </p:spTree>
+  </p:cSld>
+  <p:clrMapOvr>
+    <a:masterClrMapping/>
+  </p:clrMapOvr>
+  <p:timing>
+    <p:tnLst>
+      <p:par>
+        <p:cTn dur="indefinite" nodeType="tmRoot" restart="never">
+          <p:childTnLst>
+            <p:seq concurrent="1" nextAc="seek">
+              <p:cTn dur="indefinite" id="2" nodeType="mainSeq">
+                <p:childTnLst>
+                  <p:par>
+                    <p:cTn fill="hold">
+                      <p:stCondLst>
+                        <p:cond delay="indefinite"/>
+                      </p:stCondLst>
+                      <p:childTnLst>
+                        <p:par>
+                          <p:cTn fill="hold">
+                            <p:stCondLst>
+                              <p:cond delay="0"/>
+                            </p:stCondLst>
+                            <p:childTnLst>
+                              <p:par>
+                                <p:cTn fill="hold" nodeType="clickEffect" presetClass="entr" presetID="10" presetSubtype="0">
+                                  <p:stCondLst>
+                                    <p:cond delay="0"/>
+                                  </p:stCondLst>
+                                  <p:childTnLst>
+                                    <p:set>
+                                      <p:cBhvr>
+                                        <p:cTn dur="1" fill="hold">
+                                          <p:stCondLst>
+                                            <p:cond delay="0"/>
+                                          </p:stCondLst>
+                                        </p:cTn>
+                                        <p:tgtEl>
+                                          <p:spTgt spid="153"/>
+                                        </p:tgtEl>
+                                        <p:attrNameLst>
+                                          <p:attrName>style.visibility</p:attrName>
+                                        </p:attrNameLst>
+                                      </p:cBhvr>
+                                      <p:to>
+                                        <p:strVal val="visible"/>
+                                      </p:to>
+                                    </p:set>
+                                    <p:animEffect filter="fade" transition="in">
+                                      <p:cBhvr>
+                                        <p:cTn dur="1000"/>
+                                        <p:tgtEl>
+                                          <p:spTgt spid="153"/>
+                                        </p:tgtEl>
+                                      </p:cBhvr>
+                                    </p:animEffect>
+                                  </p:childTnLst>
+                                </p:cTn>
+                              </p:par>
+                            </p:childTnLst>
+                          </p:cTn>
+                        </p:par>
+                      </p:childTnLst>
+                    </p:cTn>
+                  </p:par>
+                </p:childTnLst>
+              </p:cTn>
+              <p:prevCondLst>
+                <p:cond evt="onPrev">
+                  <p:tgtEl>
+                    <p:sldTgt/>
+                  </p:tgtEl>
+                </p:cond>
+              </p:prevCondLst>
+              <p:nextCondLst>
+                <p:cond evt="onNext">
+                  <p:tgtEl>
+                    <p:sldTgt/>
+                  </p:tgtEl>
+                </p:cond>
+              </p:nextCondLst>
+            </p:seq>
+          </p:childTnLst>
+        </p:cTn>
+      </p:par>
+    </p:tnLst>
+  </p:timing>
+</p:sld>
+</file>
+
+<file path=ppt/slides/slide12.xml><?xml version="1.0" encoding="utf-8"?>
+<p:sld xmlns:a="http://schemas.openxmlformats.org/drawingml/2006/main" xmlns:r="http://schemas.openxmlformats.org/officeDocument/2006/relationships" xmlns:mc="http://schemas.openxmlformats.org/markup-compatibility/2006" xmlns:mv="urn:schemas-microsoft-com:mac:vml" xmlns:p="http://schemas.openxmlformats.org/presentationml/2006/main" xmlns:c="http://schemas.openxmlformats.org/drawingml/2006/chart" xmlns:dgm="http://schemas.openxmlformats.org/drawingml/2006/diagram" xmlns:o="urn:schemas-microsoft-com:office:office" xmlns:v="urn:schemas-microsoft-com:vml" xmlns:pvml="urn:schemas-microsoft-com:office:powerpoint" xmlns:com="http://schemas.openxmlformats.org/drawingml/2006/compatibility" xmlns:p14="http://schemas.microsoft.com/office/powerpoint/2010/main" xmlns:p15="http://schemas.microsoft.com/office/powerpoint/2012/main" xmlns:ahyp="http://schemas.microsoft.com/office/drawing/2018/hyperlinkcolor">
+  <p:cSld>
+    <p:spTree>
+      <p:nvGrpSpPr>
+        <p:cNvPr id="157" name="Shape 157"/>
+        <p:cNvGrpSpPr/>
+        <p:nvPr/>
+      </p:nvGrpSpPr>
+      <p:grpSpPr>
+        <a:xfrm>
+          <a:off x="0" y="0"/>
+          <a:ext cx="0" cy="0"/>
+          <a:chOff x="0" y="0"/>
+          <a:chExt cx="0" cy="0"/>
+        </a:xfrm>
+      </p:grpSpPr>
+      <p:pic>
+        <p:nvPicPr>
+          <p:cNvPr id="158" name="Google Shape;158;p24"/>
+          <p:cNvPicPr preferRelativeResize="0"/>
+          <p:nvPr/>
+        </p:nvPicPr>
+        <p:blipFill rotWithShape="1">
+          <a:blip r:embed="rId3">
+            <a:alphaModFix/>
+          </a:blip>
+          <a:srcRect b="0" l="0" r="0" t="0"/>
+          <a:stretch/>
+        </p:blipFill>
+        <p:spPr>
+          <a:xfrm>
+            <a:off x="10347" y="0"/>
+            <a:ext cx="2401375" cy="902226"/>
+          </a:xfrm>
+          <a:prstGeom prst="rect">
+            <a:avLst/>
+          </a:prstGeom>
+          <a:noFill/>
+          <a:ln>
+            <a:noFill/>
+          </a:ln>
+        </p:spPr>
+      </p:pic>
+      <p:cxnSp>
+        <p:nvCxnSpPr>
+          <p:cNvPr id="159" name="Google Shape;159;p24"/>
+          <p:cNvCxnSpPr/>
+          <p:nvPr/>
+        </p:nvCxnSpPr>
+        <p:spPr>
+          <a:xfrm>
+            <a:off x="323850" y="1352550"/>
+            <a:ext cx="6305700" cy="0"/>
+          </a:xfrm>
+          <a:prstGeom prst="straightConnector1">
+            <a:avLst/>
+          </a:prstGeom>
+          <a:noFill/>
+          <a:ln cap="flat" cmpd="sng" w="9525">
+            <a:solidFill>
+              <a:schemeClr val="dk1"/>
+            </a:solidFill>
+            <a:prstDash val="solid"/>
+            <a:miter lim="800000"/>
+            <a:headEnd len="sm" w="sm" type="none"/>
+            <a:tailEnd len="sm" w="sm" type="none"/>
+          </a:ln>
+        </p:spPr>
+      </p:cxnSp>
+      <p:pic>
+        <p:nvPicPr>
+          <p:cNvPr descr="A person standing on a roof&#10;&#10;Description automatically generated with low confidence" id="160" name="Google Shape;160;p24"/>
+          <p:cNvPicPr preferRelativeResize="0"/>
+          <p:nvPr/>
+        </p:nvPicPr>
+        <p:blipFill rotWithShape="1">
+          <a:blip r:embed="rId4">
+            <a:alphaModFix/>
+          </a:blip>
+          <a:srcRect b="0" l="13202" r="13371" t="0"/>
+          <a:stretch/>
+        </p:blipFill>
+        <p:spPr>
+          <a:xfrm>
+            <a:off x="7715985" y="0"/>
+            <a:ext cx="4476015" cy="6858000"/>
+          </a:xfrm>
+          <a:prstGeom prst="rect">
+            <a:avLst/>
+          </a:prstGeom>
+          <a:noFill/>
+          <a:ln>
+            <a:noFill/>
+          </a:ln>
+        </p:spPr>
+      </p:pic>
+      <p:sp>
+        <p:nvSpPr>
+          <p:cNvPr id="161" name="Google Shape;161;p24"/>
+          <p:cNvSpPr txBox="1"/>
+          <p:nvPr/>
+        </p:nvSpPr>
+        <p:spPr>
+          <a:xfrm>
+            <a:off x="449450" y="736175"/>
+            <a:ext cx="6067500" cy="511500"/>
+          </a:xfrm>
+          <a:prstGeom prst="rect">
+            <a:avLst/>
+          </a:prstGeom>
+          <a:noFill/>
+          <a:ln>
+            <a:noFill/>
+          </a:ln>
+        </p:spPr>
+        <p:txBody>
+          <a:bodyPr anchorCtr="0" anchor="t" bIns="91425" lIns="91425" spcFirstLastPara="1" rIns="91425" wrap="square" tIns="91425">
+            <a:noAutofit/>
+          </a:bodyPr>
+          <a:lstStyle/>
+          <a:p>
+            <a:pPr indent="0" lvl="0" marL="0" rtl="0" algn="l">
+              <a:spcBef>
+                <a:spcPts val="0"/>
+              </a:spcBef>
+              <a:spcAft>
+                <a:spcPts val="0"/>
+              </a:spcAft>
+              <a:buNone/>
+            </a:pPr>
+            <a:r>
+              <a:rPr lang="en-IN" sz="2800">
+                <a:solidFill>
+                  <a:schemeClr val="dk1"/>
+                </a:solidFill>
+                <a:latin typeface="Calibri"/>
+                <a:ea typeface="Calibri"/>
+                <a:cs typeface="Calibri"/>
+                <a:sym typeface="Calibri"/>
+              </a:rPr>
+              <a:t>JMeter api.restful-dev </a:t>
+            </a:r>
+            <a:r>
+              <a:rPr lang="en-IN" sz="2800">
+                <a:solidFill>
+                  <a:schemeClr val="dk1"/>
+                </a:solidFill>
+                <a:latin typeface="Calibri"/>
+                <a:ea typeface="Calibri"/>
+                <a:cs typeface="Calibri"/>
+                <a:sym typeface="Calibri"/>
+              </a:rPr>
+              <a:t>Test Video</a:t>
+            </a:r>
+            <a:endParaRPr sz="2800">
+              <a:solidFill>
+                <a:schemeClr val="dk1"/>
+              </a:solidFill>
+              <a:latin typeface="Calibri"/>
+              <a:ea typeface="Calibri"/>
+              <a:cs typeface="Calibri"/>
+              <a:sym typeface="Calibri"/>
+            </a:endParaRPr>
+          </a:p>
+          <a:p>
+            <a:pPr indent="0" lvl="0" marL="0" rtl="0" algn="l">
+              <a:spcBef>
+                <a:spcPts val="0"/>
+              </a:spcBef>
+              <a:spcAft>
+                <a:spcPts val="0"/>
+              </a:spcAft>
+              <a:buNone/>
+            </a:pPr>
+            <a:r>
+              <a:t/>
+            </a:r>
+            <a:endParaRPr sz="2800">
+              <a:solidFill>
+                <a:schemeClr val="dk1"/>
+              </a:solidFill>
+              <a:latin typeface="Calibri"/>
+              <a:ea typeface="Calibri"/>
+              <a:cs typeface="Calibri"/>
+              <a:sym typeface="Calibri"/>
+            </a:endParaRPr>
+          </a:p>
+        </p:txBody>
+      </p:sp>
+      <p:pic>
+        <p:nvPicPr>
+          <p:cNvPr id="162" name="Google Shape;162;p24" title="restful-api-dev-test.jmx (C__Users_swarna.sreekar_OneDrive - ascendion_Desktop_HP_Capstone_JMeter_restful-api-dev-test.jmx) - Apache JMeter (5.6.3) 2025-05-23 16-31-25.mp4">
+            <a:hlinkClick r:id="rId5"/>
+          </p:cNvPr>
+          <p:cNvPicPr preferRelativeResize="0"/>
+          <p:nvPr/>
+        </p:nvPicPr>
+        <p:blipFill>
+          <a:blip r:embed="rId6">
+            <a:alphaModFix/>
+          </a:blip>
+          <a:stretch>
+            <a:fillRect/>
+          </a:stretch>
+        </p:blipFill>
+        <p:spPr>
+          <a:xfrm>
+            <a:off x="198900" y="1655800"/>
+            <a:ext cx="7411176" cy="4450526"/>
+          </a:xfrm>
+          <a:prstGeom prst="rect">
+            <a:avLst/>
+          </a:prstGeom>
+          <a:noFill/>
+          <a:ln>
+            <a:noFill/>
+          </a:ln>
+        </p:spPr>
+      </p:pic>
+    </p:spTree>
+  </p:cSld>
+  <p:clrMapOvr>
+    <a:masterClrMapping/>
+  </p:clrMapOvr>
+  <p:timing>
+    <p:tnLst>
+      <p:par>
+        <p:cTn dur="indefinite" nodeType="tmRoot" restart="never">
+          <p:childTnLst>
+            <p:seq concurrent="1" nextAc="seek">
+              <p:cTn dur="indefinite" id="2" nodeType="mainSeq">
+                <p:childTnLst>
+                  <p:par>
+                    <p:cTn fill="hold">
+                      <p:stCondLst>
+                        <p:cond delay="indefinite"/>
+                      </p:stCondLst>
+                      <p:childTnLst>
+                        <p:par>
+                          <p:cTn fill="hold">
+                            <p:stCondLst>
+                              <p:cond delay="0"/>
+                            </p:stCondLst>
+                            <p:childTnLst>
+                              <p:par>
+                                <p:cTn fill="hold" nodeType="clickEffect" presetClass="entr" presetID="10" presetSubtype="0">
+                                  <p:stCondLst>
+                                    <p:cond delay="0"/>
+                                  </p:stCondLst>
+                                  <p:childTnLst>
+                                    <p:set>
+                                      <p:cBhvr>
+                                        <p:cTn dur="1" fill="hold">
+                                          <p:stCondLst>
+                                            <p:cond delay="0"/>
+                                          </p:stCondLst>
+                                        </p:cTn>
+                                        <p:tgtEl>
+                                          <p:spTgt spid="162"/>
+                                        </p:tgtEl>
+                                        <p:attrNameLst>
+                                          <p:attrName>style.visibility</p:attrName>
+                                        </p:attrNameLst>
+                                      </p:cBhvr>
+                                      <p:to>
+                                        <p:strVal val="visible"/>
+                                      </p:to>
+                                    </p:set>
+                                    <p:animEffect filter="fade" transition="in">
+                                      <p:cBhvr>
+                                        <p:cTn dur="1000"/>
+                                        <p:tgtEl>
+                                          <p:spTgt spid="162"/>
+                                        </p:tgtEl>
+                                      </p:cBhvr>
+                                    </p:animEffect>
+                                  </p:childTnLst>
+                                </p:cTn>
+                              </p:par>
+                            </p:childTnLst>
+                          </p:cTn>
+                        </p:par>
+                      </p:childTnLst>
+                    </p:cTn>
+                  </p:par>
+                </p:childTnLst>
+              </p:cTn>
+              <p:prevCondLst>
+                <p:cond evt="onPrev">
+                  <p:tgtEl>
+                    <p:sldTgt/>
+                  </p:tgtEl>
+                </p:cond>
+              </p:prevCondLst>
+              <p:nextCondLst>
+                <p:cond evt="onNext">
+                  <p:tgtEl>
+                    <p:sldTgt/>
+                  </p:tgtEl>
+                </p:cond>
+              </p:nextCondLst>
+            </p:seq>
+          </p:childTnLst>
+        </p:cTn>
+      </p:par>
+    </p:tnLst>
+  </p:timing>
+</p:sld>
+</file>
+
+<file path=ppt/slides/slide13.xml><?xml version="1.0" encoding="utf-8"?>
+<p:sld xmlns:a="http://schemas.openxmlformats.org/drawingml/2006/main" xmlns:r="http://schemas.openxmlformats.org/officeDocument/2006/relationships" xmlns:mc="http://schemas.openxmlformats.org/markup-compatibility/2006" xmlns:mv="urn:schemas-microsoft-com:mac:vml" xmlns:p="http://schemas.openxmlformats.org/presentationml/2006/main" xmlns:c="http://schemas.openxmlformats.org/drawingml/2006/chart" xmlns:dgm="http://schemas.openxmlformats.org/drawingml/2006/diagram" xmlns:o="urn:schemas-microsoft-com:office:office" xmlns:v="urn:schemas-microsoft-com:vml" xmlns:pvml="urn:schemas-microsoft-com:office:powerpoint" xmlns:com="http://schemas.openxmlformats.org/drawingml/2006/compatibility" xmlns:p14="http://schemas.microsoft.com/office/powerpoint/2010/main" xmlns:p15="http://schemas.microsoft.com/office/powerpoint/2012/main" xmlns:ahyp="http://schemas.microsoft.com/office/drawing/2018/hyperlinkcolor">
+  <p:cSld>
+    <p:spTree>
+      <p:nvGrpSpPr>
+        <p:cNvPr id="166" name="Shape 166"/>
         <p:cNvGrpSpPr/>
         <p:nvPr/>
       </p:nvGrpSpPr>
@@ -6545,7 +7744,7 @@
       </p:grpSpPr>
       <p:sp>
         <p:nvSpPr>
-          <p:cNvPr id="146" name="Google Shape;146;p23"/>
+          <p:cNvPr id="167" name="Google Shape;167;p25"/>
           <p:cNvSpPr/>
           <p:nvPr/>
         </p:nvSpPr>
@@ -6602,7 +7801,7 @@
       </p:sp>
       <p:sp>
         <p:nvSpPr>
-          <p:cNvPr id="147" name="Google Shape;147;p23"/>
+          <p:cNvPr id="168" name="Google Shape;168;p25"/>
           <p:cNvSpPr txBox="1"/>
           <p:nvPr/>
         </p:nvSpPr>
@@ -6640,39 +7839,7 @@
                   <a:schemeClr val="lt1"/>
                 </a:solidFill>
               </a:rPr>
-              <a:t>Postman Request Methods, Responses</a:t>
-            </a:r>
-            <a:r>
-              <a:rPr b="1" lang="en-IN" sz="2000">
-                <a:solidFill>
-                  <a:schemeClr val="lt1"/>
-                </a:solidFill>
-                <a:latin typeface="Arial"/>
-                <a:ea typeface="Arial"/>
-                <a:cs typeface="Arial"/>
-                <a:sym typeface="Arial"/>
-              </a:rPr>
-              <a:t> of the API(</a:t>
-            </a:r>
-            <a:r>
-              <a:rPr b="1" lang="en-IN" sz="2000">
-                <a:solidFill>
-                  <a:schemeClr val="lt1"/>
-                </a:solidFill>
-              </a:rPr>
-              <a:t>api.restful-dev)</a:t>
-            </a:r>
-            <a:r>
-              <a:rPr b="1" lang="en-IN" sz="2000">
-                <a:solidFill>
-                  <a:schemeClr val="lt1"/>
-                </a:solidFill>
-                <a:latin typeface="Arial"/>
-                <a:ea typeface="Arial"/>
-                <a:cs typeface="Arial"/>
-                <a:sym typeface="Arial"/>
-              </a:rPr>
-              <a:t> with screenshots</a:t>
+              <a:t>API Automation – Postman + Newman (CLI)</a:t>
             </a:r>
             <a:endParaRPr b="1" sz="2000">
               <a:solidFill>
@@ -6688,7 +7855,7 @@
       </p:sp>
       <p:pic>
         <p:nvPicPr>
-          <p:cNvPr id="148" name="Google Shape;148;p23"/>
+          <p:cNvPr id="169" name="Google Shape;169;p25"/>
           <p:cNvPicPr preferRelativeResize="0"/>
           <p:nvPr/>
         </p:nvPicPr>
@@ -6715,7 +7882,7 @@
       </p:pic>
       <p:cxnSp>
         <p:nvCxnSpPr>
-          <p:cNvPr id="149" name="Google Shape;149;p23"/>
+          <p:cNvPr id="170" name="Google Shape;170;p25"/>
           <p:cNvCxnSpPr/>
           <p:nvPr/>
         </p:nvCxnSpPr>
@@ -6739,42 +7906,836 @@
           </a:ln>
         </p:spPr>
       </p:cxnSp>
-      <p:pic>
-        <p:nvPicPr>
-          <p:cNvPr id="150" name="Google Shape;150;p23"/>
-          <p:cNvPicPr preferRelativeResize="0"/>
+      <p:sp>
+        <p:nvSpPr>
+          <p:cNvPr id="171" name="Google Shape;171;p25"/>
+          <p:cNvSpPr txBox="1"/>
           <p:nvPr/>
-        </p:nvPicPr>
-        <p:blipFill>
-          <a:blip r:embed="rId4">
-            <a:alphaModFix/>
-          </a:blip>
-          <a:stretch>
-            <a:fillRect/>
-          </a:stretch>
-        </p:blipFill>
-        <p:spPr>
-          <a:xfrm>
-            <a:off x="323850" y="1432900"/>
-            <a:ext cx="8055901" cy="5114375"/>
+        </p:nvSpPr>
+        <p:spPr>
+          <a:xfrm>
+            <a:off x="333225" y="1456850"/>
+            <a:ext cx="5765400" cy="5300400"/>
           </a:xfrm>
           <a:prstGeom prst="rect">
             <a:avLst/>
           </a:prstGeom>
-          <a:solidFill>
-            <a:srgbClr val="15102C"/>
-          </a:solidFill>
-          <a:ln cap="flat" cmpd="sng" w="12700">
-            <a:solidFill>
-              <a:srgbClr val="1C3052"/>
-            </a:solidFill>
-            <a:prstDash val="solid"/>
-            <a:miter lim="8000"/>
-            <a:headEnd len="sm" w="sm" type="none"/>
-            <a:tailEnd len="sm" w="sm" type="none"/>
+          <a:noFill/>
+          <a:ln>
+            <a:noFill/>
           </a:ln>
         </p:spPr>
-      </p:pic>
+        <p:txBody>
+          <a:bodyPr anchorCtr="0" anchor="t" bIns="91425" lIns="91425" spcFirstLastPara="1" rIns="91425" wrap="square" tIns="91425">
+            <a:noAutofit/>
+          </a:bodyPr>
+          <a:lstStyle/>
+          <a:p>
+            <a:pPr indent="0" lvl="0" marL="0" rtl="0" algn="l">
+              <a:lnSpc>
+                <a:spcPct val="115000"/>
+              </a:lnSpc>
+              <a:spcBef>
+                <a:spcPts val="1200"/>
+              </a:spcBef>
+              <a:spcAft>
+                <a:spcPts val="0"/>
+              </a:spcAft>
+              <a:buClr>
+                <a:schemeClr val="dk1"/>
+              </a:buClr>
+              <a:buSzPts val="1100"/>
+              <a:buFont typeface="Arial"/>
+              <a:buNone/>
+            </a:pPr>
+            <a:r>
+              <a:rPr b="1" lang="en-IN">
+                <a:solidFill>
+                  <a:schemeClr val="lt1"/>
+                </a:solidFill>
+              </a:rPr>
+              <a:t> Tech Stack:</a:t>
+            </a:r>
+            <a:r>
+              <a:rPr lang="en-IN">
+                <a:solidFill>
+                  <a:schemeClr val="lt1"/>
+                </a:solidFill>
+              </a:rPr>
+              <a:t> Postman • Newman CLI • Jenkins (Batch script)</a:t>
+            </a:r>
+            <a:endParaRPr>
+              <a:solidFill>
+                <a:schemeClr val="lt1"/>
+              </a:solidFill>
+            </a:endParaRPr>
+          </a:p>
+          <a:p>
+            <a:pPr indent="0" lvl="0" marL="0" rtl="0" algn="l">
+              <a:lnSpc>
+                <a:spcPct val="115000"/>
+              </a:lnSpc>
+              <a:spcBef>
+                <a:spcPts val="1400"/>
+              </a:spcBef>
+              <a:spcAft>
+                <a:spcPts val="0"/>
+              </a:spcAft>
+              <a:buNone/>
+            </a:pPr>
+            <a:r>
+              <a:rPr b="1" lang="en-IN">
+                <a:solidFill>
+                  <a:schemeClr val="lt1"/>
+                </a:solidFill>
+              </a:rPr>
+              <a:t>Requests Automated:</a:t>
+            </a:r>
+            <a:endParaRPr b="1">
+              <a:solidFill>
+                <a:schemeClr val="lt1"/>
+              </a:solidFill>
+            </a:endParaRPr>
+          </a:p>
+          <a:p>
+            <a:pPr indent="-304800" lvl="0" marL="457200" rtl="0" algn="l">
+              <a:lnSpc>
+                <a:spcPct val="115000"/>
+              </a:lnSpc>
+              <a:spcBef>
+                <a:spcPts val="1200"/>
+              </a:spcBef>
+              <a:spcAft>
+                <a:spcPts val="0"/>
+              </a:spcAft>
+              <a:buClr>
+                <a:schemeClr val="lt1"/>
+              </a:buClr>
+              <a:buSzPts val="1200"/>
+              <a:buChar char="●"/>
+            </a:pPr>
+            <a:r>
+              <a:rPr lang="en-IN" sz="1200">
+                <a:solidFill>
+                  <a:schemeClr val="lt1"/>
+                </a:solidFill>
+                <a:latin typeface="Roboto Mono"/>
+                <a:ea typeface="Roboto Mono"/>
+                <a:cs typeface="Roboto Mono"/>
+                <a:sym typeface="Roboto Mono"/>
+              </a:rPr>
+              <a:t>GET /objects</a:t>
+            </a:r>
+            <a:r>
+              <a:rPr lang="en-IN" sz="1200">
+                <a:solidFill>
+                  <a:schemeClr val="lt1"/>
+                </a:solidFill>
+              </a:rPr>
+              <a:t> — Fetch all objects</a:t>
+            </a:r>
+            <a:br>
+              <a:rPr lang="en-IN" sz="1200">
+                <a:solidFill>
+                  <a:schemeClr val="lt1"/>
+                </a:solidFill>
+              </a:rPr>
+            </a:br>
+            <a:endParaRPr sz="1200">
+              <a:solidFill>
+                <a:schemeClr val="lt1"/>
+              </a:solidFill>
+            </a:endParaRPr>
+          </a:p>
+          <a:p>
+            <a:pPr indent="-304800" lvl="0" marL="457200" rtl="0" algn="l">
+              <a:lnSpc>
+                <a:spcPct val="115000"/>
+              </a:lnSpc>
+              <a:spcBef>
+                <a:spcPts val="0"/>
+              </a:spcBef>
+              <a:spcAft>
+                <a:spcPts val="0"/>
+              </a:spcAft>
+              <a:buClr>
+                <a:schemeClr val="lt1"/>
+              </a:buClr>
+              <a:buSzPts val="1200"/>
+              <a:buChar char="●"/>
+            </a:pPr>
+            <a:r>
+              <a:rPr lang="en-IN" sz="1200">
+                <a:solidFill>
+                  <a:schemeClr val="lt1"/>
+                </a:solidFill>
+                <a:latin typeface="Roboto Mono"/>
+                <a:ea typeface="Roboto Mono"/>
+                <a:cs typeface="Roboto Mono"/>
+                <a:sym typeface="Roboto Mono"/>
+              </a:rPr>
+              <a:t>POST /objects</a:t>
+            </a:r>
+            <a:r>
+              <a:rPr lang="en-IN" sz="1200">
+                <a:solidFill>
+                  <a:schemeClr val="lt1"/>
+                </a:solidFill>
+              </a:rPr>
+              <a:t> — Add a new object</a:t>
+            </a:r>
+            <a:br>
+              <a:rPr lang="en-IN" sz="1200">
+                <a:solidFill>
+                  <a:schemeClr val="lt1"/>
+                </a:solidFill>
+              </a:rPr>
+            </a:br>
+            <a:endParaRPr sz="1200">
+              <a:solidFill>
+                <a:schemeClr val="lt1"/>
+              </a:solidFill>
+            </a:endParaRPr>
+          </a:p>
+          <a:p>
+            <a:pPr indent="-304800" lvl="0" marL="457200" rtl="0" algn="l">
+              <a:lnSpc>
+                <a:spcPct val="115000"/>
+              </a:lnSpc>
+              <a:spcBef>
+                <a:spcPts val="0"/>
+              </a:spcBef>
+              <a:spcAft>
+                <a:spcPts val="0"/>
+              </a:spcAft>
+              <a:buClr>
+                <a:schemeClr val="lt1"/>
+              </a:buClr>
+              <a:buSzPts val="1200"/>
+              <a:buChar char="●"/>
+            </a:pPr>
+            <a:r>
+              <a:rPr lang="en-IN" sz="1200">
+                <a:solidFill>
+                  <a:schemeClr val="lt1"/>
+                </a:solidFill>
+                <a:latin typeface="Roboto Mono"/>
+                <a:ea typeface="Roboto Mono"/>
+                <a:cs typeface="Roboto Mono"/>
+                <a:sym typeface="Roboto Mono"/>
+              </a:rPr>
+              <a:t>GET /objects/{{objectID}}</a:t>
+            </a:r>
+            <a:r>
+              <a:rPr lang="en-IN" sz="1200">
+                <a:solidFill>
+                  <a:schemeClr val="lt1"/>
+                </a:solidFill>
+              </a:rPr>
+              <a:t> — Fetch object by ID</a:t>
+            </a:r>
+            <a:br>
+              <a:rPr lang="en-IN" sz="1200">
+                <a:solidFill>
+                  <a:schemeClr val="lt1"/>
+                </a:solidFill>
+              </a:rPr>
+            </a:br>
+            <a:endParaRPr sz="1200">
+              <a:solidFill>
+                <a:schemeClr val="lt1"/>
+              </a:solidFill>
+            </a:endParaRPr>
+          </a:p>
+          <a:p>
+            <a:pPr indent="-304800" lvl="0" marL="457200" rtl="0" algn="l">
+              <a:lnSpc>
+                <a:spcPct val="115000"/>
+              </a:lnSpc>
+              <a:spcBef>
+                <a:spcPts val="0"/>
+              </a:spcBef>
+              <a:spcAft>
+                <a:spcPts val="0"/>
+              </a:spcAft>
+              <a:buClr>
+                <a:schemeClr val="lt1"/>
+              </a:buClr>
+              <a:buSzPts val="1200"/>
+              <a:buChar char="●"/>
+            </a:pPr>
+            <a:r>
+              <a:rPr lang="en-IN" sz="1200">
+                <a:solidFill>
+                  <a:schemeClr val="lt1"/>
+                </a:solidFill>
+                <a:latin typeface="Roboto Mono"/>
+                <a:ea typeface="Roboto Mono"/>
+                <a:cs typeface="Roboto Mono"/>
+                <a:sym typeface="Roboto Mono"/>
+              </a:rPr>
+              <a:t>PATCH /objects/{{objectID}}</a:t>
+            </a:r>
+            <a:r>
+              <a:rPr lang="en-IN" sz="1200">
+                <a:solidFill>
+                  <a:schemeClr val="lt1"/>
+                </a:solidFill>
+              </a:rPr>
+              <a:t> — Update object by ID</a:t>
+            </a:r>
+            <a:br>
+              <a:rPr lang="en-IN" sz="1200">
+                <a:solidFill>
+                  <a:schemeClr val="lt1"/>
+                </a:solidFill>
+              </a:rPr>
+            </a:br>
+            <a:endParaRPr sz="1200">
+              <a:solidFill>
+                <a:schemeClr val="lt1"/>
+              </a:solidFill>
+            </a:endParaRPr>
+          </a:p>
+          <a:p>
+            <a:pPr indent="-298450" lvl="0" marL="457200" rtl="0" algn="l">
+              <a:lnSpc>
+                <a:spcPct val="115000"/>
+              </a:lnSpc>
+              <a:spcBef>
+                <a:spcPts val="0"/>
+              </a:spcBef>
+              <a:spcAft>
+                <a:spcPts val="0"/>
+              </a:spcAft>
+              <a:buClr>
+                <a:schemeClr val="lt1"/>
+              </a:buClr>
+              <a:buSzPts val="1100"/>
+              <a:buChar char="●"/>
+            </a:pPr>
+            <a:r>
+              <a:rPr lang="en-IN" sz="1200">
+                <a:solidFill>
+                  <a:schemeClr val="lt1"/>
+                </a:solidFill>
+                <a:latin typeface="Roboto Mono"/>
+                <a:ea typeface="Roboto Mono"/>
+                <a:cs typeface="Roboto Mono"/>
+                <a:sym typeface="Roboto Mono"/>
+              </a:rPr>
+              <a:t>DELETE /objects/{{objectID}}</a:t>
+            </a:r>
+            <a:r>
+              <a:rPr lang="en-IN" sz="1200">
+                <a:solidFill>
+                  <a:schemeClr val="lt1"/>
+                </a:solidFill>
+              </a:rPr>
+              <a:t> — Delete object by ID</a:t>
+            </a:r>
+            <a:br>
+              <a:rPr lang="en-IN" sz="1100">
+                <a:solidFill>
+                  <a:schemeClr val="lt1"/>
+                </a:solidFill>
+              </a:rPr>
+            </a:br>
+            <a:endParaRPr b="1" sz="1200">
+              <a:solidFill>
+                <a:schemeClr val="lt1"/>
+              </a:solidFill>
+            </a:endParaRPr>
+          </a:p>
+          <a:p>
+            <a:pPr indent="0" lvl="0" marL="0" rtl="0" algn="l">
+              <a:lnSpc>
+                <a:spcPct val="115000"/>
+              </a:lnSpc>
+              <a:spcBef>
+                <a:spcPts val="1200"/>
+              </a:spcBef>
+              <a:spcAft>
+                <a:spcPts val="0"/>
+              </a:spcAft>
+              <a:buClr>
+                <a:schemeClr val="dk1"/>
+              </a:buClr>
+              <a:buSzPts val="1100"/>
+              <a:buFont typeface="Arial"/>
+              <a:buNone/>
+            </a:pPr>
+            <a:r>
+              <a:rPr b="1" lang="en-IN" sz="1200">
+                <a:solidFill>
+                  <a:schemeClr val="lt1"/>
+                </a:solidFill>
+              </a:rPr>
+              <a:t>Validation Checks:</a:t>
+            </a:r>
+            <a:endParaRPr b="1" sz="1200">
+              <a:solidFill>
+                <a:schemeClr val="lt1"/>
+              </a:solidFill>
+            </a:endParaRPr>
+          </a:p>
+          <a:p>
+            <a:pPr indent="-304800" lvl="0" marL="457200" rtl="0" algn="l">
+              <a:lnSpc>
+                <a:spcPct val="115000"/>
+              </a:lnSpc>
+              <a:spcBef>
+                <a:spcPts val="1200"/>
+              </a:spcBef>
+              <a:spcAft>
+                <a:spcPts val="0"/>
+              </a:spcAft>
+              <a:buClr>
+                <a:schemeClr val="lt1"/>
+              </a:buClr>
+              <a:buSzPts val="1200"/>
+              <a:buChar char="●"/>
+            </a:pPr>
+            <a:r>
+              <a:rPr lang="en-IN" sz="1200">
+                <a:solidFill>
+                  <a:schemeClr val="lt1"/>
+                </a:solidFill>
+              </a:rPr>
+              <a:t>HTTP Status Codes: 200, 201</a:t>
+            </a:r>
+            <a:br>
+              <a:rPr lang="en-IN" sz="1200">
+                <a:solidFill>
+                  <a:schemeClr val="lt1"/>
+                </a:solidFill>
+              </a:rPr>
+            </a:br>
+            <a:endParaRPr sz="1200">
+              <a:solidFill>
+                <a:schemeClr val="lt1"/>
+              </a:solidFill>
+            </a:endParaRPr>
+          </a:p>
+          <a:p>
+            <a:pPr indent="-304800" lvl="0" marL="457200" rtl="0" algn="l">
+              <a:lnSpc>
+                <a:spcPct val="115000"/>
+              </a:lnSpc>
+              <a:spcBef>
+                <a:spcPts val="0"/>
+              </a:spcBef>
+              <a:spcAft>
+                <a:spcPts val="0"/>
+              </a:spcAft>
+              <a:buClr>
+                <a:schemeClr val="lt1"/>
+              </a:buClr>
+              <a:buSzPts val="1200"/>
+              <a:buChar char="●"/>
+            </a:pPr>
+            <a:r>
+              <a:rPr lang="en-IN" sz="1200">
+                <a:solidFill>
+                  <a:schemeClr val="lt1"/>
+                </a:solidFill>
+              </a:rPr>
+              <a:t>Response Body Content: e.g., </a:t>
+            </a:r>
+            <a:r>
+              <a:rPr lang="en-IN" sz="1200">
+                <a:solidFill>
+                  <a:schemeClr val="lt1"/>
+                </a:solidFill>
+                <a:latin typeface="Roboto Mono"/>
+                <a:ea typeface="Roboto Mono"/>
+                <a:cs typeface="Roboto Mono"/>
+                <a:sym typeface="Roboto Mono"/>
+              </a:rPr>
+              <a:t>Apple iPhone 14</a:t>
+            </a:r>
+            <a:br>
+              <a:rPr lang="en-IN" sz="1200">
+                <a:solidFill>
+                  <a:schemeClr val="lt1"/>
+                </a:solidFill>
+                <a:latin typeface="Roboto Mono"/>
+                <a:ea typeface="Roboto Mono"/>
+                <a:cs typeface="Roboto Mono"/>
+                <a:sym typeface="Roboto Mono"/>
+              </a:rPr>
+            </a:br>
+            <a:endParaRPr sz="1200">
+              <a:solidFill>
+                <a:schemeClr val="lt1"/>
+              </a:solidFill>
+              <a:latin typeface="Roboto Mono"/>
+              <a:ea typeface="Roboto Mono"/>
+              <a:cs typeface="Roboto Mono"/>
+              <a:sym typeface="Roboto Mono"/>
+            </a:endParaRPr>
+          </a:p>
+          <a:p>
+            <a:pPr indent="-304800" lvl="0" marL="457200" rtl="0" algn="l">
+              <a:lnSpc>
+                <a:spcPct val="115000"/>
+              </a:lnSpc>
+              <a:spcBef>
+                <a:spcPts val="0"/>
+              </a:spcBef>
+              <a:spcAft>
+                <a:spcPts val="0"/>
+              </a:spcAft>
+              <a:buClr>
+                <a:schemeClr val="lt1"/>
+              </a:buClr>
+              <a:buSzPts val="1200"/>
+              <a:buChar char="●"/>
+            </a:pPr>
+            <a:r>
+              <a:rPr lang="en-IN" sz="1200">
+                <a:solidFill>
+                  <a:schemeClr val="lt1"/>
+                </a:solidFill>
+              </a:rPr>
+              <a:t>Response Time: under 2000ms</a:t>
+            </a:r>
+            <a:br>
+              <a:rPr lang="en-IN" sz="1200">
+                <a:solidFill>
+                  <a:schemeClr val="lt1"/>
+                </a:solidFill>
+              </a:rPr>
+            </a:br>
+            <a:endParaRPr sz="1200">
+              <a:solidFill>
+                <a:schemeClr val="lt1"/>
+              </a:solidFill>
+            </a:endParaRPr>
+          </a:p>
+          <a:p>
+            <a:pPr indent="-317500" lvl="0" marL="457200" rtl="0" algn="l">
+              <a:lnSpc>
+                <a:spcPct val="115000"/>
+              </a:lnSpc>
+              <a:spcBef>
+                <a:spcPts val="0"/>
+              </a:spcBef>
+              <a:spcAft>
+                <a:spcPts val="0"/>
+              </a:spcAft>
+              <a:buClr>
+                <a:schemeClr val="lt1"/>
+              </a:buClr>
+              <a:buSzPts val="1400"/>
+              <a:buChar char="●"/>
+            </a:pPr>
+            <a:r>
+              <a:rPr lang="en-IN" sz="1200">
+                <a:solidFill>
+                  <a:schemeClr val="lt1"/>
+                </a:solidFill>
+              </a:rPr>
+              <a:t>Header Assertions: </a:t>
+            </a:r>
+            <a:r>
+              <a:rPr lang="en-IN" sz="1200">
+                <a:solidFill>
+                  <a:schemeClr val="lt1"/>
+                </a:solidFill>
+                <a:latin typeface="Roboto Mono"/>
+                <a:ea typeface="Roboto Mono"/>
+                <a:cs typeface="Roboto Mono"/>
+                <a:sym typeface="Roboto Mono"/>
+              </a:rPr>
+              <a:t>Content-Type: application/json</a:t>
+            </a:r>
+            <a:br>
+              <a:rPr lang="en-IN">
+                <a:solidFill>
+                  <a:schemeClr val="lt1"/>
+                </a:solidFill>
+                <a:latin typeface="Roboto Mono"/>
+                <a:ea typeface="Roboto Mono"/>
+                <a:cs typeface="Roboto Mono"/>
+                <a:sym typeface="Roboto Mono"/>
+              </a:rPr>
+            </a:br>
+            <a:endParaRPr>
+              <a:solidFill>
+                <a:schemeClr val="lt1"/>
+              </a:solidFill>
+              <a:latin typeface="Roboto Mono"/>
+              <a:ea typeface="Roboto Mono"/>
+              <a:cs typeface="Roboto Mono"/>
+              <a:sym typeface="Roboto Mono"/>
+            </a:endParaRPr>
+          </a:p>
+          <a:p>
+            <a:pPr indent="0" lvl="0" marL="0" rtl="0" algn="l">
+              <a:spcBef>
+                <a:spcPts val="1200"/>
+              </a:spcBef>
+              <a:spcAft>
+                <a:spcPts val="0"/>
+              </a:spcAft>
+              <a:buNone/>
+            </a:pPr>
+            <a:r>
+              <a:t/>
+            </a:r>
+            <a:endParaRPr sz="3100">
+              <a:solidFill>
+                <a:schemeClr val="lt1"/>
+              </a:solidFill>
+              <a:latin typeface="Calibri"/>
+              <a:ea typeface="Calibri"/>
+              <a:cs typeface="Calibri"/>
+              <a:sym typeface="Calibri"/>
+            </a:endParaRPr>
+          </a:p>
+        </p:txBody>
+      </p:sp>
+      <p:sp>
+        <p:nvSpPr>
+          <p:cNvPr id="172" name="Google Shape;172;p25"/>
+          <p:cNvSpPr txBox="1"/>
+          <p:nvPr/>
+        </p:nvSpPr>
+        <p:spPr>
+          <a:xfrm>
+            <a:off x="6377550" y="1480100"/>
+            <a:ext cx="5509800" cy="4602900"/>
+          </a:xfrm>
+          <a:prstGeom prst="rect">
+            <a:avLst/>
+          </a:prstGeom>
+          <a:noFill/>
+          <a:ln>
+            <a:noFill/>
+          </a:ln>
+        </p:spPr>
+        <p:txBody>
+          <a:bodyPr anchorCtr="0" anchor="t" bIns="91425" lIns="91425" spcFirstLastPara="1" rIns="91425" wrap="square" tIns="91425">
+            <a:noAutofit/>
+          </a:bodyPr>
+          <a:lstStyle/>
+          <a:p>
+            <a:pPr indent="0" lvl="0" marL="0" rtl="0" algn="l">
+              <a:lnSpc>
+                <a:spcPct val="115000"/>
+              </a:lnSpc>
+              <a:spcBef>
+                <a:spcPts val="1200"/>
+              </a:spcBef>
+              <a:spcAft>
+                <a:spcPts val="0"/>
+              </a:spcAft>
+              <a:buClr>
+                <a:schemeClr val="dk1"/>
+              </a:buClr>
+              <a:buSzPts val="1100"/>
+              <a:buFont typeface="Arial"/>
+              <a:buNone/>
+            </a:pPr>
+            <a:r>
+              <a:rPr b="1" lang="en-IN" sz="1200">
+                <a:solidFill>
+                  <a:schemeClr val="lt1"/>
+                </a:solidFill>
+              </a:rPr>
+              <a:t> CI Integration – Jenkins:</a:t>
+            </a:r>
+            <a:endParaRPr b="1" sz="1200">
+              <a:solidFill>
+                <a:schemeClr val="lt1"/>
+              </a:solidFill>
+            </a:endParaRPr>
+          </a:p>
+          <a:p>
+            <a:pPr indent="-304800" lvl="0" marL="457200" rtl="0" algn="l">
+              <a:lnSpc>
+                <a:spcPct val="115000"/>
+              </a:lnSpc>
+              <a:spcBef>
+                <a:spcPts val="1200"/>
+              </a:spcBef>
+              <a:spcAft>
+                <a:spcPts val="0"/>
+              </a:spcAft>
+              <a:buClr>
+                <a:schemeClr val="lt1"/>
+              </a:buClr>
+              <a:buSzPts val="1200"/>
+              <a:buChar char="●"/>
+            </a:pPr>
+            <a:r>
+              <a:rPr lang="en-IN" sz="1200">
+                <a:solidFill>
+                  <a:schemeClr val="lt1"/>
+                </a:solidFill>
+              </a:rPr>
+              <a:t>Runs Newman via batch script</a:t>
+            </a:r>
+            <a:br>
+              <a:rPr lang="en-IN" sz="1200">
+                <a:solidFill>
+                  <a:schemeClr val="lt1"/>
+                </a:solidFill>
+              </a:rPr>
+            </a:br>
+            <a:endParaRPr sz="1200">
+              <a:solidFill>
+                <a:schemeClr val="lt1"/>
+              </a:solidFill>
+            </a:endParaRPr>
+          </a:p>
+          <a:p>
+            <a:pPr indent="-304800" lvl="0" marL="457200" rtl="0" algn="l">
+              <a:lnSpc>
+                <a:spcPct val="115000"/>
+              </a:lnSpc>
+              <a:spcBef>
+                <a:spcPts val="0"/>
+              </a:spcBef>
+              <a:spcAft>
+                <a:spcPts val="0"/>
+              </a:spcAft>
+              <a:buClr>
+                <a:schemeClr val="lt1"/>
+              </a:buClr>
+              <a:buSzPts val="1200"/>
+              <a:buChar char="●"/>
+            </a:pPr>
+            <a:r>
+              <a:rPr lang="en-IN" sz="1200">
+                <a:solidFill>
+                  <a:schemeClr val="lt1"/>
+                </a:solidFill>
+              </a:rPr>
+              <a:t>Generates HTML report using </a:t>
+            </a:r>
+            <a:r>
+              <a:rPr b="1" lang="en-IN" sz="1200">
+                <a:solidFill>
+                  <a:schemeClr val="lt1"/>
+                </a:solidFill>
+              </a:rPr>
+              <a:t>htmlextra reporter</a:t>
+            </a:r>
+            <a:br>
+              <a:rPr b="1" lang="en-IN" sz="1200">
+                <a:solidFill>
+                  <a:schemeClr val="lt1"/>
+                </a:solidFill>
+              </a:rPr>
+            </a:br>
+            <a:endParaRPr b="1" sz="1200">
+              <a:solidFill>
+                <a:schemeClr val="lt1"/>
+              </a:solidFill>
+            </a:endParaRPr>
+          </a:p>
+          <a:p>
+            <a:pPr indent="-304800" lvl="0" marL="457200" rtl="0" algn="l">
+              <a:lnSpc>
+                <a:spcPct val="115000"/>
+              </a:lnSpc>
+              <a:spcBef>
+                <a:spcPts val="0"/>
+              </a:spcBef>
+              <a:spcAft>
+                <a:spcPts val="0"/>
+              </a:spcAft>
+              <a:buClr>
+                <a:schemeClr val="lt1"/>
+              </a:buClr>
+              <a:buSzPts val="1200"/>
+              <a:buChar char="●"/>
+            </a:pPr>
+            <a:r>
+              <a:rPr lang="en-IN" sz="1200">
+                <a:solidFill>
+                  <a:schemeClr val="lt1"/>
+                </a:solidFill>
+              </a:rPr>
+              <a:t>Stores output at </a:t>
+            </a:r>
+            <a:r>
+              <a:rPr lang="en-IN" sz="1200">
+                <a:solidFill>
+                  <a:schemeClr val="lt1"/>
+                </a:solidFill>
+                <a:latin typeface="Roboto Mono"/>
+                <a:ea typeface="Roboto Mono"/>
+                <a:cs typeface="Roboto Mono"/>
+                <a:sym typeface="Roboto Mono"/>
+              </a:rPr>
+              <a:t>newman/report.html</a:t>
+            </a:r>
+            <a:endParaRPr sz="1200">
+              <a:solidFill>
+                <a:schemeClr val="lt1"/>
+              </a:solidFill>
+              <a:latin typeface="Roboto Mono"/>
+              <a:ea typeface="Roboto Mono"/>
+              <a:cs typeface="Roboto Mono"/>
+              <a:sym typeface="Roboto Mono"/>
+            </a:endParaRPr>
+          </a:p>
+          <a:p>
+            <a:pPr indent="0" lvl="0" marL="0" rtl="0" algn="l">
+              <a:spcBef>
+                <a:spcPts val="1200"/>
+              </a:spcBef>
+              <a:spcAft>
+                <a:spcPts val="0"/>
+              </a:spcAft>
+              <a:buClr>
+                <a:schemeClr val="dk1"/>
+              </a:buClr>
+              <a:buSzPts val="1100"/>
+              <a:buFont typeface="Arial"/>
+              <a:buNone/>
+            </a:pPr>
+            <a:r>
+              <a:t/>
+            </a:r>
+            <a:endParaRPr sz="3100">
+              <a:solidFill>
+                <a:schemeClr val="lt1"/>
+              </a:solidFill>
+              <a:latin typeface="Calibri"/>
+              <a:ea typeface="Calibri"/>
+              <a:cs typeface="Calibri"/>
+              <a:sym typeface="Calibri"/>
+            </a:endParaRPr>
+          </a:p>
+          <a:p>
+            <a:pPr indent="0" lvl="0" marL="0" rtl="0" algn="l">
+              <a:spcBef>
+                <a:spcPts val="0"/>
+              </a:spcBef>
+              <a:spcAft>
+                <a:spcPts val="0"/>
+              </a:spcAft>
+              <a:buNone/>
+            </a:pPr>
+            <a:r>
+              <a:t/>
+            </a:r>
+            <a:endParaRPr sz="3100">
+              <a:solidFill>
+                <a:schemeClr val="dk1"/>
+              </a:solidFill>
+              <a:latin typeface="Calibri"/>
+              <a:ea typeface="Calibri"/>
+              <a:cs typeface="Calibri"/>
+              <a:sym typeface="Calibri"/>
+            </a:endParaRPr>
+          </a:p>
+        </p:txBody>
+      </p:sp>
     </p:spTree>
   </p:cSld>
   <p:clrMapOvr>
@@ -6783,12 +8744,12 @@
 </p:sld>
 </file>
 
-<file path=ppt/slides/slide12.xml><?xml version="1.0" encoding="utf-8"?>
+<file path=ppt/slides/slide14.xml><?xml version="1.0" encoding="utf-8"?>
 <p:sld xmlns:a="http://schemas.openxmlformats.org/drawingml/2006/main" xmlns:r="http://schemas.openxmlformats.org/officeDocument/2006/relationships" xmlns:mc="http://schemas.openxmlformats.org/markup-compatibility/2006" xmlns:mv="urn:schemas-microsoft-com:mac:vml" xmlns:p="http://schemas.openxmlformats.org/presentationml/2006/main" xmlns:c="http://schemas.openxmlformats.org/drawingml/2006/chart" xmlns:dgm="http://schemas.openxmlformats.org/drawingml/2006/diagram" xmlns:o="urn:schemas-microsoft-com:office:office" xmlns:v="urn:schemas-microsoft-com:vml" xmlns:pvml="urn:schemas-microsoft-com:office:powerpoint" xmlns:com="http://schemas.openxmlformats.org/drawingml/2006/compatibility" xmlns:p14="http://schemas.microsoft.com/office/powerpoint/2010/main" xmlns:p15="http://schemas.microsoft.com/office/powerpoint/2012/main" xmlns:ahyp="http://schemas.microsoft.com/office/drawing/2018/hyperlinkcolor">
   <p:cSld>
     <p:spTree>
       <p:nvGrpSpPr>
-        <p:cNvPr id="154" name="Shape 154"/>
+        <p:cNvPr id="176" name="Shape 176"/>
         <p:cNvGrpSpPr/>
         <p:nvPr/>
       </p:nvGrpSpPr>
@@ -6802,13 +8763,13 @@
       </p:grpSpPr>
       <p:sp>
         <p:nvSpPr>
-          <p:cNvPr id="155" name="Google Shape;155;p24"/>
+          <p:cNvPr id="177" name="Google Shape;177;p26"/>
           <p:cNvSpPr/>
           <p:nvPr/>
         </p:nvSpPr>
         <p:spPr>
           <a:xfrm>
-            <a:off x="43000" y="0"/>
+            <a:off x="0" y="0"/>
             <a:ext cx="12192000" cy="6858000"/>
           </a:xfrm>
           <a:prstGeom prst="rect">
@@ -6840,10 +8801,6 @@
               <a:spcAft>
                 <a:spcPts val="0"/>
               </a:spcAft>
-              <a:buClr>
-                <a:srgbClr val="000000"/>
-              </a:buClr>
-              <a:buFont typeface="Arial"/>
               <a:buNone/>
             </a:pPr>
             <a:r>
@@ -6863,14 +8820,14 @@
       </p:sp>
       <p:sp>
         <p:nvSpPr>
-          <p:cNvPr id="156" name="Google Shape;156;p24"/>
+          <p:cNvPr id="178" name="Google Shape;178;p26"/>
           <p:cNvSpPr txBox="1"/>
           <p:nvPr/>
         </p:nvSpPr>
         <p:spPr>
           <a:xfrm>
             <a:off x="181450" y="872000"/>
-            <a:ext cx="11915100" cy="769500"/>
+            <a:ext cx="11891700" cy="400200"/>
           </a:xfrm>
           <a:prstGeom prst="rect">
             <a:avLst/>
@@ -6886,17 +8843,13 @@
           </a:bodyPr>
           <a:lstStyle/>
           <a:p>
-            <a:pPr indent="0" lvl="0" marL="0" rtl="0" algn="l">
-              <a:spcBef>
-                <a:spcPts val="0"/>
-              </a:spcBef>
-              <a:spcAft>
-                <a:spcPts val="0"/>
-              </a:spcAft>
-              <a:buClr>
-                <a:schemeClr val="dk1"/>
-              </a:buClr>
-              <a:buFont typeface="Arial"/>
+            <a:pPr indent="0" lvl="0" marL="0" marR="0" rtl="0" algn="l">
+              <a:spcBef>
+                <a:spcPts val="0"/>
+              </a:spcBef>
+              <a:spcAft>
+                <a:spcPts val="0"/>
+              </a:spcAft>
               <a:buNone/>
             </a:pPr>
             <a:r>
@@ -6905,38 +8858,55 @@
                   <a:schemeClr val="lt1"/>
                 </a:solidFill>
               </a:rPr>
-              <a:t>Postman Request Methods, Validations of the API(api.restful-dev) with screenshots</a:t>
+              <a:t>Postman Request Methods, Responses</a:t>
+            </a:r>
+            <a:r>
+              <a:rPr b="1" lang="en-IN" sz="2000">
+                <a:solidFill>
+                  <a:schemeClr val="lt1"/>
+                </a:solidFill>
+                <a:latin typeface="Arial"/>
+                <a:ea typeface="Arial"/>
+                <a:cs typeface="Arial"/>
+                <a:sym typeface="Arial"/>
+              </a:rPr>
+              <a:t> of the API(</a:t>
+            </a:r>
+            <a:r>
+              <a:rPr b="1" lang="en-IN" sz="2000">
+                <a:solidFill>
+                  <a:schemeClr val="lt1"/>
+                </a:solidFill>
+              </a:rPr>
+              <a:t>api.restful-dev)</a:t>
+            </a:r>
+            <a:r>
+              <a:rPr b="1" lang="en-IN" sz="2000">
+                <a:solidFill>
+                  <a:schemeClr val="lt1"/>
+                </a:solidFill>
+                <a:latin typeface="Arial"/>
+                <a:ea typeface="Arial"/>
+                <a:cs typeface="Arial"/>
+                <a:sym typeface="Arial"/>
+              </a:rPr>
+              <a:t> with screenshots</a:t>
             </a:r>
             <a:endParaRPr b="1" sz="2000">
               <a:solidFill>
                 <a:schemeClr val="lt1"/>
               </a:solidFill>
-            </a:endParaRPr>
-          </a:p>
-          <a:p>
-            <a:pPr indent="0" lvl="0" marL="0" marR="0" rtl="0" algn="ctr">
-              <a:spcBef>
-                <a:spcPts val="0"/>
-              </a:spcBef>
-              <a:spcAft>
-                <a:spcPts val="0"/>
-              </a:spcAft>
-              <a:buNone/>
-            </a:pPr>
-            <a:r>
-              <a:t/>
-            </a:r>
-            <a:endParaRPr b="1" sz="2400">
-              <a:solidFill>
-                <a:schemeClr val="lt1"/>
-              </a:solidFill>
+              <a:latin typeface="Arial"/>
+              <a:ea typeface="Arial"/>
+              <a:cs typeface="Arial"/>
+              <a:sym typeface="Arial"/>
             </a:endParaRPr>
           </a:p>
         </p:txBody>
       </p:sp>
       <p:pic>
         <p:nvPicPr>
-          <p:cNvPr id="157" name="Google Shape;157;p24"/>
+          <p:cNvPr id="179" name="Google Shape;179;p26"/>
           <p:cNvPicPr preferRelativeResize="0"/>
           <p:nvPr/>
         </p:nvPicPr>
@@ -6950,7 +8920,7 @@
         <p:spPr>
           <a:xfrm>
             <a:off x="10347" y="0"/>
-            <a:ext cx="2401377" cy="902226"/>
+            <a:ext cx="2401375" cy="902226"/>
           </a:xfrm>
           <a:prstGeom prst="rect">
             <a:avLst/>
@@ -6963,14 +8933,14 @@
       </p:pic>
       <p:cxnSp>
         <p:nvCxnSpPr>
-          <p:cNvPr id="158" name="Google Shape;158;p24"/>
+          <p:cNvPr id="180" name="Google Shape;180;p26"/>
           <p:cNvCxnSpPr/>
           <p:nvPr/>
         </p:nvCxnSpPr>
         <p:spPr>
           <a:xfrm>
             <a:off x="323850" y="1352550"/>
-            <a:ext cx="6305550" cy="0"/>
+            <a:ext cx="6305700" cy="0"/>
           </a:xfrm>
           <a:prstGeom prst="straightConnector1">
             <a:avLst/>
@@ -6989,7 +8959,7 @@
       </p:cxnSp>
       <p:pic>
         <p:nvPicPr>
-          <p:cNvPr id="159" name="Google Shape;159;p24"/>
+          <p:cNvPr id="181" name="Google Shape;181;p26"/>
           <p:cNvPicPr preferRelativeResize="0"/>
           <p:nvPr/>
         </p:nvPicPr>
@@ -7003,36 +8973,8 @@
         </p:blipFill>
         <p:spPr>
           <a:xfrm>
-            <a:off x="6086324" y="3563873"/>
-            <a:ext cx="6148674" cy="3294124"/>
-          </a:xfrm>
-          <a:prstGeom prst="rect">
-            <a:avLst/>
-          </a:prstGeom>
-          <a:noFill/>
-          <a:ln>
-            <a:noFill/>
-          </a:ln>
-        </p:spPr>
-      </p:pic>
-      <p:pic>
-        <p:nvPicPr>
-          <p:cNvPr id="160" name="Google Shape;160;p24"/>
-          <p:cNvPicPr preferRelativeResize="0"/>
-          <p:nvPr/>
-        </p:nvPicPr>
-        <p:blipFill>
-          <a:blip r:embed="rId5">
-            <a:alphaModFix/>
-          </a:blip>
-          <a:stretch>
-            <a:fillRect/>
-          </a:stretch>
-        </p:blipFill>
-        <p:spPr>
-          <a:xfrm>
-            <a:off x="323849" y="1855550"/>
-            <a:ext cx="9651450" cy="1205325"/>
+            <a:off x="323850" y="1432900"/>
+            <a:ext cx="8055901" cy="5114375"/>
           </a:xfrm>
           <a:prstGeom prst="rect">
             <a:avLst/>
@@ -7048,809 +8990,6 @@
             <a:miter lim="8000"/>
             <a:headEnd len="sm" w="sm" type="none"/>
             <a:tailEnd len="sm" w="sm" type="none"/>
-          </a:ln>
-        </p:spPr>
-      </p:pic>
-      <p:pic>
-        <p:nvPicPr>
-          <p:cNvPr id="161" name="Google Shape;161;p24"/>
-          <p:cNvPicPr preferRelativeResize="0"/>
-          <p:nvPr/>
-        </p:nvPicPr>
-        <p:blipFill>
-          <a:blip r:embed="rId6">
-            <a:alphaModFix/>
-          </a:blip>
-          <a:stretch>
-            <a:fillRect/>
-          </a:stretch>
-        </p:blipFill>
-        <p:spPr>
-          <a:xfrm>
-            <a:off x="323859" y="4050350"/>
-            <a:ext cx="5665790" cy="1205325"/>
-          </a:xfrm>
-          <a:prstGeom prst="rect">
-            <a:avLst/>
-          </a:prstGeom>
-          <a:solidFill>
-            <a:srgbClr val="15102C"/>
-          </a:solidFill>
-          <a:ln cap="flat" cmpd="sng" w="12700">
-            <a:solidFill>
-              <a:srgbClr val="1C3052"/>
-            </a:solidFill>
-            <a:prstDash val="solid"/>
-            <a:miter lim="8000"/>
-            <a:headEnd len="sm" w="sm" type="none"/>
-            <a:tailEnd len="sm" w="sm" type="none"/>
-          </a:ln>
-        </p:spPr>
-      </p:pic>
-      <p:sp>
-        <p:nvSpPr>
-          <p:cNvPr id="162" name="Google Shape;162;p24"/>
-          <p:cNvSpPr txBox="1"/>
-          <p:nvPr/>
-        </p:nvSpPr>
-        <p:spPr>
-          <a:xfrm>
-            <a:off x="240225" y="1503325"/>
-            <a:ext cx="4230900" cy="352200"/>
-          </a:xfrm>
-          <a:prstGeom prst="rect">
-            <a:avLst/>
-          </a:prstGeom>
-          <a:noFill/>
-          <a:ln>
-            <a:noFill/>
-          </a:ln>
-        </p:spPr>
-        <p:txBody>
-          <a:bodyPr anchorCtr="0" anchor="t" bIns="91425" lIns="91425" spcFirstLastPara="1" rIns="91425" wrap="square" tIns="91425">
-            <a:noAutofit/>
-          </a:bodyPr>
-          <a:lstStyle/>
-          <a:p>
-            <a:pPr indent="0" lvl="0" marL="0" rtl="0" algn="l">
-              <a:spcBef>
-                <a:spcPts val="0"/>
-              </a:spcBef>
-              <a:spcAft>
-                <a:spcPts val="0"/>
-              </a:spcAft>
-              <a:buClr>
-                <a:schemeClr val="dk1"/>
-              </a:buClr>
-              <a:buFont typeface="Arial"/>
-              <a:buNone/>
-            </a:pPr>
-            <a:r>
-              <a:rPr lang="en-IN" sz="1900">
-                <a:solidFill>
-                  <a:schemeClr val="lt1"/>
-                </a:solidFill>
-              </a:rPr>
-              <a:t>Environmental Variables</a:t>
-            </a:r>
-            <a:endParaRPr sz="2700">
-              <a:solidFill>
-                <a:schemeClr val="dk1"/>
-              </a:solidFill>
-              <a:latin typeface="Calibri"/>
-              <a:ea typeface="Calibri"/>
-              <a:cs typeface="Calibri"/>
-              <a:sym typeface="Calibri"/>
-            </a:endParaRPr>
-          </a:p>
-        </p:txBody>
-      </p:sp>
-      <p:sp>
-        <p:nvSpPr>
-          <p:cNvPr id="163" name="Google Shape;163;p24"/>
-          <p:cNvSpPr txBox="1"/>
-          <p:nvPr/>
-        </p:nvSpPr>
-        <p:spPr>
-          <a:xfrm>
-            <a:off x="240225" y="3698150"/>
-            <a:ext cx="2929200" cy="352200"/>
-          </a:xfrm>
-          <a:prstGeom prst="rect">
-            <a:avLst/>
-          </a:prstGeom>
-          <a:noFill/>
-          <a:ln>
-            <a:noFill/>
-          </a:ln>
-        </p:spPr>
-        <p:txBody>
-          <a:bodyPr anchorCtr="0" anchor="t" bIns="91425" lIns="91425" spcFirstLastPara="1" rIns="91425" wrap="square" tIns="91425">
-            <a:noAutofit/>
-          </a:bodyPr>
-          <a:lstStyle/>
-          <a:p>
-            <a:pPr indent="0" lvl="0" marL="0" rtl="0" algn="l">
-              <a:spcBef>
-                <a:spcPts val="0"/>
-              </a:spcBef>
-              <a:spcAft>
-                <a:spcPts val="0"/>
-              </a:spcAft>
-              <a:buClr>
-                <a:schemeClr val="dk1"/>
-              </a:buClr>
-              <a:buSzPts val="1100"/>
-              <a:buFont typeface="Arial"/>
-              <a:buNone/>
-            </a:pPr>
-            <a:r>
-              <a:rPr lang="en-IN" sz="1900">
-                <a:solidFill>
-                  <a:schemeClr val="lt1"/>
-                </a:solidFill>
-              </a:rPr>
-              <a:t>Collection</a:t>
-            </a:r>
-            <a:r>
-              <a:rPr lang="en-IN" sz="1900">
-                <a:solidFill>
-                  <a:schemeClr val="lt1"/>
-                </a:solidFill>
-              </a:rPr>
-              <a:t> Variables</a:t>
-            </a:r>
-            <a:endParaRPr sz="2700">
-              <a:solidFill>
-                <a:schemeClr val="dk1"/>
-              </a:solidFill>
-              <a:latin typeface="Calibri"/>
-              <a:ea typeface="Calibri"/>
-              <a:cs typeface="Calibri"/>
-              <a:sym typeface="Calibri"/>
-            </a:endParaRPr>
-          </a:p>
-          <a:p>
-            <a:pPr indent="0" lvl="0" marL="0" rtl="0" algn="l">
-              <a:spcBef>
-                <a:spcPts val="0"/>
-              </a:spcBef>
-              <a:spcAft>
-                <a:spcPts val="0"/>
-              </a:spcAft>
-              <a:buNone/>
-            </a:pPr>
-            <a:r>
-              <a:t/>
-            </a:r>
-            <a:endParaRPr sz="2800">
-              <a:solidFill>
-                <a:schemeClr val="dk1"/>
-              </a:solidFill>
-              <a:latin typeface="Calibri"/>
-              <a:ea typeface="Calibri"/>
-              <a:cs typeface="Calibri"/>
-              <a:sym typeface="Calibri"/>
-            </a:endParaRPr>
-          </a:p>
-        </p:txBody>
-      </p:sp>
-      <p:sp>
-        <p:nvSpPr>
-          <p:cNvPr id="164" name="Google Shape;164;p24"/>
-          <p:cNvSpPr txBox="1"/>
-          <p:nvPr/>
-        </p:nvSpPr>
-        <p:spPr>
-          <a:xfrm>
-            <a:off x="6086325" y="3136275"/>
-            <a:ext cx="3254700" cy="352200"/>
-          </a:xfrm>
-          <a:prstGeom prst="rect">
-            <a:avLst/>
-          </a:prstGeom>
-          <a:noFill/>
-          <a:ln>
-            <a:noFill/>
-          </a:ln>
-        </p:spPr>
-        <p:txBody>
-          <a:bodyPr anchorCtr="0" anchor="t" bIns="91425" lIns="91425" spcFirstLastPara="1" rIns="91425" wrap="square" tIns="91425">
-            <a:noAutofit/>
-          </a:bodyPr>
-          <a:lstStyle/>
-          <a:p>
-            <a:pPr indent="0" lvl="0" marL="0" rtl="0" algn="l">
-              <a:spcBef>
-                <a:spcPts val="0"/>
-              </a:spcBef>
-              <a:spcAft>
-                <a:spcPts val="0"/>
-              </a:spcAft>
-              <a:buClr>
-                <a:schemeClr val="dk1"/>
-              </a:buClr>
-              <a:buSzPts val="1100"/>
-              <a:buFont typeface="Arial"/>
-              <a:buNone/>
-            </a:pPr>
-            <a:r>
-              <a:rPr lang="en-IN" sz="1900">
-                <a:solidFill>
-                  <a:schemeClr val="lt1"/>
-                </a:solidFill>
-              </a:rPr>
-              <a:t>Validation Scripts</a:t>
-            </a:r>
-            <a:r>
-              <a:rPr lang="en-IN" sz="1900">
-                <a:solidFill>
-                  <a:schemeClr val="lt1"/>
-                </a:solidFill>
-              </a:rPr>
-              <a:t> </a:t>
-            </a:r>
-            <a:endParaRPr sz="2700">
-              <a:solidFill>
-                <a:schemeClr val="dk1"/>
-              </a:solidFill>
-              <a:latin typeface="Calibri"/>
-              <a:ea typeface="Calibri"/>
-              <a:cs typeface="Calibri"/>
-              <a:sym typeface="Calibri"/>
-            </a:endParaRPr>
-          </a:p>
-          <a:p>
-            <a:pPr indent="0" lvl="0" marL="0" rtl="0" algn="l">
-              <a:spcBef>
-                <a:spcPts val="0"/>
-              </a:spcBef>
-              <a:spcAft>
-                <a:spcPts val="0"/>
-              </a:spcAft>
-              <a:buClr>
-                <a:schemeClr val="dk1"/>
-              </a:buClr>
-              <a:buSzPts val="1100"/>
-              <a:buFont typeface="Arial"/>
-              <a:buNone/>
-            </a:pPr>
-            <a:r>
-              <a:t/>
-            </a:r>
-            <a:endParaRPr sz="2800">
-              <a:solidFill>
-                <a:schemeClr val="dk1"/>
-              </a:solidFill>
-              <a:latin typeface="Calibri"/>
-              <a:ea typeface="Calibri"/>
-              <a:cs typeface="Calibri"/>
-              <a:sym typeface="Calibri"/>
-            </a:endParaRPr>
-          </a:p>
-          <a:p>
-            <a:pPr indent="0" lvl="0" marL="0" rtl="0" algn="l">
-              <a:spcBef>
-                <a:spcPts val="0"/>
-              </a:spcBef>
-              <a:spcAft>
-                <a:spcPts val="0"/>
-              </a:spcAft>
-              <a:buNone/>
-            </a:pPr>
-            <a:r>
-              <a:t/>
-            </a:r>
-            <a:endParaRPr sz="2800">
-              <a:solidFill>
-                <a:schemeClr val="dk1"/>
-              </a:solidFill>
-              <a:latin typeface="Calibri"/>
-              <a:ea typeface="Calibri"/>
-              <a:cs typeface="Calibri"/>
-              <a:sym typeface="Calibri"/>
-            </a:endParaRPr>
-          </a:p>
-        </p:txBody>
-      </p:sp>
-    </p:spTree>
-  </p:cSld>
-  <p:clrMapOvr>
-    <a:masterClrMapping/>
-  </p:clrMapOvr>
-</p:sld>
-</file>
-
-<file path=ppt/slides/slide13.xml><?xml version="1.0" encoding="utf-8"?>
-<p:sld xmlns:a="http://schemas.openxmlformats.org/drawingml/2006/main" xmlns:r="http://schemas.openxmlformats.org/officeDocument/2006/relationships" xmlns:mc="http://schemas.openxmlformats.org/markup-compatibility/2006" xmlns:mv="urn:schemas-microsoft-com:mac:vml" xmlns:p="http://schemas.openxmlformats.org/presentationml/2006/main" xmlns:c="http://schemas.openxmlformats.org/drawingml/2006/chart" xmlns:dgm="http://schemas.openxmlformats.org/drawingml/2006/diagram" xmlns:o="urn:schemas-microsoft-com:office:office" xmlns:v="urn:schemas-microsoft-com:vml" xmlns:pvml="urn:schemas-microsoft-com:office:powerpoint" xmlns:com="http://schemas.openxmlformats.org/drawingml/2006/compatibility" xmlns:p14="http://schemas.microsoft.com/office/powerpoint/2010/main" xmlns:p15="http://schemas.microsoft.com/office/powerpoint/2012/main" xmlns:ahyp="http://schemas.microsoft.com/office/drawing/2018/hyperlinkcolor">
-  <p:cSld>
-    <p:spTree>
-      <p:nvGrpSpPr>
-        <p:cNvPr id="168" name="Shape 168"/>
-        <p:cNvGrpSpPr/>
-        <p:nvPr/>
-      </p:nvGrpSpPr>
-      <p:grpSpPr>
-        <a:xfrm>
-          <a:off x="0" y="0"/>
-          <a:ext cx="0" cy="0"/>
-          <a:chOff x="0" y="0"/>
-          <a:chExt cx="0" cy="0"/>
-        </a:xfrm>
-      </p:grpSpPr>
-      <p:sp>
-        <p:nvSpPr>
-          <p:cNvPr id="169" name="Google Shape;169;p25"/>
-          <p:cNvSpPr/>
-          <p:nvPr/>
-        </p:nvSpPr>
-        <p:spPr>
-          <a:xfrm>
-            <a:off x="0" y="0"/>
-            <a:ext cx="12192000" cy="6858000"/>
-          </a:xfrm>
-          <a:prstGeom prst="rect">
-            <a:avLst/>
-          </a:prstGeom>
-          <a:solidFill>
-            <a:srgbClr val="15102C"/>
-          </a:solidFill>
-          <a:ln cap="flat" cmpd="sng" w="12700">
-            <a:solidFill>
-              <a:srgbClr val="1C3052"/>
-            </a:solidFill>
-            <a:prstDash val="solid"/>
-            <a:miter lim="800000"/>
-            <a:headEnd len="sm" w="sm" type="none"/>
-            <a:tailEnd len="sm" w="sm" type="none"/>
-          </a:ln>
-        </p:spPr>
-        <p:txBody>
-          <a:bodyPr anchorCtr="0" anchor="ctr" bIns="45700" lIns="91425" spcFirstLastPara="1" rIns="91425" wrap="square" tIns="45700">
-            <a:noAutofit/>
-          </a:bodyPr>
-          <a:lstStyle/>
-          <a:p>
-            <a:pPr indent="0" lvl="0" marL="0" marR="0" rtl="0" algn="ctr">
-              <a:spcBef>
-                <a:spcPts val="0"/>
-              </a:spcBef>
-              <a:spcAft>
-                <a:spcPts val="0"/>
-              </a:spcAft>
-              <a:buNone/>
-            </a:pPr>
-            <a:r>
-              <a:t/>
-            </a:r>
-            <a:endParaRPr sz="1800">
-              <a:solidFill>
-                <a:schemeClr val="lt1"/>
-              </a:solidFill>
-              <a:latin typeface="Calibri"/>
-              <a:ea typeface="Calibri"/>
-              <a:cs typeface="Calibri"/>
-              <a:sym typeface="Calibri"/>
-            </a:endParaRPr>
-          </a:p>
-        </p:txBody>
-      </p:sp>
-      <p:sp>
-        <p:nvSpPr>
-          <p:cNvPr id="170" name="Google Shape;170;p25"/>
-          <p:cNvSpPr txBox="1"/>
-          <p:nvPr/>
-        </p:nvSpPr>
-        <p:spPr>
-          <a:xfrm>
-            <a:off x="181455" y="872000"/>
-            <a:ext cx="11915100" cy="461700"/>
-          </a:xfrm>
-          <a:prstGeom prst="rect">
-            <a:avLst/>
-          </a:prstGeom>
-          <a:noFill/>
-          <a:ln>
-            <a:noFill/>
-          </a:ln>
-        </p:spPr>
-        <p:txBody>
-          <a:bodyPr anchorCtr="0" anchor="t" bIns="45700" lIns="91425" spcFirstLastPara="1" rIns="91425" wrap="square" tIns="45700">
-            <a:spAutoFit/>
-          </a:bodyPr>
-          <a:lstStyle/>
-          <a:p>
-            <a:pPr indent="0" lvl="0" marL="0" marR="0" rtl="0" algn="l">
-              <a:spcBef>
-                <a:spcPts val="0"/>
-              </a:spcBef>
-              <a:spcAft>
-                <a:spcPts val="0"/>
-              </a:spcAft>
-              <a:buNone/>
-            </a:pPr>
-            <a:r>
-              <a:rPr b="1" lang="en-IN" sz="2400">
-                <a:solidFill>
-                  <a:schemeClr val="lt1"/>
-                </a:solidFill>
-              </a:rPr>
-              <a:t>Responses of the API(api.restful-dev) </a:t>
-            </a:r>
-            <a:r>
-              <a:rPr b="1" lang="en-IN" sz="2400">
-                <a:solidFill>
-                  <a:schemeClr val="lt1"/>
-                </a:solidFill>
-                <a:latin typeface="Arial"/>
-                <a:ea typeface="Arial"/>
-                <a:cs typeface="Arial"/>
-                <a:sym typeface="Arial"/>
-              </a:rPr>
-              <a:t>of the </a:t>
-            </a:r>
-            <a:r>
-              <a:rPr b="1" lang="en-IN" sz="2400">
-                <a:solidFill>
-                  <a:schemeClr val="lt1"/>
-                </a:solidFill>
-              </a:rPr>
-              <a:t>JMeter with Result Table</a:t>
-            </a:r>
-            <a:endParaRPr b="1" sz="2400">
-              <a:solidFill>
-                <a:schemeClr val="lt1"/>
-              </a:solidFill>
-              <a:latin typeface="Arial"/>
-              <a:ea typeface="Arial"/>
-              <a:cs typeface="Arial"/>
-              <a:sym typeface="Arial"/>
-            </a:endParaRPr>
-          </a:p>
-        </p:txBody>
-      </p:sp>
-      <p:pic>
-        <p:nvPicPr>
-          <p:cNvPr id="171" name="Google Shape;171;p25"/>
-          <p:cNvPicPr preferRelativeResize="0"/>
-          <p:nvPr/>
-        </p:nvPicPr>
-        <p:blipFill rotWithShape="1">
-          <a:blip r:embed="rId3">
-            <a:alphaModFix/>
-          </a:blip>
-          <a:srcRect b="0" l="0" r="0" t="0"/>
-          <a:stretch/>
-        </p:blipFill>
-        <p:spPr>
-          <a:xfrm>
-            <a:off x="10347" y="0"/>
-            <a:ext cx="2401377" cy="902226"/>
-          </a:xfrm>
-          <a:prstGeom prst="rect">
-            <a:avLst/>
-          </a:prstGeom>
-          <a:noFill/>
-          <a:ln>
-            <a:noFill/>
-          </a:ln>
-        </p:spPr>
-      </p:pic>
-      <p:cxnSp>
-        <p:nvCxnSpPr>
-          <p:cNvPr id="172" name="Google Shape;172;p25"/>
-          <p:cNvCxnSpPr/>
-          <p:nvPr/>
-        </p:nvCxnSpPr>
-        <p:spPr>
-          <a:xfrm>
-            <a:off x="323850" y="1352550"/>
-            <a:ext cx="6305550" cy="0"/>
-          </a:xfrm>
-          <a:prstGeom prst="straightConnector1">
-            <a:avLst/>
-          </a:prstGeom>
-          <a:noFill/>
-          <a:ln cap="flat" cmpd="sng" w="9525">
-            <a:solidFill>
-              <a:schemeClr val="lt1"/>
-            </a:solidFill>
-            <a:prstDash val="solid"/>
-            <a:miter lim="800000"/>
-            <a:headEnd len="sm" w="sm" type="none"/>
-            <a:tailEnd len="sm" w="sm" type="none"/>
-          </a:ln>
-        </p:spPr>
-      </p:cxnSp>
-      <p:pic>
-        <p:nvPicPr>
-          <p:cNvPr id="173" name="Google Shape;173;p25"/>
-          <p:cNvPicPr preferRelativeResize="0"/>
-          <p:nvPr/>
-        </p:nvPicPr>
-        <p:blipFill>
-          <a:blip r:embed="rId4">
-            <a:alphaModFix/>
-          </a:blip>
-          <a:stretch>
-            <a:fillRect/>
-          </a:stretch>
-        </p:blipFill>
-        <p:spPr>
-          <a:xfrm>
-            <a:off x="181450" y="1526751"/>
-            <a:ext cx="11363949" cy="4393600"/>
-          </a:xfrm>
-          <a:prstGeom prst="rect">
-            <a:avLst/>
-          </a:prstGeom>
-          <a:noFill/>
-          <a:ln>
-            <a:noFill/>
-          </a:ln>
-        </p:spPr>
-      </p:pic>
-    </p:spTree>
-  </p:cSld>
-  <p:clrMapOvr>
-    <a:masterClrMapping/>
-  </p:clrMapOvr>
-</p:sld>
-</file>
-
-<file path=ppt/slides/slide14.xml><?xml version="1.0" encoding="utf-8"?>
-<p:sld xmlns:a="http://schemas.openxmlformats.org/drawingml/2006/main" xmlns:r="http://schemas.openxmlformats.org/officeDocument/2006/relationships" xmlns:mc="http://schemas.openxmlformats.org/markup-compatibility/2006" xmlns:mv="urn:schemas-microsoft-com:mac:vml" xmlns:p="http://schemas.openxmlformats.org/presentationml/2006/main" xmlns:c="http://schemas.openxmlformats.org/drawingml/2006/chart" xmlns:dgm="http://schemas.openxmlformats.org/drawingml/2006/diagram" xmlns:o="urn:schemas-microsoft-com:office:office" xmlns:v="urn:schemas-microsoft-com:vml" xmlns:pvml="urn:schemas-microsoft-com:office:powerpoint" xmlns:com="http://schemas.openxmlformats.org/drawingml/2006/compatibility" xmlns:p14="http://schemas.microsoft.com/office/powerpoint/2010/main" xmlns:p15="http://schemas.microsoft.com/office/powerpoint/2012/main" xmlns:ahyp="http://schemas.microsoft.com/office/drawing/2018/hyperlinkcolor">
-  <p:cSld>
-    <p:spTree>
-      <p:nvGrpSpPr>
-        <p:cNvPr id="177" name="Shape 177"/>
-        <p:cNvGrpSpPr/>
-        <p:nvPr/>
-      </p:nvGrpSpPr>
-      <p:grpSpPr>
-        <a:xfrm>
-          <a:off x="0" y="0"/>
-          <a:ext cx="0" cy="0"/>
-          <a:chOff x="0" y="0"/>
-          <a:chExt cx="0" cy="0"/>
-        </a:xfrm>
-      </p:grpSpPr>
-      <p:sp>
-        <p:nvSpPr>
-          <p:cNvPr id="178" name="Google Shape;178;p26"/>
-          <p:cNvSpPr/>
-          <p:nvPr/>
-        </p:nvSpPr>
-        <p:spPr>
-          <a:xfrm>
-            <a:off x="0" y="0"/>
-            <a:ext cx="12192000" cy="6858000"/>
-          </a:xfrm>
-          <a:prstGeom prst="rect">
-            <a:avLst/>
-          </a:prstGeom>
-          <a:solidFill>
-            <a:srgbClr val="15102C"/>
-          </a:solidFill>
-          <a:ln cap="flat" cmpd="sng" w="12700">
-            <a:solidFill>
-              <a:srgbClr val="1C3052"/>
-            </a:solidFill>
-            <a:prstDash val="solid"/>
-            <a:miter lim="800000"/>
-            <a:headEnd len="sm" w="sm" type="none"/>
-            <a:tailEnd len="sm" w="sm" type="none"/>
-          </a:ln>
-        </p:spPr>
-        <p:txBody>
-          <a:bodyPr anchorCtr="0" anchor="ctr" bIns="45700" lIns="91425" spcFirstLastPara="1" rIns="91425" wrap="square" tIns="45700">
-            <a:noAutofit/>
-          </a:bodyPr>
-          <a:lstStyle/>
-          <a:p>
-            <a:pPr indent="0" lvl="0" marL="0" marR="0" rtl="0" algn="ctr">
-              <a:spcBef>
-                <a:spcPts val="0"/>
-              </a:spcBef>
-              <a:spcAft>
-                <a:spcPts val="0"/>
-              </a:spcAft>
-              <a:buNone/>
-            </a:pPr>
-            <a:r>
-              <a:t/>
-            </a:r>
-            <a:endParaRPr sz="1800">
-              <a:solidFill>
-                <a:schemeClr val="lt1"/>
-              </a:solidFill>
-              <a:latin typeface="Calibri"/>
-              <a:ea typeface="Calibri"/>
-              <a:cs typeface="Calibri"/>
-              <a:sym typeface="Calibri"/>
-            </a:endParaRPr>
-          </a:p>
-        </p:txBody>
-      </p:sp>
-      <p:sp>
-        <p:nvSpPr>
-          <p:cNvPr id="179" name="Google Shape;179;p26"/>
-          <p:cNvSpPr txBox="1"/>
-          <p:nvPr/>
-        </p:nvSpPr>
-        <p:spPr>
-          <a:xfrm>
-            <a:off x="181455" y="872000"/>
-            <a:ext cx="11915100" cy="461700"/>
-          </a:xfrm>
-          <a:prstGeom prst="rect">
-            <a:avLst/>
-          </a:prstGeom>
-          <a:noFill/>
-          <a:ln>
-            <a:noFill/>
-          </a:ln>
-        </p:spPr>
-        <p:txBody>
-          <a:bodyPr anchorCtr="0" anchor="t" bIns="45700" lIns="91425" spcFirstLastPara="1" rIns="91425" wrap="square" tIns="45700">
-            <a:spAutoFit/>
-          </a:bodyPr>
-          <a:lstStyle/>
-          <a:p>
-            <a:pPr indent="0" lvl="0" marL="0" marR="0" rtl="0" algn="l">
-              <a:spcBef>
-                <a:spcPts val="0"/>
-              </a:spcBef>
-              <a:spcAft>
-                <a:spcPts val="0"/>
-              </a:spcAft>
-              <a:buNone/>
-            </a:pPr>
-            <a:r>
-              <a:rPr b="1" lang="en-IN" sz="2400">
-                <a:solidFill>
-                  <a:schemeClr val="lt1"/>
-                </a:solidFill>
-              </a:rPr>
-              <a:t>Responses of the API(api.restful-dev) </a:t>
-            </a:r>
-            <a:r>
-              <a:rPr b="1" lang="en-IN" sz="2400">
-                <a:solidFill>
-                  <a:schemeClr val="lt1"/>
-                </a:solidFill>
-                <a:latin typeface="Arial"/>
-                <a:ea typeface="Arial"/>
-                <a:cs typeface="Arial"/>
-                <a:sym typeface="Arial"/>
-              </a:rPr>
-              <a:t>of the </a:t>
-            </a:r>
-            <a:r>
-              <a:rPr b="1" lang="en-IN" sz="2400">
-                <a:solidFill>
-                  <a:schemeClr val="lt1"/>
-                </a:solidFill>
-              </a:rPr>
-              <a:t>Thread Group &amp; Result Tree</a:t>
-            </a:r>
-            <a:endParaRPr b="1" sz="2400">
-              <a:solidFill>
-                <a:schemeClr val="lt1"/>
-              </a:solidFill>
-              <a:latin typeface="Arial"/>
-              <a:ea typeface="Arial"/>
-              <a:cs typeface="Arial"/>
-              <a:sym typeface="Arial"/>
-            </a:endParaRPr>
-          </a:p>
-        </p:txBody>
-      </p:sp>
-      <p:pic>
-        <p:nvPicPr>
-          <p:cNvPr id="180" name="Google Shape;180;p26"/>
-          <p:cNvPicPr preferRelativeResize="0"/>
-          <p:nvPr/>
-        </p:nvPicPr>
-        <p:blipFill rotWithShape="1">
-          <a:blip r:embed="rId3">
-            <a:alphaModFix/>
-          </a:blip>
-          <a:srcRect b="0" l="0" r="0" t="0"/>
-          <a:stretch/>
-        </p:blipFill>
-        <p:spPr>
-          <a:xfrm>
-            <a:off x="10347" y="0"/>
-            <a:ext cx="2401375" cy="902226"/>
-          </a:xfrm>
-          <a:prstGeom prst="rect">
-            <a:avLst/>
-          </a:prstGeom>
-          <a:noFill/>
-          <a:ln>
-            <a:noFill/>
-          </a:ln>
-        </p:spPr>
-      </p:pic>
-      <p:cxnSp>
-        <p:nvCxnSpPr>
-          <p:cNvPr id="181" name="Google Shape;181;p26"/>
-          <p:cNvCxnSpPr/>
-          <p:nvPr/>
-        </p:nvCxnSpPr>
-        <p:spPr>
-          <a:xfrm>
-            <a:off x="323850" y="1352550"/>
-            <a:ext cx="6305700" cy="0"/>
-          </a:xfrm>
-          <a:prstGeom prst="straightConnector1">
-            <a:avLst/>
-          </a:prstGeom>
-          <a:noFill/>
-          <a:ln cap="flat" cmpd="sng" w="9525">
-            <a:solidFill>
-              <a:schemeClr val="lt1"/>
-            </a:solidFill>
-            <a:prstDash val="solid"/>
-            <a:miter lim="800000"/>
-            <a:headEnd len="sm" w="sm" type="none"/>
-            <a:tailEnd len="sm" w="sm" type="none"/>
-          </a:ln>
-        </p:spPr>
-      </p:cxnSp>
-      <p:pic>
-        <p:nvPicPr>
-          <p:cNvPr id="182" name="Google Shape;182;p26"/>
-          <p:cNvPicPr preferRelativeResize="0"/>
-          <p:nvPr/>
-        </p:nvPicPr>
-        <p:blipFill rotWithShape="1">
-          <a:blip r:embed="rId4">
-            <a:alphaModFix/>
-          </a:blip>
-          <a:srcRect b="0" l="0" r="12982" t="0"/>
-          <a:stretch/>
-        </p:blipFill>
-        <p:spPr>
-          <a:xfrm>
-            <a:off x="323850" y="1511075"/>
-            <a:ext cx="5635250" cy="5060200"/>
-          </a:xfrm>
-          <a:prstGeom prst="rect">
-            <a:avLst/>
-          </a:prstGeom>
-          <a:noFill/>
-          <a:ln>
-            <a:noFill/>
-          </a:ln>
-        </p:spPr>
-      </p:pic>
-      <p:pic>
-        <p:nvPicPr>
-          <p:cNvPr id="183" name="Google Shape;183;p26"/>
-          <p:cNvPicPr preferRelativeResize="0"/>
-          <p:nvPr/>
-        </p:nvPicPr>
-        <p:blipFill>
-          <a:blip r:embed="rId5">
-            <a:alphaModFix/>
-          </a:blip>
-          <a:stretch>
-            <a:fillRect/>
-          </a:stretch>
-        </p:blipFill>
-        <p:spPr>
-          <a:xfrm>
-            <a:off x="6052099" y="1511075"/>
-            <a:ext cx="6139899" cy="4794275"/>
-          </a:xfrm>
-          <a:prstGeom prst="rect">
-            <a:avLst/>
-          </a:prstGeom>
-          <a:noFill/>
-          <a:ln>
-            <a:noFill/>
           </a:ln>
         </p:spPr>
       </p:pic>
@@ -7867,7 +9006,7 @@
   <p:cSld>
     <p:spTree>
       <p:nvGrpSpPr>
-        <p:cNvPr id="187" name="Shape 187"/>
+        <p:cNvPr id="185" name="Shape 185"/>
         <p:cNvGrpSpPr/>
         <p:nvPr/>
       </p:nvGrpSpPr>
@@ -7881,13 +9020,13 @@
       </p:grpSpPr>
       <p:sp>
         <p:nvSpPr>
-          <p:cNvPr id="188" name="Google Shape;188;p27"/>
+          <p:cNvPr id="186" name="Google Shape;186;p27"/>
           <p:cNvSpPr/>
           <p:nvPr/>
         </p:nvSpPr>
         <p:spPr>
           <a:xfrm>
-            <a:off x="0" y="0"/>
+            <a:off x="43000" y="0"/>
             <a:ext cx="12192000" cy="6858000"/>
           </a:xfrm>
           <a:prstGeom prst="rect">
@@ -7919,6 +9058,10 @@
               <a:spcAft>
                 <a:spcPts val="0"/>
               </a:spcAft>
+              <a:buClr>
+                <a:srgbClr val="000000"/>
+              </a:buClr>
+              <a:buFont typeface="Arial"/>
               <a:buNone/>
             </a:pPr>
             <a:r>
@@ -7938,14 +9081,14 @@
       </p:sp>
       <p:sp>
         <p:nvSpPr>
-          <p:cNvPr id="189" name="Google Shape;189;p27"/>
+          <p:cNvPr id="187" name="Google Shape;187;p27"/>
           <p:cNvSpPr txBox="1"/>
           <p:nvPr/>
         </p:nvSpPr>
         <p:spPr>
           <a:xfrm>
-            <a:off x="181455" y="872000"/>
-            <a:ext cx="11915100" cy="461700"/>
+            <a:off x="181450" y="872000"/>
+            <a:ext cx="11915100" cy="769500"/>
           </a:xfrm>
           <a:prstGeom prst="rect">
             <a:avLst/>
@@ -7961,38 +9104,57 @@
           </a:bodyPr>
           <a:lstStyle/>
           <a:p>
-            <a:pPr indent="0" lvl="0" marL="0" marR="0" rtl="0" algn="l">
-              <a:spcBef>
-                <a:spcPts val="0"/>
-              </a:spcBef>
-              <a:spcAft>
-                <a:spcPts val="0"/>
-              </a:spcAft>
-              <a:buNone/>
-            </a:pPr>
-            <a:r>
-              <a:rPr b="1" lang="en-IN" sz="2400">
+            <a:pPr indent="0" lvl="0" marL="0" rtl="0" algn="l">
+              <a:spcBef>
+                <a:spcPts val="0"/>
+              </a:spcBef>
+              <a:spcAft>
+                <a:spcPts val="0"/>
+              </a:spcAft>
+              <a:buClr>
+                <a:schemeClr val="dk1"/>
+              </a:buClr>
+              <a:buFont typeface="Arial"/>
+              <a:buNone/>
+            </a:pPr>
+            <a:r>
+              <a:rPr b="1" lang="en-IN" sz="2000">
                 <a:solidFill>
                   <a:schemeClr val="lt1"/>
                 </a:solidFill>
               </a:rPr>
-              <a:t>HP-Capstone(SR) Summary in SR - JIRA - Board</a:t>
+              <a:t>Postman Request Methods, Validations of the API(api.restful-dev) with screenshots</a:t>
+            </a:r>
+            <a:endParaRPr b="1" sz="2000">
+              <a:solidFill>
+                <a:schemeClr val="lt1"/>
+              </a:solidFill>
+            </a:endParaRPr>
+          </a:p>
+          <a:p>
+            <a:pPr indent="0" lvl="0" marL="0" marR="0" rtl="0" algn="ctr">
+              <a:spcBef>
+                <a:spcPts val="0"/>
+              </a:spcBef>
+              <a:spcAft>
+                <a:spcPts val="0"/>
+              </a:spcAft>
+              <a:buNone/>
+            </a:pPr>
+            <a:r>
+              <a:t/>
             </a:r>
             <a:endParaRPr b="1" sz="2400">
               <a:solidFill>
                 <a:schemeClr val="lt1"/>
               </a:solidFill>
-              <a:latin typeface="Arial"/>
-              <a:ea typeface="Arial"/>
-              <a:cs typeface="Arial"/>
-              <a:sym typeface="Arial"/>
             </a:endParaRPr>
           </a:p>
         </p:txBody>
       </p:sp>
       <p:pic>
         <p:nvPicPr>
-          <p:cNvPr id="190" name="Google Shape;190;p27"/>
+          <p:cNvPr id="188" name="Google Shape;188;p27"/>
           <p:cNvPicPr preferRelativeResize="0"/>
           <p:nvPr/>
         </p:nvPicPr>
@@ -8006,7 +9168,7 @@
         <p:spPr>
           <a:xfrm>
             <a:off x="10347" y="0"/>
-            <a:ext cx="2401375" cy="902226"/>
+            <a:ext cx="2401377" cy="902226"/>
           </a:xfrm>
           <a:prstGeom prst="rect">
             <a:avLst/>
@@ -8019,14 +9181,14 @@
       </p:pic>
       <p:cxnSp>
         <p:nvCxnSpPr>
-          <p:cNvPr id="191" name="Google Shape;191;p27"/>
+          <p:cNvPr id="189" name="Google Shape;189;p27"/>
           <p:cNvCxnSpPr/>
           <p:nvPr/>
         </p:nvCxnSpPr>
         <p:spPr>
           <a:xfrm>
             <a:off x="323850" y="1352550"/>
-            <a:ext cx="6305700" cy="0"/>
+            <a:ext cx="6305550" cy="0"/>
           </a:xfrm>
           <a:prstGeom prst="straightConnector1">
             <a:avLst/>
@@ -8045,7 +9207,7 @@
       </p:cxnSp>
       <p:pic>
         <p:nvPicPr>
-          <p:cNvPr id="192" name="Google Shape;192;p27"/>
+          <p:cNvPr id="190" name="Google Shape;190;p27"/>
           <p:cNvPicPr preferRelativeResize="0"/>
           <p:nvPr/>
         </p:nvPicPr>
@@ -8059,8 +9221,36 @@
         </p:blipFill>
         <p:spPr>
           <a:xfrm>
-            <a:off x="454413" y="1986450"/>
-            <a:ext cx="11369177" cy="3817650"/>
+            <a:off x="6086324" y="3563873"/>
+            <a:ext cx="6148674" cy="3294124"/>
+          </a:xfrm>
+          <a:prstGeom prst="rect">
+            <a:avLst/>
+          </a:prstGeom>
+          <a:noFill/>
+          <a:ln>
+            <a:noFill/>
+          </a:ln>
+        </p:spPr>
+      </p:pic>
+      <p:pic>
+        <p:nvPicPr>
+          <p:cNvPr id="191" name="Google Shape;191;p27"/>
+          <p:cNvPicPr preferRelativeResize="0"/>
+          <p:nvPr/>
+        </p:nvPicPr>
+        <p:blipFill>
+          <a:blip r:embed="rId5">
+            <a:alphaModFix/>
+          </a:blip>
+          <a:stretch>
+            <a:fillRect/>
+          </a:stretch>
+        </p:blipFill>
+        <p:spPr>
+          <a:xfrm>
+            <a:off x="323849" y="1855550"/>
+            <a:ext cx="9651450" cy="1205325"/>
           </a:xfrm>
           <a:prstGeom prst="rect">
             <a:avLst/>
@@ -8079,6 +9269,308 @@
           </a:ln>
         </p:spPr>
       </p:pic>
+      <p:pic>
+        <p:nvPicPr>
+          <p:cNvPr id="192" name="Google Shape;192;p27"/>
+          <p:cNvPicPr preferRelativeResize="0"/>
+          <p:nvPr/>
+        </p:nvPicPr>
+        <p:blipFill>
+          <a:blip r:embed="rId6">
+            <a:alphaModFix/>
+          </a:blip>
+          <a:stretch>
+            <a:fillRect/>
+          </a:stretch>
+        </p:blipFill>
+        <p:spPr>
+          <a:xfrm>
+            <a:off x="323859" y="4050350"/>
+            <a:ext cx="5665790" cy="1205325"/>
+          </a:xfrm>
+          <a:prstGeom prst="rect">
+            <a:avLst/>
+          </a:prstGeom>
+          <a:solidFill>
+            <a:srgbClr val="15102C"/>
+          </a:solidFill>
+          <a:ln cap="flat" cmpd="sng" w="12700">
+            <a:solidFill>
+              <a:srgbClr val="1C3052"/>
+            </a:solidFill>
+            <a:prstDash val="solid"/>
+            <a:miter lim="8000"/>
+            <a:headEnd len="sm" w="sm" type="none"/>
+            <a:tailEnd len="sm" w="sm" type="none"/>
+          </a:ln>
+        </p:spPr>
+      </p:pic>
+      <p:sp>
+        <p:nvSpPr>
+          <p:cNvPr id="193" name="Google Shape;193;p27"/>
+          <p:cNvSpPr txBox="1"/>
+          <p:nvPr/>
+        </p:nvSpPr>
+        <p:spPr>
+          <a:xfrm>
+            <a:off x="240225" y="1503325"/>
+            <a:ext cx="4230900" cy="352200"/>
+          </a:xfrm>
+          <a:prstGeom prst="rect">
+            <a:avLst/>
+          </a:prstGeom>
+          <a:noFill/>
+          <a:ln>
+            <a:noFill/>
+          </a:ln>
+        </p:spPr>
+        <p:txBody>
+          <a:bodyPr anchorCtr="0" anchor="t" bIns="91425" lIns="91425" spcFirstLastPara="1" rIns="91425" wrap="square" tIns="91425">
+            <a:noAutofit/>
+          </a:bodyPr>
+          <a:lstStyle/>
+          <a:p>
+            <a:pPr indent="0" lvl="0" marL="0" rtl="0" algn="l">
+              <a:spcBef>
+                <a:spcPts val="0"/>
+              </a:spcBef>
+              <a:spcAft>
+                <a:spcPts val="0"/>
+              </a:spcAft>
+              <a:buClr>
+                <a:schemeClr val="dk1"/>
+              </a:buClr>
+              <a:buFont typeface="Arial"/>
+              <a:buNone/>
+            </a:pPr>
+            <a:r>
+              <a:rPr lang="en-IN" sz="1900">
+                <a:solidFill>
+                  <a:schemeClr val="lt1"/>
+                </a:solidFill>
+              </a:rPr>
+              <a:t>Environmental Variables</a:t>
+            </a:r>
+            <a:endParaRPr sz="2700">
+              <a:solidFill>
+                <a:schemeClr val="dk1"/>
+              </a:solidFill>
+              <a:latin typeface="Calibri"/>
+              <a:ea typeface="Calibri"/>
+              <a:cs typeface="Calibri"/>
+              <a:sym typeface="Calibri"/>
+            </a:endParaRPr>
+          </a:p>
+        </p:txBody>
+      </p:sp>
+      <p:sp>
+        <p:nvSpPr>
+          <p:cNvPr id="194" name="Google Shape;194;p27"/>
+          <p:cNvSpPr txBox="1"/>
+          <p:nvPr/>
+        </p:nvSpPr>
+        <p:spPr>
+          <a:xfrm>
+            <a:off x="240225" y="3698150"/>
+            <a:ext cx="2929200" cy="352200"/>
+          </a:xfrm>
+          <a:prstGeom prst="rect">
+            <a:avLst/>
+          </a:prstGeom>
+          <a:noFill/>
+          <a:ln>
+            <a:noFill/>
+          </a:ln>
+        </p:spPr>
+        <p:txBody>
+          <a:bodyPr anchorCtr="0" anchor="t" bIns="91425" lIns="91425" spcFirstLastPara="1" rIns="91425" wrap="square" tIns="91425">
+            <a:noAutofit/>
+          </a:bodyPr>
+          <a:lstStyle/>
+          <a:p>
+            <a:pPr indent="0" lvl="0" marL="0" rtl="0" algn="l">
+              <a:spcBef>
+                <a:spcPts val="0"/>
+              </a:spcBef>
+              <a:spcAft>
+                <a:spcPts val="0"/>
+              </a:spcAft>
+              <a:buClr>
+                <a:schemeClr val="dk1"/>
+              </a:buClr>
+              <a:buSzPts val="1100"/>
+              <a:buFont typeface="Arial"/>
+              <a:buNone/>
+            </a:pPr>
+            <a:r>
+              <a:rPr lang="en-IN" sz="1900">
+                <a:solidFill>
+                  <a:schemeClr val="lt1"/>
+                </a:solidFill>
+              </a:rPr>
+              <a:t>Collection</a:t>
+            </a:r>
+            <a:r>
+              <a:rPr lang="en-IN" sz="1900">
+                <a:solidFill>
+                  <a:schemeClr val="lt1"/>
+                </a:solidFill>
+              </a:rPr>
+              <a:t> Variables</a:t>
+            </a:r>
+            <a:endParaRPr sz="2700">
+              <a:solidFill>
+                <a:schemeClr val="dk1"/>
+              </a:solidFill>
+              <a:latin typeface="Calibri"/>
+              <a:ea typeface="Calibri"/>
+              <a:cs typeface="Calibri"/>
+              <a:sym typeface="Calibri"/>
+            </a:endParaRPr>
+          </a:p>
+          <a:p>
+            <a:pPr indent="0" lvl="0" marL="0" rtl="0" algn="l">
+              <a:spcBef>
+                <a:spcPts val="0"/>
+              </a:spcBef>
+              <a:spcAft>
+                <a:spcPts val="0"/>
+              </a:spcAft>
+              <a:buNone/>
+            </a:pPr>
+            <a:r>
+              <a:t/>
+            </a:r>
+            <a:endParaRPr sz="2800">
+              <a:solidFill>
+                <a:schemeClr val="dk1"/>
+              </a:solidFill>
+              <a:latin typeface="Calibri"/>
+              <a:ea typeface="Calibri"/>
+              <a:cs typeface="Calibri"/>
+              <a:sym typeface="Calibri"/>
+            </a:endParaRPr>
+          </a:p>
+        </p:txBody>
+      </p:sp>
+      <p:sp>
+        <p:nvSpPr>
+          <p:cNvPr id="195" name="Google Shape;195;p27"/>
+          <p:cNvSpPr txBox="1"/>
+          <p:nvPr/>
+        </p:nvSpPr>
+        <p:spPr>
+          <a:xfrm>
+            <a:off x="6086325" y="3136275"/>
+            <a:ext cx="3254700" cy="352200"/>
+          </a:xfrm>
+          <a:prstGeom prst="rect">
+            <a:avLst/>
+          </a:prstGeom>
+          <a:noFill/>
+          <a:ln>
+            <a:noFill/>
+          </a:ln>
+        </p:spPr>
+        <p:txBody>
+          <a:bodyPr anchorCtr="0" anchor="t" bIns="91425" lIns="91425" spcFirstLastPara="1" rIns="91425" wrap="square" tIns="91425">
+            <a:noAutofit/>
+          </a:bodyPr>
+          <a:lstStyle/>
+          <a:p>
+            <a:pPr indent="0" lvl="0" marL="0" rtl="0" algn="l">
+              <a:spcBef>
+                <a:spcPts val="0"/>
+              </a:spcBef>
+              <a:spcAft>
+                <a:spcPts val="0"/>
+              </a:spcAft>
+              <a:buClr>
+                <a:schemeClr val="dk1"/>
+              </a:buClr>
+              <a:buSzPts val="1100"/>
+              <a:buFont typeface="Arial"/>
+              <a:buNone/>
+            </a:pPr>
+            <a:r>
+              <a:rPr lang="en-IN" sz="1900">
+                <a:solidFill>
+                  <a:schemeClr val="lt1"/>
+                </a:solidFill>
+              </a:rPr>
+              <a:t>Validation Scripts</a:t>
+            </a:r>
+            <a:r>
+              <a:rPr lang="en-IN" sz="1900">
+                <a:solidFill>
+                  <a:schemeClr val="lt1"/>
+                </a:solidFill>
+              </a:rPr>
+              <a:t> </a:t>
+            </a:r>
+            <a:endParaRPr sz="2700">
+              <a:solidFill>
+                <a:schemeClr val="dk1"/>
+              </a:solidFill>
+              <a:latin typeface="Calibri"/>
+              <a:ea typeface="Calibri"/>
+              <a:cs typeface="Calibri"/>
+              <a:sym typeface="Calibri"/>
+            </a:endParaRPr>
+          </a:p>
+          <a:p>
+            <a:pPr indent="0" lvl="0" marL="0" rtl="0" algn="l">
+              <a:spcBef>
+                <a:spcPts val="0"/>
+              </a:spcBef>
+              <a:spcAft>
+                <a:spcPts val="0"/>
+              </a:spcAft>
+              <a:buClr>
+                <a:schemeClr val="dk1"/>
+              </a:buClr>
+              <a:buSzPts val="1100"/>
+              <a:buFont typeface="Arial"/>
+              <a:buNone/>
+            </a:pPr>
+            <a:r>
+              <a:t/>
+            </a:r>
+            <a:endParaRPr sz="2800">
+              <a:solidFill>
+                <a:schemeClr val="dk1"/>
+              </a:solidFill>
+              <a:latin typeface="Calibri"/>
+              <a:ea typeface="Calibri"/>
+              <a:cs typeface="Calibri"/>
+              <a:sym typeface="Calibri"/>
+            </a:endParaRPr>
+          </a:p>
+          <a:p>
+            <a:pPr indent="0" lvl="0" marL="0" rtl="0" algn="l">
+              <a:spcBef>
+                <a:spcPts val="0"/>
+              </a:spcBef>
+              <a:spcAft>
+                <a:spcPts val="0"/>
+              </a:spcAft>
+              <a:buNone/>
+            </a:pPr>
+            <a:r>
+              <a:t/>
+            </a:r>
+            <a:endParaRPr sz="2800">
+              <a:solidFill>
+                <a:schemeClr val="dk1"/>
+              </a:solidFill>
+              <a:latin typeface="Calibri"/>
+              <a:ea typeface="Calibri"/>
+              <a:cs typeface="Calibri"/>
+              <a:sym typeface="Calibri"/>
+            </a:endParaRPr>
+          </a:p>
+        </p:txBody>
+      </p:sp>
     </p:spTree>
   </p:cSld>
   <p:clrMapOvr>
@@ -8092,7 +9584,7 @@
   <p:cSld>
     <p:spTree>
       <p:nvGrpSpPr>
-        <p:cNvPr id="196" name="Shape 196"/>
+        <p:cNvPr id="199" name="Shape 199"/>
         <p:cNvGrpSpPr/>
         <p:nvPr/>
       </p:nvGrpSpPr>
@@ -8106,13 +9598,13 @@
       </p:grpSpPr>
       <p:sp>
         <p:nvSpPr>
-          <p:cNvPr id="197" name="Google Shape;197;p28"/>
+          <p:cNvPr id="200" name="Google Shape;200;p28"/>
           <p:cNvSpPr/>
           <p:nvPr/>
         </p:nvSpPr>
         <p:spPr>
           <a:xfrm>
-            <a:off x="0" y="0"/>
+            <a:off x="43000" y="0"/>
             <a:ext cx="12192000" cy="6858000"/>
           </a:xfrm>
           <a:prstGeom prst="rect">
@@ -8144,6 +9636,10 @@
               <a:spcAft>
                 <a:spcPts val="0"/>
               </a:spcAft>
+              <a:buClr>
+                <a:srgbClr val="000000"/>
+              </a:buClr>
+              <a:buFont typeface="Arial"/>
               <a:buNone/>
             </a:pPr>
             <a:r>
@@ -8163,14 +9659,14 @@
       </p:sp>
       <p:sp>
         <p:nvSpPr>
-          <p:cNvPr id="198" name="Google Shape;198;p28"/>
+          <p:cNvPr id="201" name="Google Shape;201;p28"/>
           <p:cNvSpPr txBox="1"/>
           <p:nvPr/>
         </p:nvSpPr>
         <p:spPr>
           <a:xfrm>
-            <a:off x="181439" y="872000"/>
-            <a:ext cx="8091704" cy="461665"/>
+            <a:off x="181450" y="872000"/>
+            <a:ext cx="11915100" cy="400200"/>
           </a:xfrm>
           <a:prstGeom prst="rect">
             <a:avLst/>
@@ -8196,32 +9692,40 @@
               <a:buNone/>
             </a:pPr>
             <a:r>
-              <a:rPr b="1" lang="en-IN" sz="2400">
+              <a:rPr b="1" lang="en-IN" sz="2000">
                 <a:solidFill>
                   <a:schemeClr val="lt1"/>
                 </a:solidFill>
-                <a:latin typeface="Arial"/>
-                <a:ea typeface="Arial"/>
-                <a:cs typeface="Arial"/>
-                <a:sym typeface="Arial"/>
-              </a:rPr>
-              <a:t>Conclusion</a:t>
+              </a:rPr>
+              <a:t>Generating Report using Newman by </a:t>
+            </a:r>
+            <a:r>
+              <a:rPr b="1" lang="en-IN" sz="2000">
+                <a:solidFill>
+                  <a:schemeClr val="lt1"/>
+                </a:solidFill>
+              </a:rPr>
+              <a:t>creating</a:t>
+            </a:r>
+            <a:r>
+              <a:rPr b="1" lang="en-IN" sz="2000">
+                <a:solidFill>
+                  <a:schemeClr val="lt1"/>
+                </a:solidFill>
+              </a:rPr>
+              <a:t> .bat file using Jenkins</a:t>
             </a:r>
             <a:endParaRPr b="1" sz="2400">
               <a:solidFill>
                 <a:schemeClr val="lt1"/>
               </a:solidFill>
-              <a:latin typeface="Arial"/>
-              <a:ea typeface="Arial"/>
-              <a:cs typeface="Arial"/>
-              <a:sym typeface="Arial"/>
             </a:endParaRPr>
           </a:p>
         </p:txBody>
       </p:sp>
       <p:pic>
         <p:nvPicPr>
-          <p:cNvPr id="199" name="Google Shape;199;p28"/>
+          <p:cNvPr id="202" name="Google Shape;202;p28"/>
           <p:cNvPicPr preferRelativeResize="0"/>
           <p:nvPr/>
         </p:nvPicPr>
@@ -8235,7 +9739,7 @@
         <p:spPr>
           <a:xfrm>
             <a:off x="10347" y="0"/>
-            <a:ext cx="2401377" cy="902226"/>
+            <a:ext cx="2401375" cy="902226"/>
           </a:xfrm>
           <a:prstGeom prst="rect">
             <a:avLst/>
@@ -8248,14 +9752,14 @@
       </p:pic>
       <p:cxnSp>
         <p:nvCxnSpPr>
-          <p:cNvPr id="200" name="Google Shape;200;p28"/>
+          <p:cNvPr id="203" name="Google Shape;203;p28"/>
           <p:cNvCxnSpPr/>
           <p:nvPr/>
         </p:nvCxnSpPr>
         <p:spPr>
           <a:xfrm>
             <a:off x="323850" y="1352550"/>
-            <a:ext cx="6305550" cy="0"/>
+            <a:ext cx="6305700" cy="0"/>
           </a:xfrm>
           <a:prstGeom prst="straightConnector1">
             <a:avLst/>
@@ -8274,14 +9778,14 @@
       </p:cxnSp>
       <p:sp>
         <p:nvSpPr>
-          <p:cNvPr id="201" name="Google Shape;201;p28"/>
+          <p:cNvPr id="204" name="Google Shape;204;p28"/>
           <p:cNvSpPr txBox="1"/>
           <p:nvPr/>
         </p:nvSpPr>
         <p:spPr>
           <a:xfrm>
-            <a:off x="379700" y="1526575"/>
-            <a:ext cx="10531200" cy="5067900"/>
+            <a:off x="240225" y="1503325"/>
+            <a:ext cx="4230900" cy="352200"/>
           </a:xfrm>
           <a:prstGeom prst="rect">
             <a:avLst/>
@@ -8297,7 +9801,7 @@
           </a:bodyPr>
           <a:lstStyle/>
           <a:p>
-            <a:pPr indent="-342900" lvl="0" marL="457200" rtl="0" algn="l">
+            <a:pPr indent="0" lvl="0" marL="0" rtl="0" algn="l">
               <a:spcBef>
                 <a:spcPts val="0"/>
               </a:spcBef>
@@ -8305,237 +9809,196 @@
                 <a:spcPts val="0"/>
               </a:spcAft>
               <a:buClr>
-                <a:schemeClr val="lt1"/>
+                <a:schemeClr val="dk1"/>
               </a:buClr>
-              <a:buSzPts val="1800"/>
-              <a:buChar char="●"/>
-            </a:pPr>
-            <a:r>
-              <a:rPr lang="en-IN" sz="1800">
-                <a:solidFill>
-                  <a:schemeClr val="lt1"/>
-                </a:solidFill>
-              </a:rPr>
-              <a:t>Gained comprehensive Quality Engineering skills across manual, automation, API, mobile, and performance testing.</a:t>
-            </a:r>
-            <a:br>
-              <a:rPr lang="en-IN" sz="1800">
-                <a:solidFill>
-                  <a:schemeClr val="lt1"/>
-                </a:solidFill>
-              </a:rPr>
-            </a:br>
-            <a:endParaRPr sz="1800">
+              <a:buFont typeface="Arial"/>
+              <a:buNone/>
+            </a:pPr>
+            <a:r>
+              <a:t/>
+            </a:r>
+            <a:endParaRPr sz="2700">
               <a:solidFill>
-                <a:schemeClr val="lt1"/>
+                <a:schemeClr val="dk1"/>
               </a:solidFill>
-            </a:endParaRPr>
-          </a:p>
-          <a:p>
-            <a:pPr indent="-342900" lvl="0" marL="457200" rtl="0" algn="l">
-              <a:spcBef>
-                <a:spcPts val="0"/>
-              </a:spcBef>
-              <a:spcAft>
-                <a:spcPts val="0"/>
-              </a:spcAft>
-              <a:buClr>
-                <a:schemeClr val="lt1"/>
-              </a:buClr>
-              <a:buSzPts val="1800"/>
-              <a:buChar char="●"/>
-            </a:pPr>
-            <a:r>
-              <a:rPr lang="en-IN" sz="1800">
-                <a:solidFill>
-                  <a:schemeClr val="lt1"/>
-                </a:solidFill>
-              </a:rPr>
-              <a:t>Developed and maintained scalable test automation frameworks using industry tools and best practices.</a:t>
-            </a:r>
-            <a:br>
-              <a:rPr lang="en-IN" sz="1800">
-                <a:solidFill>
-                  <a:schemeClr val="lt1"/>
-                </a:solidFill>
-              </a:rPr>
-            </a:br>
-            <a:endParaRPr sz="1800">
-              <a:solidFill>
-                <a:schemeClr val="lt1"/>
-              </a:solidFill>
-            </a:endParaRPr>
-          </a:p>
-          <a:p>
-            <a:pPr indent="-342900" lvl="0" marL="457200" rtl="0" algn="l">
-              <a:spcBef>
-                <a:spcPts val="0"/>
-              </a:spcBef>
-              <a:spcAft>
-                <a:spcPts val="0"/>
-              </a:spcAft>
-              <a:buClr>
-                <a:schemeClr val="lt1"/>
-              </a:buClr>
-              <a:buSzPts val="1800"/>
-              <a:buChar char="●"/>
-            </a:pPr>
-            <a:r>
-              <a:rPr lang="en-IN" sz="1800">
-                <a:solidFill>
-                  <a:schemeClr val="lt1"/>
-                </a:solidFill>
-              </a:rPr>
-              <a:t>Integrated testing solutions within agile workflows and CI/CD pipelines for continuous quality assurance.</a:t>
-            </a:r>
-            <a:br>
-              <a:rPr lang="en-IN" sz="1800">
-                <a:solidFill>
-                  <a:schemeClr val="lt1"/>
-                </a:solidFill>
-              </a:rPr>
-            </a:br>
-            <a:endParaRPr sz="1800">
-              <a:solidFill>
-                <a:schemeClr val="lt1"/>
-              </a:solidFill>
-            </a:endParaRPr>
-          </a:p>
-          <a:p>
-            <a:pPr indent="-342900" lvl="0" marL="457200" rtl="0" algn="l">
-              <a:spcBef>
-                <a:spcPts val="0"/>
-              </a:spcBef>
-              <a:spcAft>
-                <a:spcPts val="0"/>
-              </a:spcAft>
-              <a:buClr>
-                <a:schemeClr val="lt1"/>
-              </a:buClr>
-              <a:buSzPts val="1800"/>
-              <a:buChar char="●"/>
-            </a:pPr>
-            <a:r>
-              <a:rPr lang="en-IN" sz="1800">
-                <a:solidFill>
-                  <a:schemeClr val="lt1"/>
-                </a:solidFill>
-              </a:rPr>
-              <a:t>Managed end-to-end test execution, reporting, and defect tracking effectively using Jira and Xray.</a:t>
-            </a:r>
-            <a:br>
-              <a:rPr lang="en-IN" sz="1800">
-                <a:solidFill>
-                  <a:schemeClr val="lt1"/>
-                </a:solidFill>
-              </a:rPr>
-            </a:br>
-            <a:endParaRPr sz="1800">
-              <a:solidFill>
-                <a:schemeClr val="lt1"/>
-              </a:solidFill>
-            </a:endParaRPr>
-          </a:p>
-          <a:p>
-            <a:pPr indent="-342900" lvl="0" marL="457200" rtl="0" algn="l">
-              <a:spcBef>
-                <a:spcPts val="0"/>
-              </a:spcBef>
-              <a:spcAft>
-                <a:spcPts val="0"/>
-              </a:spcAft>
-              <a:buClr>
-                <a:schemeClr val="lt1"/>
-              </a:buClr>
-              <a:buSzPts val="1800"/>
-              <a:buChar char="●"/>
-            </a:pPr>
-            <a:r>
-              <a:rPr lang="en-IN" sz="1800">
-                <a:solidFill>
-                  <a:schemeClr val="lt1"/>
-                </a:solidFill>
-              </a:rPr>
-              <a:t>Applied DevOps testing strategies like Shift-Left and Shift-Right for early and continuous feedback.</a:t>
-            </a:r>
-            <a:br>
-              <a:rPr lang="en-IN" sz="1800">
-                <a:solidFill>
-                  <a:schemeClr val="lt1"/>
-                </a:solidFill>
-              </a:rPr>
-            </a:br>
-            <a:endParaRPr sz="1800">
-              <a:solidFill>
-                <a:schemeClr val="lt1"/>
-              </a:solidFill>
-            </a:endParaRPr>
-          </a:p>
-          <a:p>
-            <a:pPr indent="-342900" lvl="0" marL="457200" rtl="0" algn="l">
-              <a:spcBef>
-                <a:spcPts val="0"/>
-              </a:spcBef>
-              <a:spcAft>
-                <a:spcPts val="0"/>
-              </a:spcAft>
-              <a:buClr>
-                <a:schemeClr val="lt1"/>
-              </a:buClr>
-              <a:buSzPts val="1800"/>
-              <a:buChar char="●"/>
-            </a:pPr>
-            <a:r>
-              <a:rPr lang="en-IN" sz="1800">
-                <a:solidFill>
-                  <a:schemeClr val="lt1"/>
-                </a:solidFill>
-              </a:rPr>
-              <a:t>Built readiness to deliver robust, maintainable, and scalable testing solutions in real-world projects.</a:t>
-            </a:r>
-            <a:br>
-              <a:rPr lang="en-IN" sz="1800">
-                <a:solidFill>
-                  <a:schemeClr val="lt1"/>
-                </a:solidFill>
-              </a:rPr>
-            </a:br>
-            <a:endParaRPr sz="1800">
-              <a:solidFill>
-                <a:schemeClr val="lt1"/>
-              </a:solidFill>
-            </a:endParaRPr>
-          </a:p>
-          <a:p>
-            <a:pPr indent="-342900" lvl="0" marL="457200" rtl="0" algn="l">
-              <a:spcBef>
-                <a:spcPts val="0"/>
-              </a:spcBef>
-              <a:spcAft>
-                <a:spcPts val="0"/>
-              </a:spcAft>
-              <a:buClr>
-                <a:schemeClr val="lt1"/>
-              </a:buClr>
-              <a:buSzPts val="1800"/>
-              <a:buChar char="●"/>
-            </a:pPr>
-            <a:r>
-              <a:rPr lang="en-IN" sz="1800">
-                <a:solidFill>
-                  <a:schemeClr val="lt1"/>
-                </a:solidFill>
-              </a:rPr>
-              <a:t>Strengthened practical experience with mobile automation and performance testing tools.</a:t>
-            </a:r>
-            <a:endParaRPr sz="1800">
-              <a:solidFill>
-                <a:schemeClr val="lt1"/>
-              </a:solidFill>
+              <a:latin typeface="Calibri"/>
+              <a:ea typeface="Calibri"/>
+              <a:cs typeface="Calibri"/>
+              <a:sym typeface="Calibri"/>
             </a:endParaRPr>
           </a:p>
         </p:txBody>
       </p:sp>
+      <p:sp>
+        <p:nvSpPr>
+          <p:cNvPr id="205" name="Google Shape;205;p28"/>
+          <p:cNvSpPr txBox="1"/>
+          <p:nvPr/>
+        </p:nvSpPr>
+        <p:spPr>
+          <a:xfrm>
+            <a:off x="240225" y="3698150"/>
+            <a:ext cx="2929200" cy="352200"/>
+          </a:xfrm>
+          <a:prstGeom prst="rect">
+            <a:avLst/>
+          </a:prstGeom>
+          <a:noFill/>
+          <a:ln>
+            <a:noFill/>
+          </a:ln>
+        </p:spPr>
+        <p:txBody>
+          <a:bodyPr anchorCtr="0" anchor="t" bIns="91425" lIns="91425" spcFirstLastPara="1" rIns="91425" wrap="square" tIns="91425">
+            <a:noAutofit/>
+          </a:bodyPr>
+          <a:lstStyle/>
+          <a:p>
+            <a:pPr indent="0" lvl="0" marL="0" rtl="0" algn="l">
+              <a:spcBef>
+                <a:spcPts val="0"/>
+              </a:spcBef>
+              <a:spcAft>
+                <a:spcPts val="0"/>
+              </a:spcAft>
+              <a:buNone/>
+            </a:pPr>
+            <a:r>
+              <a:t/>
+            </a:r>
+            <a:endParaRPr sz="2800">
+              <a:solidFill>
+                <a:schemeClr val="dk1"/>
+              </a:solidFill>
+              <a:latin typeface="Calibri"/>
+              <a:ea typeface="Calibri"/>
+              <a:cs typeface="Calibri"/>
+              <a:sym typeface="Calibri"/>
+            </a:endParaRPr>
+          </a:p>
+        </p:txBody>
+      </p:sp>
+      <p:sp>
+        <p:nvSpPr>
+          <p:cNvPr id="206" name="Google Shape;206;p28"/>
+          <p:cNvSpPr txBox="1"/>
+          <p:nvPr/>
+        </p:nvSpPr>
+        <p:spPr>
+          <a:xfrm>
+            <a:off x="6086325" y="3136275"/>
+            <a:ext cx="3254700" cy="352200"/>
+          </a:xfrm>
+          <a:prstGeom prst="rect">
+            <a:avLst/>
+          </a:prstGeom>
+          <a:noFill/>
+          <a:ln>
+            <a:noFill/>
+          </a:ln>
+        </p:spPr>
+        <p:txBody>
+          <a:bodyPr anchorCtr="0" anchor="t" bIns="91425" lIns="91425" spcFirstLastPara="1" rIns="91425" wrap="square" tIns="91425">
+            <a:noAutofit/>
+          </a:bodyPr>
+          <a:lstStyle/>
+          <a:p>
+            <a:pPr indent="0" lvl="0" marL="0" rtl="0" algn="l">
+              <a:spcBef>
+                <a:spcPts val="0"/>
+              </a:spcBef>
+              <a:spcAft>
+                <a:spcPts val="0"/>
+              </a:spcAft>
+              <a:buNone/>
+            </a:pPr>
+            <a:r>
+              <a:t/>
+            </a:r>
+            <a:endParaRPr sz="2800">
+              <a:solidFill>
+                <a:schemeClr val="dk1"/>
+              </a:solidFill>
+              <a:latin typeface="Calibri"/>
+              <a:ea typeface="Calibri"/>
+              <a:cs typeface="Calibri"/>
+              <a:sym typeface="Calibri"/>
+            </a:endParaRPr>
+          </a:p>
+        </p:txBody>
+      </p:sp>
+      <p:pic>
+        <p:nvPicPr>
+          <p:cNvPr id="207" name="Google Shape;207;p28"/>
+          <p:cNvPicPr preferRelativeResize="0"/>
+          <p:nvPr/>
+        </p:nvPicPr>
+        <p:blipFill>
+          <a:blip r:embed="rId4">
+            <a:alphaModFix/>
+          </a:blip>
+          <a:stretch>
+            <a:fillRect/>
+          </a:stretch>
+        </p:blipFill>
+        <p:spPr>
+          <a:xfrm>
+            <a:off x="323850" y="3926550"/>
+            <a:ext cx="7655798" cy="2529326"/>
+          </a:xfrm>
+          <a:prstGeom prst="rect">
+            <a:avLst/>
+          </a:prstGeom>
+          <a:solidFill>
+            <a:srgbClr val="15102C"/>
+          </a:solidFill>
+          <a:ln cap="flat" cmpd="sng" w="12700">
+            <a:solidFill>
+              <a:srgbClr val="1C3052"/>
+            </a:solidFill>
+            <a:prstDash val="solid"/>
+            <a:miter lim="8000"/>
+            <a:headEnd len="sm" w="sm" type="none"/>
+            <a:tailEnd len="sm" w="sm" type="none"/>
+          </a:ln>
+        </p:spPr>
+      </p:pic>
+      <p:pic>
+        <p:nvPicPr>
+          <p:cNvPr id="208" name="Google Shape;208;p28"/>
+          <p:cNvPicPr preferRelativeResize="0"/>
+          <p:nvPr/>
+        </p:nvPicPr>
+        <p:blipFill>
+          <a:blip r:embed="rId5">
+            <a:alphaModFix/>
+          </a:blip>
+          <a:stretch>
+            <a:fillRect/>
+          </a:stretch>
+        </p:blipFill>
+        <p:spPr>
+          <a:xfrm>
+            <a:off x="323850" y="1432900"/>
+            <a:ext cx="9017176" cy="2332946"/>
+          </a:xfrm>
+          <a:prstGeom prst="rect">
+            <a:avLst/>
+          </a:prstGeom>
+          <a:solidFill>
+            <a:srgbClr val="15102C"/>
+          </a:solidFill>
+          <a:ln cap="flat" cmpd="sng" w="12700">
+            <a:solidFill>
+              <a:srgbClr val="1C3052"/>
+            </a:solidFill>
+            <a:prstDash val="solid"/>
+            <a:miter lim="8000"/>
+            <a:headEnd len="sm" w="sm" type="none"/>
+            <a:tailEnd len="sm" w="sm" type="none"/>
+          </a:ln>
+        </p:spPr>
+      </p:pic>
     </p:spTree>
   </p:cSld>
   <p:clrMapOvr>
@@ -8549,7 +10012,7 @@
   <p:cSld>
     <p:spTree>
       <p:nvGrpSpPr>
-        <p:cNvPr id="205" name="Shape 205"/>
+        <p:cNvPr id="212" name="Shape 212"/>
         <p:cNvGrpSpPr/>
         <p:nvPr/>
       </p:nvGrpSpPr>
@@ -8563,14 +10026,71 @@
       </p:grpSpPr>
       <p:sp>
         <p:nvSpPr>
-          <p:cNvPr id="206" name="Google Shape;206;p29"/>
+          <p:cNvPr id="213" name="Google Shape;213;p29"/>
+          <p:cNvSpPr/>
+          <p:nvPr/>
+        </p:nvSpPr>
+        <p:spPr>
+          <a:xfrm>
+            <a:off x="0" y="0"/>
+            <a:ext cx="12192000" cy="6858000"/>
+          </a:xfrm>
+          <a:prstGeom prst="rect">
+            <a:avLst/>
+          </a:prstGeom>
+          <a:solidFill>
+            <a:srgbClr val="15102C"/>
+          </a:solidFill>
+          <a:ln cap="flat" cmpd="sng" w="12700">
+            <a:solidFill>
+              <a:srgbClr val="1C3052"/>
+            </a:solidFill>
+            <a:prstDash val="solid"/>
+            <a:miter lim="800000"/>
+            <a:headEnd len="sm" w="sm" type="none"/>
+            <a:tailEnd len="sm" w="sm" type="none"/>
+          </a:ln>
+        </p:spPr>
+        <p:txBody>
+          <a:bodyPr anchorCtr="0" anchor="ctr" bIns="45700" lIns="91425" spcFirstLastPara="1" rIns="91425" wrap="square" tIns="45700">
+            <a:noAutofit/>
+          </a:bodyPr>
+          <a:lstStyle/>
+          <a:p>
+            <a:pPr indent="0" lvl="0" marL="0" marR="0" rtl="0" algn="ctr">
+              <a:spcBef>
+                <a:spcPts val="0"/>
+              </a:spcBef>
+              <a:spcAft>
+                <a:spcPts val="0"/>
+              </a:spcAft>
+              <a:buNone/>
+            </a:pPr>
+            <a:r>
+              <a:t/>
+            </a:r>
+            <a:endParaRPr sz="1800">
+              <a:solidFill>
+                <a:schemeClr val="lt1"/>
+              </a:solidFill>
+              <a:latin typeface="Calibri"/>
+              <a:ea typeface="Calibri"/>
+              <a:cs typeface="Calibri"/>
+              <a:sym typeface="Calibri"/>
+            </a:endParaRPr>
+          </a:p>
+        </p:txBody>
+      </p:sp>
+      <p:sp>
+        <p:nvSpPr>
+          <p:cNvPr id="214" name="Google Shape;214;p29"/>
           <p:cNvSpPr txBox="1"/>
           <p:nvPr/>
         </p:nvSpPr>
         <p:spPr>
           <a:xfrm>
-            <a:off x="1" y="2028617"/>
-            <a:ext cx="5505450" cy="2800767"/>
+            <a:off x="181455" y="872000"/>
+            <a:ext cx="11915100" cy="461700"/>
           </a:xfrm>
           <a:prstGeom prst="rect">
             <a:avLst/>
@@ -8586,28 +10106,24 @@
           </a:bodyPr>
           <a:lstStyle/>
           <a:p>
-            <a:pPr indent="0" lvl="0" marL="0" marR="0" rtl="0" algn="ctr">
-              <a:spcBef>
-                <a:spcPts val="0"/>
-              </a:spcBef>
-              <a:spcAft>
-                <a:spcPts val="0"/>
-              </a:spcAft>
-              <a:buNone/>
-            </a:pPr>
-            <a:r>
-              <a:rPr b="1" lang="en-IN" sz="8800">
+            <a:pPr indent="0" lvl="0" marL="0" marR="0" rtl="0" algn="l">
+              <a:spcBef>
+                <a:spcPts val="0"/>
+              </a:spcBef>
+              <a:spcAft>
+                <a:spcPts val="0"/>
+              </a:spcAft>
+              <a:buNone/>
+            </a:pPr>
+            <a:r>
+              <a:rPr b="1" lang="en-IN" sz="2400">
                 <a:solidFill>
                   <a:schemeClr val="lt1"/>
                 </a:solidFill>
-                <a:latin typeface="Arial"/>
-                <a:ea typeface="Arial"/>
-                <a:cs typeface="Arial"/>
-                <a:sym typeface="Arial"/>
-              </a:rPr>
-              <a:t>Thank You</a:t>
-            </a:r>
-            <a:endParaRPr b="1" sz="11500">
+              </a:rPr>
+              <a:t>Performance Testing – Apache JMeter</a:t>
+            </a:r>
+            <a:endParaRPr b="1" sz="2400">
               <a:solidFill>
                 <a:schemeClr val="lt1"/>
               </a:solidFill>
@@ -8621,7 +10137,7 @@
       </p:sp>
       <p:pic>
         <p:nvPicPr>
-          <p:cNvPr id="207" name="Google Shape;207;p29"/>
+          <p:cNvPr id="215" name="Google Shape;215;p29"/>
           <p:cNvPicPr preferRelativeResize="0"/>
           <p:nvPr/>
         </p:nvPicPr>
@@ -8634,8 +10150,1083 @@
         </p:blipFill>
         <p:spPr>
           <a:xfrm>
-            <a:off x="9790623" y="0"/>
+            <a:off x="10347" y="0"/>
             <a:ext cx="2401377" cy="902226"/>
+          </a:xfrm>
+          <a:prstGeom prst="rect">
+            <a:avLst/>
+          </a:prstGeom>
+          <a:noFill/>
+          <a:ln>
+            <a:noFill/>
+          </a:ln>
+        </p:spPr>
+      </p:pic>
+      <p:cxnSp>
+        <p:nvCxnSpPr>
+          <p:cNvPr id="216" name="Google Shape;216;p29"/>
+          <p:cNvCxnSpPr/>
+          <p:nvPr/>
+        </p:nvCxnSpPr>
+        <p:spPr>
+          <a:xfrm>
+            <a:off x="323850" y="1352550"/>
+            <a:ext cx="6305550" cy="0"/>
+          </a:xfrm>
+          <a:prstGeom prst="straightConnector1">
+            <a:avLst/>
+          </a:prstGeom>
+          <a:noFill/>
+          <a:ln cap="flat" cmpd="sng" w="9525">
+            <a:solidFill>
+              <a:schemeClr val="lt1"/>
+            </a:solidFill>
+            <a:prstDash val="solid"/>
+            <a:miter lim="800000"/>
+            <a:headEnd len="sm" w="sm" type="none"/>
+            <a:tailEnd len="sm" w="sm" type="none"/>
+          </a:ln>
+        </p:spPr>
+      </p:cxnSp>
+      <p:sp>
+        <p:nvSpPr>
+          <p:cNvPr id="217" name="Google Shape;217;p29"/>
+          <p:cNvSpPr txBox="1"/>
+          <p:nvPr/>
+        </p:nvSpPr>
+        <p:spPr>
+          <a:xfrm>
+            <a:off x="379700" y="1456850"/>
+            <a:ext cx="9903300" cy="5277300"/>
+          </a:xfrm>
+          <a:prstGeom prst="rect">
+            <a:avLst/>
+          </a:prstGeom>
+          <a:noFill/>
+          <a:ln>
+            <a:noFill/>
+          </a:ln>
+        </p:spPr>
+        <p:txBody>
+          <a:bodyPr anchorCtr="0" anchor="t" bIns="91425" lIns="91425" spcFirstLastPara="1" rIns="91425" wrap="square" tIns="91425">
+            <a:noAutofit/>
+          </a:bodyPr>
+          <a:lstStyle/>
+          <a:p>
+            <a:pPr indent="0" lvl="0" marL="0" rtl="0" algn="l">
+              <a:lnSpc>
+                <a:spcPct val="115000"/>
+              </a:lnSpc>
+              <a:spcBef>
+                <a:spcPts val="1200"/>
+              </a:spcBef>
+              <a:spcAft>
+                <a:spcPts val="0"/>
+              </a:spcAft>
+              <a:buClr>
+                <a:schemeClr val="dk1"/>
+              </a:buClr>
+              <a:buSzPts val="1100"/>
+              <a:buFont typeface="Arial"/>
+              <a:buNone/>
+            </a:pPr>
+            <a:r>
+              <a:rPr b="1" lang="en-IN">
+                <a:solidFill>
+                  <a:schemeClr val="lt1"/>
+                </a:solidFill>
+              </a:rPr>
+              <a:t>Tool:</a:t>
+            </a:r>
+            <a:r>
+              <a:rPr lang="en-IN">
+                <a:solidFill>
+                  <a:schemeClr val="lt1"/>
+                </a:solidFill>
+              </a:rPr>
+              <a:t> Apache JMeter (</a:t>
+            </a:r>
+            <a:r>
+              <a:rPr lang="en-IN">
+                <a:solidFill>
+                  <a:schemeClr val="lt1"/>
+                </a:solidFill>
+                <a:latin typeface="Roboto Mono"/>
+                <a:ea typeface="Roboto Mono"/>
+                <a:cs typeface="Roboto Mono"/>
+                <a:sym typeface="Roboto Mono"/>
+              </a:rPr>
+              <a:t>.jmx</a:t>
+            </a:r>
+            <a:r>
+              <a:rPr lang="en-IN">
+                <a:solidFill>
+                  <a:schemeClr val="lt1"/>
+                </a:solidFill>
+              </a:rPr>
+              <a:t> scripts)</a:t>
+            </a:r>
+            <a:br>
+              <a:rPr lang="en-IN">
+                <a:solidFill>
+                  <a:schemeClr val="lt1"/>
+                </a:solidFill>
+              </a:rPr>
+            </a:br>
+            <a:r>
+              <a:rPr b="1" lang="en-IN">
+                <a:solidFill>
+                  <a:schemeClr val="lt1"/>
+                </a:solidFill>
+              </a:rPr>
+              <a:t>Purpose:</a:t>
+            </a:r>
+            <a:r>
+              <a:rPr lang="en-IN">
+                <a:solidFill>
+                  <a:schemeClr val="lt1"/>
+                </a:solidFill>
+              </a:rPr>
+              <a:t> Load &amp; performance testing for APIs and web applications</a:t>
+            </a:r>
+            <a:endParaRPr>
+              <a:solidFill>
+                <a:schemeClr val="lt1"/>
+              </a:solidFill>
+            </a:endParaRPr>
+          </a:p>
+          <a:p>
+            <a:pPr indent="0" lvl="0" marL="0" rtl="0" algn="l">
+              <a:lnSpc>
+                <a:spcPct val="115000"/>
+              </a:lnSpc>
+              <a:spcBef>
+                <a:spcPts val="1200"/>
+              </a:spcBef>
+              <a:spcAft>
+                <a:spcPts val="0"/>
+              </a:spcAft>
+              <a:buClr>
+                <a:schemeClr val="dk1"/>
+              </a:buClr>
+              <a:buSzPts val="1100"/>
+              <a:buFont typeface="Arial"/>
+              <a:buNone/>
+            </a:pPr>
+            <a:r>
+              <a:rPr b="1" lang="en-IN">
+                <a:solidFill>
+                  <a:schemeClr val="lt1"/>
+                </a:solidFill>
+              </a:rPr>
+              <a:t>Test Scenario Configuration:</a:t>
+            </a:r>
+            <a:endParaRPr b="1">
+              <a:solidFill>
+                <a:schemeClr val="lt1"/>
+              </a:solidFill>
+            </a:endParaRPr>
+          </a:p>
+          <a:p>
+            <a:pPr indent="-317500" lvl="0" marL="457200" rtl="0" algn="l">
+              <a:lnSpc>
+                <a:spcPct val="115000"/>
+              </a:lnSpc>
+              <a:spcBef>
+                <a:spcPts val="1200"/>
+              </a:spcBef>
+              <a:spcAft>
+                <a:spcPts val="0"/>
+              </a:spcAft>
+              <a:buClr>
+                <a:schemeClr val="lt1"/>
+              </a:buClr>
+              <a:buSzPts val="1400"/>
+              <a:buChar char="●"/>
+            </a:pPr>
+            <a:r>
+              <a:rPr b="1" lang="en-IN">
+                <a:solidFill>
+                  <a:schemeClr val="lt1"/>
+                </a:solidFill>
+              </a:rPr>
+              <a:t>Users:</a:t>
+            </a:r>
+            <a:r>
+              <a:rPr lang="en-IN">
+                <a:solidFill>
+                  <a:schemeClr val="lt1"/>
+                </a:solidFill>
+              </a:rPr>
+              <a:t> 10 virtual users</a:t>
+            </a:r>
+            <a:br>
+              <a:rPr lang="en-IN">
+                <a:solidFill>
+                  <a:schemeClr val="lt1"/>
+                </a:solidFill>
+              </a:rPr>
+            </a:br>
+            <a:endParaRPr>
+              <a:solidFill>
+                <a:schemeClr val="lt1"/>
+              </a:solidFill>
+            </a:endParaRPr>
+          </a:p>
+          <a:p>
+            <a:pPr indent="-317500" lvl="0" marL="457200" rtl="0" algn="l">
+              <a:lnSpc>
+                <a:spcPct val="115000"/>
+              </a:lnSpc>
+              <a:spcBef>
+                <a:spcPts val="0"/>
+              </a:spcBef>
+              <a:spcAft>
+                <a:spcPts val="0"/>
+              </a:spcAft>
+              <a:buClr>
+                <a:schemeClr val="lt1"/>
+              </a:buClr>
+              <a:buSzPts val="1400"/>
+              <a:buChar char="●"/>
+            </a:pPr>
+            <a:r>
+              <a:rPr b="1" lang="en-IN">
+                <a:solidFill>
+                  <a:schemeClr val="lt1"/>
+                </a:solidFill>
+              </a:rPr>
+              <a:t>Ramp-up Time:</a:t>
+            </a:r>
+            <a:r>
+              <a:rPr lang="en-IN">
+                <a:solidFill>
+                  <a:schemeClr val="lt1"/>
+                </a:solidFill>
+              </a:rPr>
+              <a:t> 1 second</a:t>
+            </a:r>
+            <a:br>
+              <a:rPr lang="en-IN">
+                <a:solidFill>
+                  <a:schemeClr val="lt1"/>
+                </a:solidFill>
+              </a:rPr>
+            </a:br>
+            <a:endParaRPr>
+              <a:solidFill>
+                <a:schemeClr val="lt1"/>
+              </a:solidFill>
+            </a:endParaRPr>
+          </a:p>
+          <a:p>
+            <a:pPr indent="-317500" lvl="0" marL="457200" rtl="0" algn="l">
+              <a:lnSpc>
+                <a:spcPct val="115000"/>
+              </a:lnSpc>
+              <a:spcBef>
+                <a:spcPts val="0"/>
+              </a:spcBef>
+              <a:spcAft>
+                <a:spcPts val="0"/>
+              </a:spcAft>
+              <a:buClr>
+                <a:schemeClr val="lt1"/>
+              </a:buClr>
+              <a:buSzPts val="1400"/>
+              <a:buChar char="●"/>
+            </a:pPr>
+            <a:r>
+              <a:rPr b="1" lang="en-IN">
+                <a:solidFill>
+                  <a:schemeClr val="lt1"/>
+                </a:solidFill>
+              </a:rPr>
+              <a:t>Delay Between Requests:</a:t>
+            </a:r>
+            <a:r>
+              <a:rPr lang="en-IN">
+                <a:solidFill>
+                  <a:schemeClr val="lt1"/>
+                </a:solidFill>
+              </a:rPr>
+              <a:t> 10 seconds</a:t>
+            </a:r>
+            <a:br>
+              <a:rPr lang="en-IN">
+                <a:solidFill>
+                  <a:schemeClr val="lt1"/>
+                </a:solidFill>
+              </a:rPr>
+            </a:br>
+            <a:endParaRPr>
+              <a:solidFill>
+                <a:schemeClr val="lt1"/>
+              </a:solidFill>
+            </a:endParaRPr>
+          </a:p>
+          <a:p>
+            <a:pPr indent="-317500" lvl="0" marL="457200" rtl="0" algn="l">
+              <a:lnSpc>
+                <a:spcPct val="115000"/>
+              </a:lnSpc>
+              <a:spcBef>
+                <a:spcPts val="0"/>
+              </a:spcBef>
+              <a:spcAft>
+                <a:spcPts val="0"/>
+              </a:spcAft>
+              <a:buClr>
+                <a:schemeClr val="lt1"/>
+              </a:buClr>
+              <a:buSzPts val="1400"/>
+              <a:buChar char="●"/>
+            </a:pPr>
+            <a:r>
+              <a:rPr b="1" lang="en-IN">
+                <a:solidFill>
+                  <a:schemeClr val="lt1"/>
+                </a:solidFill>
+              </a:rPr>
+              <a:t>Test Duration:</a:t>
+            </a:r>
+            <a:r>
+              <a:rPr lang="en-IN">
+                <a:solidFill>
+                  <a:schemeClr val="lt1"/>
+                </a:solidFill>
+              </a:rPr>
+              <a:t> 120 seconds</a:t>
+            </a:r>
+            <a:br>
+              <a:rPr lang="en-IN">
+                <a:solidFill>
+                  <a:schemeClr val="lt1"/>
+                </a:solidFill>
+              </a:rPr>
+            </a:br>
+            <a:endParaRPr>
+              <a:solidFill>
+                <a:schemeClr val="lt1"/>
+              </a:solidFill>
+            </a:endParaRPr>
+          </a:p>
+          <a:p>
+            <a:pPr indent="0" lvl="0" marL="0" rtl="0" algn="l">
+              <a:lnSpc>
+                <a:spcPct val="115000"/>
+              </a:lnSpc>
+              <a:spcBef>
+                <a:spcPts val="1200"/>
+              </a:spcBef>
+              <a:spcAft>
+                <a:spcPts val="0"/>
+              </a:spcAft>
+              <a:buClr>
+                <a:schemeClr val="dk1"/>
+              </a:buClr>
+              <a:buSzPts val="1100"/>
+              <a:buFont typeface="Arial"/>
+              <a:buNone/>
+            </a:pPr>
+            <a:r>
+              <a:rPr b="1" lang="en-IN">
+                <a:solidFill>
+                  <a:schemeClr val="lt1"/>
+                </a:solidFill>
+              </a:rPr>
+              <a:t>CLI Execution &amp; Report Generation:</a:t>
+            </a:r>
+            <a:endParaRPr>
+              <a:solidFill>
+                <a:schemeClr val="lt1"/>
+              </a:solidFill>
+            </a:endParaRPr>
+          </a:p>
+          <a:p>
+            <a:pPr indent="0" lvl="0" marL="0" rtl="0" algn="l">
+              <a:spcBef>
+                <a:spcPts val="1200"/>
+              </a:spcBef>
+              <a:spcAft>
+                <a:spcPts val="0"/>
+              </a:spcAft>
+              <a:buNone/>
+            </a:pPr>
+            <a:r>
+              <a:rPr lang="en-IN">
+                <a:solidFill>
+                  <a:schemeClr val="lt1"/>
+                </a:solidFill>
+                <a:latin typeface="Roboto Mono"/>
+                <a:ea typeface="Roboto Mono"/>
+                <a:cs typeface="Roboto Mono"/>
+                <a:sym typeface="Roboto Mono"/>
+              </a:rPr>
+              <a:t>jmeter.bat -n -t "path/to/test.jmx" -l "path/to/results.log" -e -o</a:t>
+            </a:r>
+            <a:r>
+              <a:rPr lang="en-IN">
+                <a:solidFill>
+                  <a:schemeClr val="lt1"/>
+                </a:solidFill>
+                <a:latin typeface="Roboto Mono"/>
+                <a:ea typeface="Roboto Mono"/>
+                <a:cs typeface="Roboto Mono"/>
+                <a:sym typeface="Roboto Mono"/>
+              </a:rPr>
+              <a:t> </a:t>
+            </a:r>
+            <a:r>
+              <a:rPr lang="en-IN">
+                <a:solidFill>
+                  <a:schemeClr val="lt1"/>
+                </a:solidFill>
+                <a:latin typeface="Roboto Mono"/>
+                <a:ea typeface="Roboto Mono"/>
+                <a:cs typeface="Roboto Mono"/>
+                <a:sym typeface="Roboto Mono"/>
+              </a:rPr>
+              <a:t>"path/to/HTMLReport"</a:t>
+            </a:r>
+            <a:endParaRPr>
+              <a:solidFill>
+                <a:schemeClr val="lt1"/>
+              </a:solidFill>
+              <a:latin typeface="Roboto Mono"/>
+              <a:ea typeface="Roboto Mono"/>
+              <a:cs typeface="Roboto Mono"/>
+              <a:sym typeface="Roboto Mono"/>
+            </a:endParaRPr>
+          </a:p>
+          <a:p>
+            <a:pPr indent="0" lvl="0" marL="0" rtl="0" algn="l">
+              <a:lnSpc>
+                <a:spcPct val="115000"/>
+              </a:lnSpc>
+              <a:spcBef>
+                <a:spcPts val="0"/>
+              </a:spcBef>
+              <a:spcAft>
+                <a:spcPts val="0"/>
+              </a:spcAft>
+              <a:buClr>
+                <a:schemeClr val="dk1"/>
+              </a:buClr>
+              <a:buSzPts val="1100"/>
+              <a:buFont typeface="Arial"/>
+              <a:buNone/>
+            </a:pPr>
+            <a:r>
+              <a:t/>
+            </a:r>
+            <a:endParaRPr>
+              <a:solidFill>
+                <a:schemeClr val="lt1"/>
+              </a:solidFill>
+            </a:endParaRPr>
+          </a:p>
+          <a:p>
+            <a:pPr indent="-317500" lvl="0" marL="457200" rtl="0" algn="l">
+              <a:lnSpc>
+                <a:spcPct val="115000"/>
+              </a:lnSpc>
+              <a:spcBef>
+                <a:spcPts val="1200"/>
+              </a:spcBef>
+              <a:spcAft>
+                <a:spcPts val="0"/>
+              </a:spcAft>
+              <a:buClr>
+                <a:schemeClr val="lt1"/>
+              </a:buClr>
+              <a:buSzPts val="1400"/>
+              <a:buChar char="●"/>
+            </a:pPr>
+            <a:r>
+              <a:rPr lang="en-IN">
+                <a:solidFill>
+                  <a:schemeClr val="lt1"/>
+                </a:solidFill>
+              </a:rPr>
+              <a:t>Headless test execution</a:t>
+            </a:r>
+            <a:br>
+              <a:rPr lang="en-IN">
+                <a:solidFill>
+                  <a:schemeClr val="lt1"/>
+                </a:solidFill>
+              </a:rPr>
+            </a:br>
+            <a:endParaRPr>
+              <a:solidFill>
+                <a:schemeClr val="lt1"/>
+              </a:solidFill>
+            </a:endParaRPr>
+          </a:p>
+          <a:p>
+            <a:pPr indent="-317500" lvl="0" marL="457200" rtl="0" algn="l">
+              <a:lnSpc>
+                <a:spcPct val="115000"/>
+              </a:lnSpc>
+              <a:spcBef>
+                <a:spcPts val="0"/>
+              </a:spcBef>
+              <a:spcAft>
+                <a:spcPts val="0"/>
+              </a:spcAft>
+              <a:buClr>
+                <a:schemeClr val="lt1"/>
+              </a:buClr>
+              <a:buSzPts val="1400"/>
+              <a:buChar char="●"/>
+            </a:pPr>
+            <a:r>
+              <a:rPr lang="en-IN">
+                <a:solidFill>
+                  <a:schemeClr val="lt1"/>
+                </a:solidFill>
+              </a:rPr>
+              <a:t>Generates detailed </a:t>
+            </a:r>
+            <a:r>
+              <a:rPr b="1" lang="en-IN">
+                <a:solidFill>
+                  <a:schemeClr val="lt1"/>
+                </a:solidFill>
+              </a:rPr>
+              <a:t>HTML reports</a:t>
+            </a:r>
+            <a:r>
+              <a:rPr lang="en-IN">
+                <a:solidFill>
+                  <a:schemeClr val="lt1"/>
+                </a:solidFill>
+              </a:rPr>
+              <a:t> for analysis</a:t>
+            </a:r>
+            <a:endParaRPr>
+              <a:solidFill>
+                <a:schemeClr val="lt1"/>
+              </a:solidFill>
+            </a:endParaRPr>
+          </a:p>
+          <a:p>
+            <a:pPr indent="0" lvl="0" marL="0" rtl="0" algn="l">
+              <a:spcBef>
+                <a:spcPts val="1200"/>
+              </a:spcBef>
+              <a:spcAft>
+                <a:spcPts val="0"/>
+              </a:spcAft>
+              <a:buNone/>
+            </a:pPr>
+            <a:r>
+              <a:t/>
+            </a:r>
+            <a:endParaRPr sz="3100">
+              <a:solidFill>
+                <a:schemeClr val="lt1"/>
+              </a:solidFill>
+              <a:latin typeface="Calibri"/>
+              <a:ea typeface="Calibri"/>
+              <a:cs typeface="Calibri"/>
+              <a:sym typeface="Calibri"/>
+            </a:endParaRPr>
+          </a:p>
+        </p:txBody>
+      </p:sp>
+    </p:spTree>
+  </p:cSld>
+  <p:clrMapOvr>
+    <a:masterClrMapping/>
+  </p:clrMapOvr>
+</p:sld>
+</file>
+
+<file path=ppt/slides/slide18.xml><?xml version="1.0" encoding="utf-8"?>
+<p:sld xmlns:a="http://schemas.openxmlformats.org/drawingml/2006/main" xmlns:r="http://schemas.openxmlformats.org/officeDocument/2006/relationships" xmlns:mc="http://schemas.openxmlformats.org/markup-compatibility/2006" xmlns:mv="urn:schemas-microsoft-com:mac:vml" xmlns:p="http://schemas.openxmlformats.org/presentationml/2006/main" xmlns:c="http://schemas.openxmlformats.org/drawingml/2006/chart" xmlns:dgm="http://schemas.openxmlformats.org/drawingml/2006/diagram" xmlns:o="urn:schemas-microsoft-com:office:office" xmlns:v="urn:schemas-microsoft-com:vml" xmlns:pvml="urn:schemas-microsoft-com:office:powerpoint" xmlns:com="http://schemas.openxmlformats.org/drawingml/2006/compatibility" xmlns:p14="http://schemas.microsoft.com/office/powerpoint/2010/main" xmlns:p15="http://schemas.microsoft.com/office/powerpoint/2012/main" xmlns:ahyp="http://schemas.microsoft.com/office/drawing/2018/hyperlinkcolor">
+  <p:cSld>
+    <p:spTree>
+      <p:nvGrpSpPr>
+        <p:cNvPr id="221" name="Shape 221"/>
+        <p:cNvGrpSpPr/>
+        <p:nvPr/>
+      </p:nvGrpSpPr>
+      <p:grpSpPr>
+        <a:xfrm>
+          <a:off x="0" y="0"/>
+          <a:ext cx="0" cy="0"/>
+          <a:chOff x="0" y="0"/>
+          <a:chExt cx="0" cy="0"/>
+        </a:xfrm>
+      </p:grpSpPr>
+      <p:sp>
+        <p:nvSpPr>
+          <p:cNvPr id="222" name="Google Shape;222;p30"/>
+          <p:cNvSpPr/>
+          <p:nvPr/>
+        </p:nvSpPr>
+        <p:spPr>
+          <a:xfrm>
+            <a:off x="0" y="0"/>
+            <a:ext cx="12192000" cy="6858000"/>
+          </a:xfrm>
+          <a:prstGeom prst="rect">
+            <a:avLst/>
+          </a:prstGeom>
+          <a:solidFill>
+            <a:srgbClr val="15102C"/>
+          </a:solidFill>
+          <a:ln cap="flat" cmpd="sng" w="12700">
+            <a:solidFill>
+              <a:srgbClr val="1C3052"/>
+            </a:solidFill>
+            <a:prstDash val="solid"/>
+            <a:miter lim="800000"/>
+            <a:headEnd len="sm" w="sm" type="none"/>
+            <a:tailEnd len="sm" w="sm" type="none"/>
+          </a:ln>
+        </p:spPr>
+        <p:txBody>
+          <a:bodyPr anchorCtr="0" anchor="ctr" bIns="45700" lIns="91425" spcFirstLastPara="1" rIns="91425" wrap="square" tIns="45700">
+            <a:noAutofit/>
+          </a:bodyPr>
+          <a:lstStyle/>
+          <a:p>
+            <a:pPr indent="0" lvl="0" marL="0" marR="0" rtl="0" algn="ctr">
+              <a:spcBef>
+                <a:spcPts val="0"/>
+              </a:spcBef>
+              <a:spcAft>
+                <a:spcPts val="0"/>
+              </a:spcAft>
+              <a:buNone/>
+            </a:pPr>
+            <a:r>
+              <a:t/>
+            </a:r>
+            <a:endParaRPr sz="1800">
+              <a:solidFill>
+                <a:schemeClr val="lt1"/>
+              </a:solidFill>
+              <a:latin typeface="Calibri"/>
+              <a:ea typeface="Calibri"/>
+              <a:cs typeface="Calibri"/>
+              <a:sym typeface="Calibri"/>
+            </a:endParaRPr>
+          </a:p>
+        </p:txBody>
+      </p:sp>
+      <p:sp>
+        <p:nvSpPr>
+          <p:cNvPr id="223" name="Google Shape;223;p30"/>
+          <p:cNvSpPr txBox="1"/>
+          <p:nvPr/>
+        </p:nvSpPr>
+        <p:spPr>
+          <a:xfrm>
+            <a:off x="181455" y="872000"/>
+            <a:ext cx="11915100" cy="461700"/>
+          </a:xfrm>
+          <a:prstGeom prst="rect">
+            <a:avLst/>
+          </a:prstGeom>
+          <a:noFill/>
+          <a:ln>
+            <a:noFill/>
+          </a:ln>
+        </p:spPr>
+        <p:txBody>
+          <a:bodyPr anchorCtr="0" anchor="t" bIns="45700" lIns="91425" spcFirstLastPara="1" rIns="91425" wrap="square" tIns="45700">
+            <a:spAutoFit/>
+          </a:bodyPr>
+          <a:lstStyle/>
+          <a:p>
+            <a:pPr indent="0" lvl="0" marL="0" marR="0" rtl="0" algn="l">
+              <a:spcBef>
+                <a:spcPts val="0"/>
+              </a:spcBef>
+              <a:spcAft>
+                <a:spcPts val="0"/>
+              </a:spcAft>
+              <a:buNone/>
+            </a:pPr>
+            <a:r>
+              <a:rPr b="1" lang="en-IN" sz="2400">
+                <a:solidFill>
+                  <a:schemeClr val="lt1"/>
+                </a:solidFill>
+              </a:rPr>
+              <a:t>Responses of the API(api.restful-dev) </a:t>
+            </a:r>
+            <a:r>
+              <a:rPr b="1" lang="en-IN" sz="2400">
+                <a:solidFill>
+                  <a:schemeClr val="lt1"/>
+                </a:solidFill>
+                <a:latin typeface="Arial"/>
+                <a:ea typeface="Arial"/>
+                <a:cs typeface="Arial"/>
+                <a:sym typeface="Arial"/>
+              </a:rPr>
+              <a:t>of the </a:t>
+            </a:r>
+            <a:r>
+              <a:rPr b="1" lang="en-IN" sz="2400">
+                <a:solidFill>
+                  <a:schemeClr val="lt1"/>
+                </a:solidFill>
+              </a:rPr>
+              <a:t>JMeter with Result Table</a:t>
+            </a:r>
+            <a:endParaRPr b="1" sz="2400">
+              <a:solidFill>
+                <a:schemeClr val="lt1"/>
+              </a:solidFill>
+              <a:latin typeface="Arial"/>
+              <a:ea typeface="Arial"/>
+              <a:cs typeface="Arial"/>
+              <a:sym typeface="Arial"/>
+            </a:endParaRPr>
+          </a:p>
+        </p:txBody>
+      </p:sp>
+      <p:pic>
+        <p:nvPicPr>
+          <p:cNvPr id="224" name="Google Shape;224;p30"/>
+          <p:cNvPicPr preferRelativeResize="0"/>
+          <p:nvPr/>
+        </p:nvPicPr>
+        <p:blipFill rotWithShape="1">
+          <a:blip r:embed="rId3">
+            <a:alphaModFix/>
+          </a:blip>
+          <a:srcRect b="0" l="0" r="0" t="0"/>
+          <a:stretch/>
+        </p:blipFill>
+        <p:spPr>
+          <a:xfrm>
+            <a:off x="10347" y="0"/>
+            <a:ext cx="2401375" cy="902226"/>
+          </a:xfrm>
+          <a:prstGeom prst="rect">
+            <a:avLst/>
+          </a:prstGeom>
+          <a:noFill/>
+          <a:ln>
+            <a:noFill/>
+          </a:ln>
+        </p:spPr>
+      </p:pic>
+      <p:cxnSp>
+        <p:nvCxnSpPr>
+          <p:cNvPr id="225" name="Google Shape;225;p30"/>
+          <p:cNvCxnSpPr/>
+          <p:nvPr/>
+        </p:nvCxnSpPr>
+        <p:spPr>
+          <a:xfrm>
+            <a:off x="323850" y="1352550"/>
+            <a:ext cx="6305700" cy="0"/>
+          </a:xfrm>
+          <a:prstGeom prst="straightConnector1">
+            <a:avLst/>
+          </a:prstGeom>
+          <a:noFill/>
+          <a:ln cap="flat" cmpd="sng" w="9525">
+            <a:solidFill>
+              <a:schemeClr val="lt1"/>
+            </a:solidFill>
+            <a:prstDash val="solid"/>
+            <a:miter lim="800000"/>
+            <a:headEnd len="sm" w="sm" type="none"/>
+            <a:tailEnd len="sm" w="sm" type="none"/>
+          </a:ln>
+        </p:spPr>
+      </p:cxnSp>
+      <p:pic>
+        <p:nvPicPr>
+          <p:cNvPr id="226" name="Google Shape;226;p30"/>
+          <p:cNvPicPr preferRelativeResize="0"/>
+          <p:nvPr/>
+        </p:nvPicPr>
+        <p:blipFill>
+          <a:blip r:embed="rId4">
+            <a:alphaModFix/>
+          </a:blip>
+          <a:stretch>
+            <a:fillRect/>
+          </a:stretch>
+        </p:blipFill>
+        <p:spPr>
+          <a:xfrm>
+            <a:off x="181450" y="1526751"/>
+            <a:ext cx="11363949" cy="4393600"/>
+          </a:xfrm>
+          <a:prstGeom prst="rect">
+            <a:avLst/>
+          </a:prstGeom>
+          <a:noFill/>
+          <a:ln>
+            <a:noFill/>
+          </a:ln>
+        </p:spPr>
+      </p:pic>
+    </p:spTree>
+  </p:cSld>
+  <p:clrMapOvr>
+    <a:masterClrMapping/>
+  </p:clrMapOvr>
+</p:sld>
+</file>
+
+<file path=ppt/slides/slide19.xml><?xml version="1.0" encoding="utf-8"?>
+<p:sld xmlns:a="http://schemas.openxmlformats.org/drawingml/2006/main" xmlns:r="http://schemas.openxmlformats.org/officeDocument/2006/relationships" xmlns:mc="http://schemas.openxmlformats.org/markup-compatibility/2006" xmlns:mv="urn:schemas-microsoft-com:mac:vml" xmlns:p="http://schemas.openxmlformats.org/presentationml/2006/main" xmlns:c="http://schemas.openxmlformats.org/drawingml/2006/chart" xmlns:dgm="http://schemas.openxmlformats.org/drawingml/2006/diagram" xmlns:o="urn:schemas-microsoft-com:office:office" xmlns:v="urn:schemas-microsoft-com:vml" xmlns:pvml="urn:schemas-microsoft-com:office:powerpoint" xmlns:com="http://schemas.openxmlformats.org/drawingml/2006/compatibility" xmlns:p14="http://schemas.microsoft.com/office/powerpoint/2010/main" xmlns:p15="http://schemas.microsoft.com/office/powerpoint/2012/main" xmlns:ahyp="http://schemas.microsoft.com/office/drawing/2018/hyperlinkcolor">
+  <p:cSld>
+    <p:spTree>
+      <p:nvGrpSpPr>
+        <p:cNvPr id="230" name="Shape 230"/>
+        <p:cNvGrpSpPr/>
+        <p:nvPr/>
+      </p:nvGrpSpPr>
+      <p:grpSpPr>
+        <a:xfrm>
+          <a:off x="0" y="0"/>
+          <a:ext cx="0" cy="0"/>
+          <a:chOff x="0" y="0"/>
+          <a:chExt cx="0" cy="0"/>
+        </a:xfrm>
+      </p:grpSpPr>
+      <p:sp>
+        <p:nvSpPr>
+          <p:cNvPr id="231" name="Google Shape;231;p31"/>
+          <p:cNvSpPr/>
+          <p:nvPr/>
+        </p:nvSpPr>
+        <p:spPr>
+          <a:xfrm>
+            <a:off x="0" y="0"/>
+            <a:ext cx="12192000" cy="6858000"/>
+          </a:xfrm>
+          <a:prstGeom prst="rect">
+            <a:avLst/>
+          </a:prstGeom>
+          <a:solidFill>
+            <a:srgbClr val="15102C"/>
+          </a:solidFill>
+          <a:ln cap="flat" cmpd="sng" w="12700">
+            <a:solidFill>
+              <a:srgbClr val="1C3052"/>
+            </a:solidFill>
+            <a:prstDash val="solid"/>
+            <a:miter lim="800000"/>
+            <a:headEnd len="sm" w="sm" type="none"/>
+            <a:tailEnd len="sm" w="sm" type="none"/>
+          </a:ln>
+        </p:spPr>
+        <p:txBody>
+          <a:bodyPr anchorCtr="0" anchor="ctr" bIns="45700" lIns="91425" spcFirstLastPara="1" rIns="91425" wrap="square" tIns="45700">
+            <a:noAutofit/>
+          </a:bodyPr>
+          <a:lstStyle/>
+          <a:p>
+            <a:pPr indent="0" lvl="0" marL="0" marR="0" rtl="0" algn="ctr">
+              <a:spcBef>
+                <a:spcPts val="0"/>
+              </a:spcBef>
+              <a:spcAft>
+                <a:spcPts val="0"/>
+              </a:spcAft>
+              <a:buNone/>
+            </a:pPr>
+            <a:r>
+              <a:t/>
+            </a:r>
+            <a:endParaRPr sz="1800">
+              <a:solidFill>
+                <a:schemeClr val="lt1"/>
+              </a:solidFill>
+              <a:latin typeface="Calibri"/>
+              <a:ea typeface="Calibri"/>
+              <a:cs typeface="Calibri"/>
+              <a:sym typeface="Calibri"/>
+            </a:endParaRPr>
+          </a:p>
+        </p:txBody>
+      </p:sp>
+      <p:sp>
+        <p:nvSpPr>
+          <p:cNvPr id="232" name="Google Shape;232;p31"/>
+          <p:cNvSpPr txBox="1"/>
+          <p:nvPr/>
+        </p:nvSpPr>
+        <p:spPr>
+          <a:xfrm>
+            <a:off x="181455" y="872000"/>
+            <a:ext cx="11915100" cy="461700"/>
+          </a:xfrm>
+          <a:prstGeom prst="rect">
+            <a:avLst/>
+          </a:prstGeom>
+          <a:noFill/>
+          <a:ln>
+            <a:noFill/>
+          </a:ln>
+        </p:spPr>
+        <p:txBody>
+          <a:bodyPr anchorCtr="0" anchor="t" bIns="45700" lIns="91425" spcFirstLastPara="1" rIns="91425" wrap="square" tIns="45700">
+            <a:spAutoFit/>
+          </a:bodyPr>
+          <a:lstStyle/>
+          <a:p>
+            <a:pPr indent="0" lvl="0" marL="0" marR="0" rtl="0" algn="l">
+              <a:spcBef>
+                <a:spcPts val="0"/>
+              </a:spcBef>
+              <a:spcAft>
+                <a:spcPts val="0"/>
+              </a:spcAft>
+              <a:buNone/>
+            </a:pPr>
+            <a:r>
+              <a:rPr b="1" lang="en-IN" sz="2400">
+                <a:solidFill>
+                  <a:schemeClr val="lt1"/>
+                </a:solidFill>
+              </a:rPr>
+              <a:t>Responses of the API(api.restful-dev) </a:t>
+            </a:r>
+            <a:r>
+              <a:rPr b="1" lang="en-IN" sz="2400">
+                <a:solidFill>
+                  <a:schemeClr val="lt1"/>
+                </a:solidFill>
+                <a:latin typeface="Arial"/>
+                <a:ea typeface="Arial"/>
+                <a:cs typeface="Arial"/>
+                <a:sym typeface="Arial"/>
+              </a:rPr>
+              <a:t>of the </a:t>
+            </a:r>
+            <a:r>
+              <a:rPr b="1" lang="en-IN" sz="2400">
+                <a:solidFill>
+                  <a:schemeClr val="lt1"/>
+                </a:solidFill>
+              </a:rPr>
+              <a:t>Thread Group &amp; Result Tree</a:t>
+            </a:r>
+            <a:endParaRPr b="1" sz="2400">
+              <a:solidFill>
+                <a:schemeClr val="lt1"/>
+              </a:solidFill>
+              <a:latin typeface="Arial"/>
+              <a:ea typeface="Arial"/>
+              <a:cs typeface="Arial"/>
+              <a:sym typeface="Arial"/>
+            </a:endParaRPr>
+          </a:p>
+        </p:txBody>
+      </p:sp>
+      <p:pic>
+        <p:nvPicPr>
+          <p:cNvPr id="233" name="Google Shape;233;p31"/>
+          <p:cNvPicPr preferRelativeResize="0"/>
+          <p:nvPr/>
+        </p:nvPicPr>
+        <p:blipFill rotWithShape="1">
+          <a:blip r:embed="rId3">
+            <a:alphaModFix/>
+          </a:blip>
+          <a:srcRect b="0" l="0" r="0" t="0"/>
+          <a:stretch/>
+        </p:blipFill>
+        <p:spPr>
+          <a:xfrm>
+            <a:off x="10347" y="0"/>
+            <a:ext cx="2401375" cy="902226"/>
+          </a:xfrm>
+          <a:prstGeom prst="rect">
+            <a:avLst/>
+          </a:prstGeom>
+          <a:noFill/>
+          <a:ln>
+            <a:noFill/>
+          </a:ln>
+        </p:spPr>
+      </p:pic>
+      <p:cxnSp>
+        <p:nvCxnSpPr>
+          <p:cNvPr id="234" name="Google Shape;234;p31"/>
+          <p:cNvCxnSpPr/>
+          <p:nvPr/>
+        </p:nvCxnSpPr>
+        <p:spPr>
+          <a:xfrm>
+            <a:off x="323850" y="1352550"/>
+            <a:ext cx="6305700" cy="0"/>
+          </a:xfrm>
+          <a:prstGeom prst="straightConnector1">
+            <a:avLst/>
+          </a:prstGeom>
+          <a:noFill/>
+          <a:ln cap="flat" cmpd="sng" w="9525">
+            <a:solidFill>
+              <a:schemeClr val="lt1"/>
+            </a:solidFill>
+            <a:prstDash val="solid"/>
+            <a:miter lim="800000"/>
+            <a:headEnd len="sm" w="sm" type="none"/>
+            <a:tailEnd len="sm" w="sm" type="none"/>
+          </a:ln>
+        </p:spPr>
+      </p:cxnSp>
+      <p:pic>
+        <p:nvPicPr>
+          <p:cNvPr id="235" name="Google Shape;235;p31"/>
+          <p:cNvPicPr preferRelativeResize="0"/>
+          <p:nvPr/>
+        </p:nvPicPr>
+        <p:blipFill rotWithShape="1">
+          <a:blip r:embed="rId4">
+            <a:alphaModFix/>
+          </a:blip>
+          <a:srcRect b="0" l="0" r="12982" t="0"/>
+          <a:stretch/>
+        </p:blipFill>
+        <p:spPr>
+          <a:xfrm>
+            <a:off x="323850" y="1511075"/>
+            <a:ext cx="5635250" cy="5060200"/>
+          </a:xfrm>
+          <a:prstGeom prst="rect">
+            <a:avLst/>
+          </a:prstGeom>
+          <a:noFill/>
+          <a:ln>
+            <a:noFill/>
+          </a:ln>
+        </p:spPr>
+      </p:pic>
+      <p:pic>
+        <p:nvPicPr>
+          <p:cNvPr id="236" name="Google Shape;236;p31"/>
+          <p:cNvPicPr preferRelativeResize="0"/>
+          <p:nvPr/>
+        </p:nvPicPr>
+        <p:blipFill>
+          <a:blip r:embed="rId5">
+            <a:alphaModFix/>
+          </a:blip>
+          <a:stretch>
+            <a:fillRect/>
+          </a:stretch>
+        </p:blipFill>
+        <p:spPr>
+          <a:xfrm>
+            <a:off x="6052099" y="1511075"/>
+            <a:ext cx="6139899" cy="4794275"/>
           </a:xfrm>
           <a:prstGeom prst="rect">
             <a:avLst/>
@@ -9313,6 +11904,1413 @@
 </p:sld>
 </file>
 
+<file path=ppt/slides/slide20.xml><?xml version="1.0" encoding="utf-8"?>
+<p:sld xmlns:a="http://schemas.openxmlformats.org/drawingml/2006/main" xmlns:r="http://schemas.openxmlformats.org/officeDocument/2006/relationships" xmlns:mc="http://schemas.openxmlformats.org/markup-compatibility/2006" xmlns:mv="urn:schemas-microsoft-com:mac:vml" xmlns:p="http://schemas.openxmlformats.org/presentationml/2006/main" xmlns:c="http://schemas.openxmlformats.org/drawingml/2006/chart" xmlns:dgm="http://schemas.openxmlformats.org/drawingml/2006/diagram" xmlns:o="urn:schemas-microsoft-com:office:office" xmlns:v="urn:schemas-microsoft-com:vml" xmlns:pvml="urn:schemas-microsoft-com:office:powerpoint" xmlns:com="http://schemas.openxmlformats.org/drawingml/2006/compatibility" xmlns:p14="http://schemas.microsoft.com/office/powerpoint/2010/main" xmlns:p15="http://schemas.microsoft.com/office/powerpoint/2012/main" xmlns:ahyp="http://schemas.microsoft.com/office/drawing/2018/hyperlinkcolor">
+  <p:cSld>
+    <p:spTree>
+      <p:nvGrpSpPr>
+        <p:cNvPr id="240" name="Shape 240"/>
+        <p:cNvGrpSpPr/>
+        <p:nvPr/>
+      </p:nvGrpSpPr>
+      <p:grpSpPr>
+        <a:xfrm>
+          <a:off x="0" y="0"/>
+          <a:ext cx="0" cy="0"/>
+          <a:chOff x="0" y="0"/>
+          <a:chExt cx="0" cy="0"/>
+        </a:xfrm>
+      </p:grpSpPr>
+      <p:sp>
+        <p:nvSpPr>
+          <p:cNvPr id="241" name="Google Shape;241;p32"/>
+          <p:cNvSpPr/>
+          <p:nvPr/>
+        </p:nvSpPr>
+        <p:spPr>
+          <a:xfrm>
+            <a:off x="0" y="0"/>
+            <a:ext cx="12192000" cy="6858000"/>
+          </a:xfrm>
+          <a:prstGeom prst="rect">
+            <a:avLst/>
+          </a:prstGeom>
+          <a:solidFill>
+            <a:srgbClr val="15102C"/>
+          </a:solidFill>
+          <a:ln cap="flat" cmpd="sng" w="12700">
+            <a:solidFill>
+              <a:srgbClr val="1C3052"/>
+            </a:solidFill>
+            <a:prstDash val="solid"/>
+            <a:miter lim="800000"/>
+            <a:headEnd len="sm" w="sm" type="none"/>
+            <a:tailEnd len="sm" w="sm" type="none"/>
+          </a:ln>
+        </p:spPr>
+        <p:txBody>
+          <a:bodyPr anchorCtr="0" anchor="ctr" bIns="45700" lIns="91425" spcFirstLastPara="1" rIns="91425" wrap="square" tIns="45700">
+            <a:noAutofit/>
+          </a:bodyPr>
+          <a:lstStyle/>
+          <a:p>
+            <a:pPr indent="0" lvl="0" marL="0" marR="0" rtl="0" algn="ctr">
+              <a:spcBef>
+                <a:spcPts val="0"/>
+              </a:spcBef>
+              <a:spcAft>
+                <a:spcPts val="0"/>
+              </a:spcAft>
+              <a:buNone/>
+            </a:pPr>
+            <a:r>
+              <a:t/>
+            </a:r>
+            <a:endParaRPr sz="1800">
+              <a:solidFill>
+                <a:schemeClr val="lt1"/>
+              </a:solidFill>
+              <a:latin typeface="Calibri"/>
+              <a:ea typeface="Calibri"/>
+              <a:cs typeface="Calibri"/>
+              <a:sym typeface="Calibri"/>
+            </a:endParaRPr>
+          </a:p>
+        </p:txBody>
+      </p:sp>
+      <p:sp>
+        <p:nvSpPr>
+          <p:cNvPr id="242" name="Google Shape;242;p32"/>
+          <p:cNvSpPr txBox="1"/>
+          <p:nvPr/>
+        </p:nvSpPr>
+        <p:spPr>
+          <a:xfrm>
+            <a:off x="181455" y="872000"/>
+            <a:ext cx="11915100" cy="461700"/>
+          </a:xfrm>
+          <a:prstGeom prst="rect">
+            <a:avLst/>
+          </a:prstGeom>
+          <a:noFill/>
+          <a:ln>
+            <a:noFill/>
+          </a:ln>
+        </p:spPr>
+        <p:txBody>
+          <a:bodyPr anchorCtr="0" anchor="t" bIns="45700" lIns="91425" spcFirstLastPara="1" rIns="91425" wrap="square" tIns="45700">
+            <a:spAutoFit/>
+          </a:bodyPr>
+          <a:lstStyle/>
+          <a:p>
+            <a:pPr indent="0" lvl="0" marL="0" marR="0" rtl="0" algn="l">
+              <a:spcBef>
+                <a:spcPts val="0"/>
+              </a:spcBef>
+              <a:spcAft>
+                <a:spcPts val="0"/>
+              </a:spcAft>
+              <a:buNone/>
+            </a:pPr>
+            <a:r>
+              <a:rPr b="1" lang="en-IN" sz="2400">
+                <a:solidFill>
+                  <a:schemeClr val="lt1"/>
+                </a:solidFill>
+              </a:rPr>
+              <a:t>Results and HTML Report Generation of .jmx file using Jenkins</a:t>
+            </a:r>
+            <a:endParaRPr b="1" sz="2400">
+              <a:solidFill>
+                <a:schemeClr val="lt1"/>
+              </a:solidFill>
+              <a:latin typeface="Arial"/>
+              <a:ea typeface="Arial"/>
+              <a:cs typeface="Arial"/>
+              <a:sym typeface="Arial"/>
+            </a:endParaRPr>
+          </a:p>
+        </p:txBody>
+      </p:sp>
+      <p:pic>
+        <p:nvPicPr>
+          <p:cNvPr id="243" name="Google Shape;243;p32"/>
+          <p:cNvPicPr preferRelativeResize="0"/>
+          <p:nvPr/>
+        </p:nvPicPr>
+        <p:blipFill rotWithShape="1">
+          <a:blip r:embed="rId3">
+            <a:alphaModFix/>
+          </a:blip>
+          <a:srcRect b="0" l="0" r="0" t="0"/>
+          <a:stretch/>
+        </p:blipFill>
+        <p:spPr>
+          <a:xfrm>
+            <a:off x="10347" y="0"/>
+            <a:ext cx="2401375" cy="902226"/>
+          </a:xfrm>
+          <a:prstGeom prst="rect">
+            <a:avLst/>
+          </a:prstGeom>
+          <a:noFill/>
+          <a:ln>
+            <a:noFill/>
+          </a:ln>
+        </p:spPr>
+      </p:pic>
+      <p:cxnSp>
+        <p:nvCxnSpPr>
+          <p:cNvPr id="244" name="Google Shape;244;p32"/>
+          <p:cNvCxnSpPr/>
+          <p:nvPr/>
+        </p:nvCxnSpPr>
+        <p:spPr>
+          <a:xfrm>
+            <a:off x="323850" y="1352550"/>
+            <a:ext cx="6305700" cy="0"/>
+          </a:xfrm>
+          <a:prstGeom prst="straightConnector1">
+            <a:avLst/>
+          </a:prstGeom>
+          <a:noFill/>
+          <a:ln cap="flat" cmpd="sng" w="9525">
+            <a:solidFill>
+              <a:schemeClr val="lt1"/>
+            </a:solidFill>
+            <a:prstDash val="solid"/>
+            <a:miter lim="800000"/>
+            <a:headEnd len="sm" w="sm" type="none"/>
+            <a:tailEnd len="sm" w="sm" type="none"/>
+          </a:ln>
+        </p:spPr>
+      </p:cxnSp>
+      <p:pic>
+        <p:nvPicPr>
+          <p:cNvPr id="245" name="Google Shape;245;p32"/>
+          <p:cNvPicPr preferRelativeResize="0"/>
+          <p:nvPr/>
+        </p:nvPicPr>
+        <p:blipFill>
+          <a:blip r:embed="rId4">
+            <a:alphaModFix/>
+          </a:blip>
+          <a:stretch>
+            <a:fillRect/>
+          </a:stretch>
+        </p:blipFill>
+        <p:spPr>
+          <a:xfrm>
+            <a:off x="0" y="1718162"/>
+            <a:ext cx="12192002" cy="5139828"/>
+          </a:xfrm>
+          <a:prstGeom prst="rect">
+            <a:avLst/>
+          </a:prstGeom>
+          <a:noFill/>
+          <a:ln>
+            <a:noFill/>
+          </a:ln>
+        </p:spPr>
+      </p:pic>
+    </p:spTree>
+  </p:cSld>
+  <p:clrMapOvr>
+    <a:masterClrMapping/>
+  </p:clrMapOvr>
+</p:sld>
+</file>
+
+<file path=ppt/slides/slide21.xml><?xml version="1.0" encoding="utf-8"?>
+<p:sld xmlns:a="http://schemas.openxmlformats.org/drawingml/2006/main" xmlns:r="http://schemas.openxmlformats.org/officeDocument/2006/relationships" xmlns:mc="http://schemas.openxmlformats.org/markup-compatibility/2006" xmlns:mv="urn:schemas-microsoft-com:mac:vml" xmlns:p="http://schemas.openxmlformats.org/presentationml/2006/main" xmlns:c="http://schemas.openxmlformats.org/drawingml/2006/chart" xmlns:dgm="http://schemas.openxmlformats.org/drawingml/2006/diagram" xmlns:o="urn:schemas-microsoft-com:office:office" xmlns:v="urn:schemas-microsoft-com:vml" xmlns:pvml="urn:schemas-microsoft-com:office:powerpoint" xmlns:com="http://schemas.openxmlformats.org/drawingml/2006/compatibility" xmlns:p14="http://schemas.microsoft.com/office/powerpoint/2010/main" xmlns:p15="http://schemas.microsoft.com/office/powerpoint/2012/main" xmlns:ahyp="http://schemas.microsoft.com/office/drawing/2018/hyperlinkcolor">
+  <p:cSld>
+    <p:spTree>
+      <p:nvGrpSpPr>
+        <p:cNvPr id="249" name="Shape 249"/>
+        <p:cNvGrpSpPr/>
+        <p:nvPr/>
+      </p:nvGrpSpPr>
+      <p:grpSpPr>
+        <a:xfrm>
+          <a:off x="0" y="0"/>
+          <a:ext cx="0" cy="0"/>
+          <a:chOff x="0" y="0"/>
+          <a:chExt cx="0" cy="0"/>
+        </a:xfrm>
+      </p:grpSpPr>
+      <p:sp>
+        <p:nvSpPr>
+          <p:cNvPr id="250" name="Google Shape;250;p33"/>
+          <p:cNvSpPr/>
+          <p:nvPr/>
+        </p:nvSpPr>
+        <p:spPr>
+          <a:xfrm>
+            <a:off x="0" y="0"/>
+            <a:ext cx="12192000" cy="6858000"/>
+          </a:xfrm>
+          <a:prstGeom prst="rect">
+            <a:avLst/>
+          </a:prstGeom>
+          <a:solidFill>
+            <a:srgbClr val="15102C"/>
+          </a:solidFill>
+          <a:ln cap="flat" cmpd="sng" w="12700">
+            <a:solidFill>
+              <a:srgbClr val="1C3052"/>
+            </a:solidFill>
+            <a:prstDash val="solid"/>
+            <a:miter lim="800000"/>
+            <a:headEnd len="sm" w="sm" type="none"/>
+            <a:tailEnd len="sm" w="sm" type="none"/>
+          </a:ln>
+        </p:spPr>
+        <p:txBody>
+          <a:bodyPr anchorCtr="0" anchor="ctr" bIns="45700" lIns="91425" spcFirstLastPara="1" rIns="91425" wrap="square" tIns="45700">
+            <a:noAutofit/>
+          </a:bodyPr>
+          <a:lstStyle/>
+          <a:p>
+            <a:pPr indent="0" lvl="0" marL="0" marR="0" rtl="0" algn="ctr">
+              <a:spcBef>
+                <a:spcPts val="0"/>
+              </a:spcBef>
+              <a:spcAft>
+                <a:spcPts val="0"/>
+              </a:spcAft>
+              <a:buNone/>
+            </a:pPr>
+            <a:r>
+              <a:t/>
+            </a:r>
+            <a:endParaRPr sz="1800">
+              <a:solidFill>
+                <a:schemeClr val="lt1"/>
+              </a:solidFill>
+              <a:latin typeface="Calibri"/>
+              <a:ea typeface="Calibri"/>
+              <a:cs typeface="Calibri"/>
+              <a:sym typeface="Calibri"/>
+            </a:endParaRPr>
+          </a:p>
+        </p:txBody>
+      </p:sp>
+      <p:sp>
+        <p:nvSpPr>
+          <p:cNvPr id="251" name="Google Shape;251;p33"/>
+          <p:cNvSpPr txBox="1"/>
+          <p:nvPr/>
+        </p:nvSpPr>
+        <p:spPr>
+          <a:xfrm>
+            <a:off x="181455" y="872000"/>
+            <a:ext cx="11915100" cy="461700"/>
+          </a:xfrm>
+          <a:prstGeom prst="rect">
+            <a:avLst/>
+          </a:prstGeom>
+          <a:noFill/>
+          <a:ln>
+            <a:noFill/>
+          </a:ln>
+        </p:spPr>
+        <p:txBody>
+          <a:bodyPr anchorCtr="0" anchor="t" bIns="45700" lIns="91425" spcFirstLastPara="1" rIns="91425" wrap="square" tIns="45700">
+            <a:spAutoFit/>
+          </a:bodyPr>
+          <a:lstStyle/>
+          <a:p>
+            <a:pPr indent="0" lvl="0" marL="0" marR="0" rtl="0" algn="l">
+              <a:spcBef>
+                <a:spcPts val="0"/>
+              </a:spcBef>
+              <a:spcAft>
+                <a:spcPts val="0"/>
+              </a:spcAft>
+              <a:buNone/>
+            </a:pPr>
+            <a:r>
+              <a:rPr b="1" lang="en-IN" sz="2400">
+                <a:solidFill>
+                  <a:schemeClr val="lt1"/>
+                </a:solidFill>
+              </a:rPr>
+              <a:t>HP-Capstone(SR) Summary in SR - JIRA - Board</a:t>
+            </a:r>
+            <a:endParaRPr b="1" sz="2400">
+              <a:solidFill>
+                <a:schemeClr val="lt1"/>
+              </a:solidFill>
+              <a:latin typeface="Arial"/>
+              <a:ea typeface="Arial"/>
+              <a:cs typeface="Arial"/>
+              <a:sym typeface="Arial"/>
+            </a:endParaRPr>
+          </a:p>
+        </p:txBody>
+      </p:sp>
+      <p:pic>
+        <p:nvPicPr>
+          <p:cNvPr id="252" name="Google Shape;252;p33"/>
+          <p:cNvPicPr preferRelativeResize="0"/>
+          <p:nvPr/>
+        </p:nvPicPr>
+        <p:blipFill rotWithShape="1">
+          <a:blip r:embed="rId3">
+            <a:alphaModFix/>
+          </a:blip>
+          <a:srcRect b="0" l="0" r="0" t="0"/>
+          <a:stretch/>
+        </p:blipFill>
+        <p:spPr>
+          <a:xfrm>
+            <a:off x="10347" y="0"/>
+            <a:ext cx="2401375" cy="902226"/>
+          </a:xfrm>
+          <a:prstGeom prst="rect">
+            <a:avLst/>
+          </a:prstGeom>
+          <a:noFill/>
+          <a:ln>
+            <a:noFill/>
+          </a:ln>
+        </p:spPr>
+      </p:pic>
+      <p:cxnSp>
+        <p:nvCxnSpPr>
+          <p:cNvPr id="253" name="Google Shape;253;p33"/>
+          <p:cNvCxnSpPr/>
+          <p:nvPr/>
+        </p:nvCxnSpPr>
+        <p:spPr>
+          <a:xfrm>
+            <a:off x="323850" y="1352550"/>
+            <a:ext cx="6305700" cy="0"/>
+          </a:xfrm>
+          <a:prstGeom prst="straightConnector1">
+            <a:avLst/>
+          </a:prstGeom>
+          <a:noFill/>
+          <a:ln cap="flat" cmpd="sng" w="9525">
+            <a:solidFill>
+              <a:schemeClr val="lt1"/>
+            </a:solidFill>
+            <a:prstDash val="solid"/>
+            <a:miter lim="800000"/>
+            <a:headEnd len="sm" w="sm" type="none"/>
+            <a:tailEnd len="sm" w="sm" type="none"/>
+          </a:ln>
+        </p:spPr>
+      </p:cxnSp>
+      <p:pic>
+        <p:nvPicPr>
+          <p:cNvPr id="254" name="Google Shape;254;p33"/>
+          <p:cNvPicPr preferRelativeResize="0"/>
+          <p:nvPr/>
+        </p:nvPicPr>
+        <p:blipFill>
+          <a:blip r:embed="rId4">
+            <a:alphaModFix/>
+          </a:blip>
+          <a:stretch>
+            <a:fillRect/>
+          </a:stretch>
+        </p:blipFill>
+        <p:spPr>
+          <a:xfrm>
+            <a:off x="181450" y="2179663"/>
+            <a:ext cx="6534150" cy="3800475"/>
+          </a:xfrm>
+          <a:prstGeom prst="rect">
+            <a:avLst/>
+          </a:prstGeom>
+          <a:noFill/>
+          <a:ln>
+            <a:noFill/>
+          </a:ln>
+        </p:spPr>
+      </p:pic>
+      <p:sp>
+        <p:nvSpPr>
+          <p:cNvPr id="255" name="Google Shape;255;p33"/>
+          <p:cNvSpPr txBox="1"/>
+          <p:nvPr/>
+        </p:nvSpPr>
+        <p:spPr>
+          <a:xfrm>
+            <a:off x="181450" y="1525825"/>
+            <a:ext cx="11158800" cy="461700"/>
+          </a:xfrm>
+          <a:prstGeom prst="rect">
+            <a:avLst/>
+          </a:prstGeom>
+          <a:noFill/>
+          <a:ln>
+            <a:noFill/>
+          </a:ln>
+        </p:spPr>
+        <p:txBody>
+          <a:bodyPr anchorCtr="0" anchor="t" bIns="91425" lIns="91425" spcFirstLastPara="1" rIns="91425" wrap="square" tIns="91425">
+            <a:noAutofit/>
+          </a:bodyPr>
+          <a:lstStyle/>
+          <a:p>
+            <a:pPr indent="0" lvl="0" marL="0" rtl="0" algn="l">
+              <a:spcBef>
+                <a:spcPts val="0"/>
+              </a:spcBef>
+              <a:spcAft>
+                <a:spcPts val="0"/>
+              </a:spcAft>
+              <a:buNone/>
+            </a:pPr>
+            <a:r>
+              <a:rPr lang="en-IN" sz="1700">
+                <a:solidFill>
+                  <a:schemeClr val="lt1"/>
+                </a:solidFill>
+              </a:rPr>
+              <a:t>JIRA is leveraged for agile sprint tracking, task management, and test execution visibility using the </a:t>
+            </a:r>
+            <a:r>
+              <a:rPr b="1" lang="en-IN" sz="1700">
+                <a:solidFill>
+                  <a:schemeClr val="lt1"/>
+                </a:solidFill>
+              </a:rPr>
+              <a:t>Xray plugin</a:t>
+            </a:r>
+            <a:r>
+              <a:rPr lang="en-IN" sz="1700">
+                <a:solidFill>
+                  <a:schemeClr val="lt1"/>
+                </a:solidFill>
+              </a:rPr>
+              <a:t>.</a:t>
+            </a:r>
+            <a:endParaRPr sz="3400">
+              <a:solidFill>
+                <a:schemeClr val="lt1"/>
+              </a:solidFill>
+              <a:latin typeface="Calibri"/>
+              <a:ea typeface="Calibri"/>
+              <a:cs typeface="Calibri"/>
+              <a:sym typeface="Calibri"/>
+            </a:endParaRPr>
+          </a:p>
+        </p:txBody>
+      </p:sp>
+      <p:sp>
+        <p:nvSpPr>
+          <p:cNvPr id="256" name="Google Shape;256;p33"/>
+          <p:cNvSpPr txBox="1"/>
+          <p:nvPr/>
+        </p:nvSpPr>
+        <p:spPr>
+          <a:xfrm>
+            <a:off x="7028475" y="2200750"/>
+            <a:ext cx="4974900" cy="4463400"/>
+          </a:xfrm>
+          <a:prstGeom prst="rect">
+            <a:avLst/>
+          </a:prstGeom>
+          <a:noFill/>
+          <a:ln>
+            <a:noFill/>
+          </a:ln>
+        </p:spPr>
+        <p:txBody>
+          <a:bodyPr anchorCtr="0" anchor="t" bIns="91425" lIns="91425" spcFirstLastPara="1" rIns="91425" wrap="square" tIns="91425">
+            <a:noAutofit/>
+          </a:bodyPr>
+          <a:lstStyle/>
+          <a:p>
+            <a:pPr indent="0" lvl="0" marL="0" rtl="0" algn="l">
+              <a:lnSpc>
+                <a:spcPct val="115000"/>
+              </a:lnSpc>
+              <a:spcBef>
+                <a:spcPts val="1400"/>
+              </a:spcBef>
+              <a:spcAft>
+                <a:spcPts val="0"/>
+              </a:spcAft>
+              <a:buClr>
+                <a:schemeClr val="dk1"/>
+              </a:buClr>
+              <a:buSzPts val="1100"/>
+              <a:buFont typeface="Arial"/>
+              <a:buNone/>
+            </a:pPr>
+            <a:r>
+              <a:rPr b="1" lang="en-IN" sz="1700">
+                <a:solidFill>
+                  <a:schemeClr val="lt1"/>
+                </a:solidFill>
+              </a:rPr>
+              <a:t>Key Artifacts Tracked:</a:t>
+            </a:r>
+            <a:endParaRPr b="1" sz="1700">
+              <a:solidFill>
+                <a:schemeClr val="lt1"/>
+              </a:solidFill>
+            </a:endParaRPr>
+          </a:p>
+          <a:p>
+            <a:pPr indent="-323850" lvl="0" marL="457200" rtl="0" algn="l">
+              <a:lnSpc>
+                <a:spcPct val="115000"/>
+              </a:lnSpc>
+              <a:spcBef>
+                <a:spcPts val="1200"/>
+              </a:spcBef>
+              <a:spcAft>
+                <a:spcPts val="0"/>
+              </a:spcAft>
+              <a:buClr>
+                <a:schemeClr val="lt1"/>
+              </a:buClr>
+              <a:buSzPts val="1500"/>
+              <a:buChar char="●"/>
+            </a:pPr>
+            <a:r>
+              <a:rPr b="1" lang="en-IN" sz="1500">
+                <a:solidFill>
+                  <a:schemeClr val="lt1"/>
+                </a:solidFill>
+              </a:rPr>
+              <a:t>Sprint Summary</a:t>
+            </a:r>
+            <a:r>
+              <a:rPr lang="en-IN" sz="1500">
+                <a:solidFill>
+                  <a:schemeClr val="lt1"/>
+                </a:solidFill>
+              </a:rPr>
+              <a:t> &amp; </a:t>
+            </a:r>
+            <a:r>
+              <a:rPr b="1" lang="en-IN" sz="1500">
+                <a:solidFill>
+                  <a:schemeClr val="lt1"/>
+                </a:solidFill>
+              </a:rPr>
+              <a:t>Active Sprint View</a:t>
+            </a:r>
+            <a:br>
+              <a:rPr b="1" lang="en-IN" sz="1500">
+                <a:solidFill>
+                  <a:schemeClr val="lt1"/>
+                </a:solidFill>
+              </a:rPr>
+            </a:br>
+            <a:endParaRPr b="1" sz="1500">
+              <a:solidFill>
+                <a:schemeClr val="lt1"/>
+              </a:solidFill>
+            </a:endParaRPr>
+          </a:p>
+          <a:p>
+            <a:pPr indent="-323850" lvl="0" marL="457200" rtl="0" algn="l">
+              <a:lnSpc>
+                <a:spcPct val="115000"/>
+              </a:lnSpc>
+              <a:spcBef>
+                <a:spcPts val="0"/>
+              </a:spcBef>
+              <a:spcAft>
+                <a:spcPts val="0"/>
+              </a:spcAft>
+              <a:buClr>
+                <a:schemeClr val="lt1"/>
+              </a:buClr>
+              <a:buSzPts val="1500"/>
+              <a:buChar char="●"/>
+            </a:pPr>
+            <a:r>
+              <a:rPr b="1" lang="en-IN" sz="1500">
+                <a:solidFill>
+                  <a:schemeClr val="lt1"/>
+                </a:solidFill>
+              </a:rPr>
+              <a:t>Epics, Stories, Tasks</a:t>
+            </a:r>
+            <a:r>
+              <a:rPr lang="en-IN" sz="1500">
+                <a:solidFill>
+                  <a:schemeClr val="lt1"/>
+                </a:solidFill>
+              </a:rPr>
+              <a:t>, and </a:t>
+            </a:r>
+            <a:r>
+              <a:rPr b="1" lang="en-IN" sz="1500">
+                <a:solidFill>
+                  <a:schemeClr val="lt1"/>
+                </a:solidFill>
+              </a:rPr>
+              <a:t>Backlog Items</a:t>
+            </a:r>
+            <a:br>
+              <a:rPr b="1" lang="en-IN" sz="1500">
+                <a:solidFill>
+                  <a:schemeClr val="lt1"/>
+                </a:solidFill>
+              </a:rPr>
+            </a:br>
+            <a:endParaRPr b="1" sz="1500">
+              <a:solidFill>
+                <a:schemeClr val="lt1"/>
+              </a:solidFill>
+            </a:endParaRPr>
+          </a:p>
+          <a:p>
+            <a:pPr indent="-323850" lvl="0" marL="457200" rtl="0" algn="l">
+              <a:lnSpc>
+                <a:spcPct val="115000"/>
+              </a:lnSpc>
+              <a:spcBef>
+                <a:spcPts val="0"/>
+              </a:spcBef>
+              <a:spcAft>
+                <a:spcPts val="0"/>
+              </a:spcAft>
+              <a:buClr>
+                <a:schemeClr val="lt1"/>
+              </a:buClr>
+              <a:buSzPts val="1500"/>
+              <a:buChar char="●"/>
+            </a:pPr>
+            <a:r>
+              <a:rPr b="1" lang="en-IN" sz="1500">
+                <a:solidFill>
+                  <a:schemeClr val="lt1"/>
+                </a:solidFill>
+              </a:rPr>
+              <a:t>Test Cases, Executions</a:t>
+            </a:r>
+            <a:r>
+              <a:rPr lang="en-IN" sz="1500">
+                <a:solidFill>
+                  <a:schemeClr val="lt1"/>
+                </a:solidFill>
+              </a:rPr>
+              <a:t>, and </a:t>
+            </a:r>
+            <a:r>
+              <a:rPr b="1" lang="en-IN" sz="1500">
+                <a:solidFill>
+                  <a:schemeClr val="lt1"/>
+                </a:solidFill>
+              </a:rPr>
+              <a:t>Pre-conditions</a:t>
+            </a:r>
+            <a:r>
+              <a:rPr lang="en-IN" sz="1500">
+                <a:solidFill>
+                  <a:schemeClr val="lt1"/>
+                </a:solidFill>
+              </a:rPr>
+              <a:t> (via Xray)</a:t>
+            </a:r>
+            <a:br>
+              <a:rPr lang="en-IN" sz="1500">
+                <a:solidFill>
+                  <a:schemeClr val="lt1"/>
+                </a:solidFill>
+              </a:rPr>
+            </a:br>
+            <a:endParaRPr sz="1500">
+              <a:solidFill>
+                <a:schemeClr val="lt1"/>
+              </a:solidFill>
+            </a:endParaRPr>
+          </a:p>
+          <a:p>
+            <a:pPr indent="-323850" lvl="0" marL="457200" rtl="0" algn="l">
+              <a:lnSpc>
+                <a:spcPct val="115000"/>
+              </a:lnSpc>
+              <a:spcBef>
+                <a:spcPts val="0"/>
+              </a:spcBef>
+              <a:spcAft>
+                <a:spcPts val="0"/>
+              </a:spcAft>
+              <a:buClr>
+                <a:schemeClr val="lt1"/>
+              </a:buClr>
+              <a:buSzPts val="1500"/>
+              <a:buChar char="●"/>
+            </a:pPr>
+            <a:r>
+              <a:rPr b="1" lang="en-IN" sz="1500">
+                <a:solidFill>
+                  <a:schemeClr val="lt1"/>
+                </a:solidFill>
+              </a:rPr>
+              <a:t>Bug Reports</a:t>
+            </a:r>
+            <a:r>
+              <a:rPr lang="en-IN" sz="1500">
+                <a:solidFill>
+                  <a:schemeClr val="lt1"/>
+                </a:solidFill>
+              </a:rPr>
+              <a:t> with status and traceability</a:t>
+            </a:r>
+            <a:br>
+              <a:rPr lang="en-IN" sz="1500">
+                <a:solidFill>
+                  <a:schemeClr val="lt1"/>
+                </a:solidFill>
+              </a:rPr>
+            </a:br>
+            <a:endParaRPr sz="1500">
+              <a:solidFill>
+                <a:schemeClr val="lt1"/>
+              </a:solidFill>
+            </a:endParaRPr>
+          </a:p>
+          <a:p>
+            <a:pPr indent="-323850" lvl="0" marL="457200" rtl="0" algn="l">
+              <a:lnSpc>
+                <a:spcPct val="115000"/>
+              </a:lnSpc>
+              <a:spcBef>
+                <a:spcPts val="0"/>
+              </a:spcBef>
+              <a:spcAft>
+                <a:spcPts val="0"/>
+              </a:spcAft>
+              <a:buClr>
+                <a:schemeClr val="lt1"/>
+              </a:buClr>
+              <a:buSzPts val="1500"/>
+              <a:buChar char="●"/>
+            </a:pPr>
+            <a:r>
+              <a:rPr b="1" lang="en-IN" sz="1500">
+                <a:solidFill>
+                  <a:schemeClr val="lt1"/>
+                </a:solidFill>
+              </a:rPr>
+              <a:t>Dashboards &amp; Custom Filters</a:t>
+            </a:r>
+            <a:r>
+              <a:rPr lang="en-IN" sz="1500">
+                <a:solidFill>
+                  <a:schemeClr val="lt1"/>
+                </a:solidFill>
+              </a:rPr>
+              <a:t> with execution screenshots</a:t>
+            </a:r>
+            <a:endParaRPr sz="1500">
+              <a:solidFill>
+                <a:schemeClr val="lt1"/>
+              </a:solidFill>
+            </a:endParaRPr>
+          </a:p>
+          <a:p>
+            <a:pPr indent="0" lvl="0" marL="0" rtl="0" algn="l">
+              <a:spcBef>
+                <a:spcPts val="1200"/>
+              </a:spcBef>
+              <a:spcAft>
+                <a:spcPts val="0"/>
+              </a:spcAft>
+              <a:buNone/>
+            </a:pPr>
+            <a:r>
+              <a:t/>
+            </a:r>
+            <a:endParaRPr sz="3200">
+              <a:solidFill>
+                <a:schemeClr val="lt1"/>
+              </a:solidFill>
+              <a:latin typeface="Calibri"/>
+              <a:ea typeface="Calibri"/>
+              <a:cs typeface="Calibri"/>
+              <a:sym typeface="Calibri"/>
+            </a:endParaRPr>
+          </a:p>
+        </p:txBody>
+      </p:sp>
+    </p:spTree>
+  </p:cSld>
+  <p:clrMapOvr>
+    <a:masterClrMapping/>
+  </p:clrMapOvr>
+</p:sld>
+</file>
+
+<file path=ppt/slides/slide22.xml><?xml version="1.0" encoding="utf-8"?>
+<p:sld xmlns:a="http://schemas.openxmlformats.org/drawingml/2006/main" xmlns:r="http://schemas.openxmlformats.org/officeDocument/2006/relationships" xmlns:mc="http://schemas.openxmlformats.org/markup-compatibility/2006" xmlns:mv="urn:schemas-microsoft-com:mac:vml" xmlns:p="http://schemas.openxmlformats.org/presentationml/2006/main" xmlns:c="http://schemas.openxmlformats.org/drawingml/2006/chart" xmlns:dgm="http://schemas.openxmlformats.org/drawingml/2006/diagram" xmlns:o="urn:schemas-microsoft-com:office:office" xmlns:v="urn:schemas-microsoft-com:vml" xmlns:pvml="urn:schemas-microsoft-com:office:powerpoint" xmlns:com="http://schemas.openxmlformats.org/drawingml/2006/compatibility" xmlns:p14="http://schemas.microsoft.com/office/powerpoint/2010/main" xmlns:p15="http://schemas.microsoft.com/office/powerpoint/2012/main" xmlns:ahyp="http://schemas.microsoft.com/office/drawing/2018/hyperlinkcolor">
+  <p:cSld>
+    <p:spTree>
+      <p:nvGrpSpPr>
+        <p:cNvPr id="260" name="Shape 260"/>
+        <p:cNvGrpSpPr/>
+        <p:nvPr/>
+      </p:nvGrpSpPr>
+      <p:grpSpPr>
+        <a:xfrm>
+          <a:off x="0" y="0"/>
+          <a:ext cx="0" cy="0"/>
+          <a:chOff x="0" y="0"/>
+          <a:chExt cx="0" cy="0"/>
+        </a:xfrm>
+      </p:grpSpPr>
+      <p:sp>
+        <p:nvSpPr>
+          <p:cNvPr id="261" name="Google Shape;261;p34"/>
+          <p:cNvSpPr/>
+          <p:nvPr/>
+        </p:nvSpPr>
+        <p:spPr>
+          <a:xfrm>
+            <a:off x="0" y="0"/>
+            <a:ext cx="12192000" cy="6858000"/>
+          </a:xfrm>
+          <a:prstGeom prst="rect">
+            <a:avLst/>
+          </a:prstGeom>
+          <a:solidFill>
+            <a:srgbClr val="15102C"/>
+          </a:solidFill>
+          <a:ln cap="flat" cmpd="sng" w="12700">
+            <a:solidFill>
+              <a:srgbClr val="1C3052"/>
+            </a:solidFill>
+            <a:prstDash val="solid"/>
+            <a:miter lim="800000"/>
+            <a:headEnd len="sm" w="sm" type="none"/>
+            <a:tailEnd len="sm" w="sm" type="none"/>
+          </a:ln>
+        </p:spPr>
+        <p:txBody>
+          <a:bodyPr anchorCtr="0" anchor="ctr" bIns="45700" lIns="91425" spcFirstLastPara="1" rIns="91425" wrap="square" tIns="45700">
+            <a:noAutofit/>
+          </a:bodyPr>
+          <a:lstStyle/>
+          <a:p>
+            <a:pPr indent="0" lvl="0" marL="0" marR="0" rtl="0" algn="ctr">
+              <a:spcBef>
+                <a:spcPts val="0"/>
+              </a:spcBef>
+              <a:spcAft>
+                <a:spcPts val="0"/>
+              </a:spcAft>
+              <a:buNone/>
+            </a:pPr>
+            <a:r>
+              <a:t/>
+            </a:r>
+            <a:endParaRPr sz="1800">
+              <a:solidFill>
+                <a:schemeClr val="lt1"/>
+              </a:solidFill>
+              <a:latin typeface="Calibri"/>
+              <a:ea typeface="Calibri"/>
+              <a:cs typeface="Calibri"/>
+              <a:sym typeface="Calibri"/>
+            </a:endParaRPr>
+          </a:p>
+        </p:txBody>
+      </p:sp>
+      <p:sp>
+        <p:nvSpPr>
+          <p:cNvPr id="262" name="Google Shape;262;p34"/>
+          <p:cNvSpPr txBox="1"/>
+          <p:nvPr/>
+        </p:nvSpPr>
+        <p:spPr>
+          <a:xfrm>
+            <a:off x="181439" y="872000"/>
+            <a:ext cx="8091704" cy="461665"/>
+          </a:xfrm>
+          <a:prstGeom prst="rect">
+            <a:avLst/>
+          </a:prstGeom>
+          <a:noFill/>
+          <a:ln>
+            <a:noFill/>
+          </a:ln>
+        </p:spPr>
+        <p:txBody>
+          <a:bodyPr anchorCtr="0" anchor="t" bIns="45700" lIns="91425" spcFirstLastPara="1" rIns="91425" wrap="square" tIns="45700">
+            <a:spAutoFit/>
+          </a:bodyPr>
+          <a:lstStyle/>
+          <a:p>
+            <a:pPr indent="0" lvl="0" marL="0" marR="0" rtl="0" algn="l">
+              <a:spcBef>
+                <a:spcPts val="0"/>
+              </a:spcBef>
+              <a:spcAft>
+                <a:spcPts val="0"/>
+              </a:spcAft>
+              <a:buNone/>
+            </a:pPr>
+            <a:r>
+              <a:rPr b="1" lang="en-IN" sz="2400">
+                <a:solidFill>
+                  <a:schemeClr val="lt1"/>
+                </a:solidFill>
+                <a:latin typeface="Arial"/>
+                <a:ea typeface="Arial"/>
+                <a:cs typeface="Arial"/>
+                <a:sym typeface="Arial"/>
+              </a:rPr>
+              <a:t>Conclusion</a:t>
+            </a:r>
+            <a:endParaRPr b="1" sz="2400">
+              <a:solidFill>
+                <a:schemeClr val="lt1"/>
+              </a:solidFill>
+              <a:latin typeface="Arial"/>
+              <a:ea typeface="Arial"/>
+              <a:cs typeface="Arial"/>
+              <a:sym typeface="Arial"/>
+            </a:endParaRPr>
+          </a:p>
+        </p:txBody>
+      </p:sp>
+      <p:pic>
+        <p:nvPicPr>
+          <p:cNvPr id="263" name="Google Shape;263;p34"/>
+          <p:cNvPicPr preferRelativeResize="0"/>
+          <p:nvPr/>
+        </p:nvPicPr>
+        <p:blipFill rotWithShape="1">
+          <a:blip r:embed="rId3">
+            <a:alphaModFix/>
+          </a:blip>
+          <a:srcRect b="0" l="0" r="0" t="0"/>
+          <a:stretch/>
+        </p:blipFill>
+        <p:spPr>
+          <a:xfrm>
+            <a:off x="10347" y="0"/>
+            <a:ext cx="2401377" cy="902226"/>
+          </a:xfrm>
+          <a:prstGeom prst="rect">
+            <a:avLst/>
+          </a:prstGeom>
+          <a:noFill/>
+          <a:ln>
+            <a:noFill/>
+          </a:ln>
+        </p:spPr>
+      </p:pic>
+      <p:cxnSp>
+        <p:nvCxnSpPr>
+          <p:cNvPr id="264" name="Google Shape;264;p34"/>
+          <p:cNvCxnSpPr/>
+          <p:nvPr/>
+        </p:nvCxnSpPr>
+        <p:spPr>
+          <a:xfrm>
+            <a:off x="323850" y="1352550"/>
+            <a:ext cx="6305550" cy="0"/>
+          </a:xfrm>
+          <a:prstGeom prst="straightConnector1">
+            <a:avLst/>
+          </a:prstGeom>
+          <a:noFill/>
+          <a:ln cap="flat" cmpd="sng" w="9525">
+            <a:solidFill>
+              <a:schemeClr val="lt1"/>
+            </a:solidFill>
+            <a:prstDash val="solid"/>
+            <a:miter lim="800000"/>
+            <a:headEnd len="sm" w="sm" type="none"/>
+            <a:tailEnd len="sm" w="sm" type="none"/>
+          </a:ln>
+        </p:spPr>
+      </p:cxnSp>
+      <p:sp>
+        <p:nvSpPr>
+          <p:cNvPr id="265" name="Google Shape;265;p34"/>
+          <p:cNvSpPr txBox="1"/>
+          <p:nvPr/>
+        </p:nvSpPr>
+        <p:spPr>
+          <a:xfrm>
+            <a:off x="379700" y="1526575"/>
+            <a:ext cx="10531200" cy="5067900"/>
+          </a:xfrm>
+          <a:prstGeom prst="rect">
+            <a:avLst/>
+          </a:prstGeom>
+          <a:noFill/>
+          <a:ln>
+            <a:noFill/>
+          </a:ln>
+        </p:spPr>
+        <p:txBody>
+          <a:bodyPr anchorCtr="0" anchor="t" bIns="91425" lIns="91425" spcFirstLastPara="1" rIns="91425" wrap="square" tIns="91425">
+            <a:noAutofit/>
+          </a:bodyPr>
+          <a:lstStyle/>
+          <a:p>
+            <a:pPr indent="-342900" lvl="0" marL="457200" rtl="0" algn="l">
+              <a:spcBef>
+                <a:spcPts val="0"/>
+              </a:spcBef>
+              <a:spcAft>
+                <a:spcPts val="0"/>
+              </a:spcAft>
+              <a:buClr>
+                <a:schemeClr val="lt1"/>
+              </a:buClr>
+              <a:buSzPts val="1800"/>
+              <a:buChar char="●"/>
+            </a:pPr>
+            <a:r>
+              <a:rPr lang="en-IN" sz="1800">
+                <a:solidFill>
+                  <a:schemeClr val="lt1"/>
+                </a:solidFill>
+              </a:rPr>
+              <a:t>Gained comprehensive Quality Engineering skills across manual, automation, API, mobile, and performance testing.</a:t>
+            </a:r>
+            <a:br>
+              <a:rPr lang="en-IN" sz="1800">
+                <a:solidFill>
+                  <a:schemeClr val="lt1"/>
+                </a:solidFill>
+              </a:rPr>
+            </a:br>
+            <a:endParaRPr sz="1800">
+              <a:solidFill>
+                <a:schemeClr val="lt1"/>
+              </a:solidFill>
+            </a:endParaRPr>
+          </a:p>
+          <a:p>
+            <a:pPr indent="-342900" lvl="0" marL="457200" rtl="0" algn="l">
+              <a:spcBef>
+                <a:spcPts val="0"/>
+              </a:spcBef>
+              <a:spcAft>
+                <a:spcPts val="0"/>
+              </a:spcAft>
+              <a:buClr>
+                <a:schemeClr val="lt1"/>
+              </a:buClr>
+              <a:buSzPts val="1800"/>
+              <a:buChar char="●"/>
+            </a:pPr>
+            <a:r>
+              <a:rPr lang="en-IN" sz="1800">
+                <a:solidFill>
+                  <a:schemeClr val="lt1"/>
+                </a:solidFill>
+              </a:rPr>
+              <a:t>Developed and maintained scalable test automation frameworks using industry tools and best practices.</a:t>
+            </a:r>
+            <a:br>
+              <a:rPr lang="en-IN" sz="1800">
+                <a:solidFill>
+                  <a:schemeClr val="lt1"/>
+                </a:solidFill>
+              </a:rPr>
+            </a:br>
+            <a:endParaRPr sz="1800">
+              <a:solidFill>
+                <a:schemeClr val="lt1"/>
+              </a:solidFill>
+            </a:endParaRPr>
+          </a:p>
+          <a:p>
+            <a:pPr indent="-342900" lvl="0" marL="457200" rtl="0" algn="l">
+              <a:spcBef>
+                <a:spcPts val="0"/>
+              </a:spcBef>
+              <a:spcAft>
+                <a:spcPts val="0"/>
+              </a:spcAft>
+              <a:buClr>
+                <a:schemeClr val="lt1"/>
+              </a:buClr>
+              <a:buSzPts val="1800"/>
+              <a:buChar char="●"/>
+            </a:pPr>
+            <a:r>
+              <a:rPr lang="en-IN" sz="1800">
+                <a:solidFill>
+                  <a:schemeClr val="lt1"/>
+                </a:solidFill>
+              </a:rPr>
+              <a:t>Integrated testing solutions within agile workflows and CI/CD pipelines for continuous quality assurance.</a:t>
+            </a:r>
+            <a:br>
+              <a:rPr lang="en-IN" sz="1800">
+                <a:solidFill>
+                  <a:schemeClr val="lt1"/>
+                </a:solidFill>
+              </a:rPr>
+            </a:br>
+            <a:endParaRPr sz="1800">
+              <a:solidFill>
+                <a:schemeClr val="lt1"/>
+              </a:solidFill>
+            </a:endParaRPr>
+          </a:p>
+          <a:p>
+            <a:pPr indent="-342900" lvl="0" marL="457200" rtl="0" algn="l">
+              <a:spcBef>
+                <a:spcPts val="0"/>
+              </a:spcBef>
+              <a:spcAft>
+                <a:spcPts val="0"/>
+              </a:spcAft>
+              <a:buClr>
+                <a:schemeClr val="lt1"/>
+              </a:buClr>
+              <a:buSzPts val="1800"/>
+              <a:buChar char="●"/>
+            </a:pPr>
+            <a:r>
+              <a:rPr lang="en-IN" sz="1800">
+                <a:solidFill>
+                  <a:schemeClr val="lt1"/>
+                </a:solidFill>
+              </a:rPr>
+              <a:t>Managed end-to-end test execution, reporting, and defect tracking effectively using Jira and Xray.</a:t>
+            </a:r>
+            <a:br>
+              <a:rPr lang="en-IN" sz="1800">
+                <a:solidFill>
+                  <a:schemeClr val="lt1"/>
+                </a:solidFill>
+              </a:rPr>
+            </a:br>
+            <a:endParaRPr sz="1800">
+              <a:solidFill>
+                <a:schemeClr val="lt1"/>
+              </a:solidFill>
+            </a:endParaRPr>
+          </a:p>
+          <a:p>
+            <a:pPr indent="-342900" lvl="0" marL="457200" rtl="0" algn="l">
+              <a:spcBef>
+                <a:spcPts val="0"/>
+              </a:spcBef>
+              <a:spcAft>
+                <a:spcPts val="0"/>
+              </a:spcAft>
+              <a:buClr>
+                <a:schemeClr val="lt1"/>
+              </a:buClr>
+              <a:buSzPts val="1800"/>
+              <a:buChar char="●"/>
+            </a:pPr>
+            <a:r>
+              <a:rPr lang="en-IN" sz="1800">
+                <a:solidFill>
+                  <a:schemeClr val="lt1"/>
+                </a:solidFill>
+              </a:rPr>
+              <a:t>Applied DevOps testing strategies like Shift-Left and Shift-Right for early and continuous feedback.</a:t>
+            </a:r>
+            <a:br>
+              <a:rPr lang="en-IN" sz="1800">
+                <a:solidFill>
+                  <a:schemeClr val="lt1"/>
+                </a:solidFill>
+              </a:rPr>
+            </a:br>
+            <a:endParaRPr sz="1800">
+              <a:solidFill>
+                <a:schemeClr val="lt1"/>
+              </a:solidFill>
+            </a:endParaRPr>
+          </a:p>
+          <a:p>
+            <a:pPr indent="-342900" lvl="0" marL="457200" rtl="0" algn="l">
+              <a:spcBef>
+                <a:spcPts val="0"/>
+              </a:spcBef>
+              <a:spcAft>
+                <a:spcPts val="0"/>
+              </a:spcAft>
+              <a:buClr>
+                <a:schemeClr val="lt1"/>
+              </a:buClr>
+              <a:buSzPts val="1800"/>
+              <a:buChar char="●"/>
+            </a:pPr>
+            <a:r>
+              <a:rPr lang="en-IN" sz="1800">
+                <a:solidFill>
+                  <a:schemeClr val="lt1"/>
+                </a:solidFill>
+              </a:rPr>
+              <a:t>Built readiness to deliver robust, maintainable, and scalable testing solutions in real-world projects.</a:t>
+            </a:r>
+            <a:br>
+              <a:rPr lang="en-IN" sz="1800">
+                <a:solidFill>
+                  <a:schemeClr val="lt1"/>
+                </a:solidFill>
+              </a:rPr>
+            </a:br>
+            <a:endParaRPr sz="1800">
+              <a:solidFill>
+                <a:schemeClr val="lt1"/>
+              </a:solidFill>
+            </a:endParaRPr>
+          </a:p>
+          <a:p>
+            <a:pPr indent="-342900" lvl="0" marL="457200" rtl="0" algn="l">
+              <a:spcBef>
+                <a:spcPts val="0"/>
+              </a:spcBef>
+              <a:spcAft>
+                <a:spcPts val="0"/>
+              </a:spcAft>
+              <a:buClr>
+                <a:schemeClr val="lt1"/>
+              </a:buClr>
+              <a:buSzPts val="1800"/>
+              <a:buChar char="●"/>
+            </a:pPr>
+            <a:r>
+              <a:rPr lang="en-IN" sz="1800">
+                <a:solidFill>
+                  <a:schemeClr val="lt1"/>
+                </a:solidFill>
+              </a:rPr>
+              <a:t>Strengthened practical experience with mobile automation and performance testing tools.</a:t>
+            </a:r>
+            <a:endParaRPr sz="1800">
+              <a:solidFill>
+                <a:schemeClr val="lt1"/>
+              </a:solidFill>
+            </a:endParaRPr>
+          </a:p>
+        </p:txBody>
+      </p:sp>
+    </p:spTree>
+  </p:cSld>
+  <p:clrMapOvr>
+    <a:masterClrMapping/>
+  </p:clrMapOvr>
+</p:sld>
+</file>
+
+<file path=ppt/slides/slide23.xml><?xml version="1.0" encoding="utf-8"?>
+<p:sld xmlns:a="http://schemas.openxmlformats.org/drawingml/2006/main" xmlns:r="http://schemas.openxmlformats.org/officeDocument/2006/relationships" xmlns:mc="http://schemas.openxmlformats.org/markup-compatibility/2006" xmlns:mv="urn:schemas-microsoft-com:mac:vml" xmlns:p="http://schemas.openxmlformats.org/presentationml/2006/main" xmlns:c="http://schemas.openxmlformats.org/drawingml/2006/chart" xmlns:dgm="http://schemas.openxmlformats.org/drawingml/2006/diagram" xmlns:o="urn:schemas-microsoft-com:office:office" xmlns:v="urn:schemas-microsoft-com:vml" xmlns:pvml="urn:schemas-microsoft-com:office:powerpoint" xmlns:com="http://schemas.openxmlformats.org/drawingml/2006/compatibility" xmlns:p14="http://schemas.microsoft.com/office/powerpoint/2010/main" xmlns:p15="http://schemas.microsoft.com/office/powerpoint/2012/main" xmlns:ahyp="http://schemas.microsoft.com/office/drawing/2018/hyperlinkcolor">
+  <p:cSld>
+    <p:spTree>
+      <p:nvGrpSpPr>
+        <p:cNvPr id="269" name="Shape 269"/>
+        <p:cNvGrpSpPr/>
+        <p:nvPr/>
+      </p:nvGrpSpPr>
+      <p:grpSpPr>
+        <a:xfrm>
+          <a:off x="0" y="0"/>
+          <a:ext cx="0" cy="0"/>
+          <a:chOff x="0" y="0"/>
+          <a:chExt cx="0" cy="0"/>
+        </a:xfrm>
+      </p:grpSpPr>
+      <p:sp>
+        <p:nvSpPr>
+          <p:cNvPr id="270" name="Google Shape;270;p35"/>
+          <p:cNvSpPr txBox="1"/>
+          <p:nvPr/>
+        </p:nvSpPr>
+        <p:spPr>
+          <a:xfrm>
+            <a:off x="1" y="2028617"/>
+            <a:ext cx="5505450" cy="2800767"/>
+          </a:xfrm>
+          <a:prstGeom prst="rect">
+            <a:avLst/>
+          </a:prstGeom>
+          <a:noFill/>
+          <a:ln>
+            <a:noFill/>
+          </a:ln>
+        </p:spPr>
+        <p:txBody>
+          <a:bodyPr anchorCtr="0" anchor="t" bIns="45700" lIns="91425" spcFirstLastPara="1" rIns="91425" wrap="square" tIns="45700">
+            <a:spAutoFit/>
+          </a:bodyPr>
+          <a:lstStyle/>
+          <a:p>
+            <a:pPr indent="0" lvl="0" marL="0" marR="0" rtl="0" algn="ctr">
+              <a:spcBef>
+                <a:spcPts val="0"/>
+              </a:spcBef>
+              <a:spcAft>
+                <a:spcPts val="0"/>
+              </a:spcAft>
+              <a:buNone/>
+            </a:pPr>
+            <a:r>
+              <a:rPr b="1" lang="en-IN" sz="8800">
+                <a:solidFill>
+                  <a:schemeClr val="lt1"/>
+                </a:solidFill>
+                <a:latin typeface="Arial"/>
+                <a:ea typeface="Arial"/>
+                <a:cs typeface="Arial"/>
+                <a:sym typeface="Arial"/>
+              </a:rPr>
+              <a:t>Thank You</a:t>
+            </a:r>
+            <a:endParaRPr b="1" sz="11500">
+              <a:solidFill>
+                <a:schemeClr val="lt1"/>
+              </a:solidFill>
+              <a:latin typeface="Arial"/>
+              <a:ea typeface="Arial"/>
+              <a:cs typeface="Arial"/>
+              <a:sym typeface="Arial"/>
+            </a:endParaRPr>
+          </a:p>
+        </p:txBody>
+      </p:sp>
+      <p:pic>
+        <p:nvPicPr>
+          <p:cNvPr id="271" name="Google Shape;271;p35"/>
+          <p:cNvPicPr preferRelativeResize="0"/>
+          <p:nvPr/>
+        </p:nvPicPr>
+        <p:blipFill rotWithShape="1">
+          <a:blip r:embed="rId3">
+            <a:alphaModFix/>
+          </a:blip>
+          <a:srcRect b="0" l="0" r="0" t="0"/>
+          <a:stretch/>
+        </p:blipFill>
+        <p:spPr>
+          <a:xfrm>
+            <a:off x="9790623" y="0"/>
+            <a:ext cx="2401377" cy="902226"/>
+          </a:xfrm>
+          <a:prstGeom prst="rect">
+            <a:avLst/>
+          </a:prstGeom>
+          <a:noFill/>
+          <a:ln>
+            <a:noFill/>
+          </a:ln>
+        </p:spPr>
+      </p:pic>
+    </p:spTree>
+  </p:cSld>
+  <p:clrMapOvr>
+    <a:masterClrMapping/>
+  </p:clrMapOvr>
+</p:sld>
+</file>
+
 <file path=ppt/slides/slide3.xml><?xml version="1.0" encoding="utf-8"?>
 <p:sld xmlns:a="http://schemas.openxmlformats.org/drawingml/2006/main" xmlns:r="http://schemas.openxmlformats.org/officeDocument/2006/relationships" xmlns:mc="http://schemas.openxmlformats.org/markup-compatibility/2006" xmlns:mv="urn:schemas-microsoft-com:mac:vml" xmlns:p="http://schemas.openxmlformats.org/presentationml/2006/main" xmlns:c="http://schemas.openxmlformats.org/drawingml/2006/chart" xmlns:dgm="http://schemas.openxmlformats.org/drawingml/2006/diagram" xmlns:o="urn:schemas-microsoft-com:office:office" xmlns:v="urn:schemas-microsoft-com:vml" xmlns:pvml="urn:schemas-microsoft-com:office:powerpoint" xmlns:com="http://schemas.openxmlformats.org/drawingml/2006/compatibility" xmlns:p14="http://schemas.microsoft.com/office/powerpoint/2010/main" xmlns:p15="http://schemas.microsoft.com/office/powerpoint/2012/main" xmlns:ahyp="http://schemas.microsoft.com/office/drawing/2018/hyperlinkcolor">
   <p:cSld>
@@ -11062,15 +15060,7 @@
                   <a:schemeClr val="lt1"/>
                 </a:solidFill>
               </a:rPr>
-              <a:t>Login Functionality</a:t>
-            </a:r>
-            <a:r>
-              <a:rPr b="1" lang="en-IN" sz="2400">
-                <a:solidFill>
-                  <a:schemeClr val="lt1"/>
-                </a:solidFill>
-              </a:rPr>
-              <a:t> Page &amp; Test of the Selenium project with screenshots</a:t>
+              <a:t>Selenium Web UI Test Automation – Overview</a:t>
             </a:r>
             <a:endParaRPr sz="2800">
               <a:solidFill>
@@ -11084,66 +15074,583 @@
           </a:p>
         </p:txBody>
       </p:sp>
-      <p:pic>
-        <p:nvPicPr>
+      <p:sp>
+        <p:nvSpPr>
           <p:cNvPr id="101" name="Google Shape;101;p18"/>
-          <p:cNvPicPr preferRelativeResize="0"/>
+          <p:cNvSpPr txBox="1"/>
           <p:nvPr/>
-        </p:nvPicPr>
-        <p:blipFill>
-          <a:blip r:embed="rId4">
-            <a:alphaModFix/>
-          </a:blip>
-          <a:stretch>
-            <a:fillRect/>
-          </a:stretch>
-        </p:blipFill>
-        <p:spPr>
-          <a:xfrm>
-            <a:off x="323850" y="1457575"/>
-            <a:ext cx="5445299" cy="5288475"/>
+        </p:nvSpPr>
+        <p:spPr>
+          <a:xfrm>
+            <a:off x="379700" y="1456850"/>
+            <a:ext cx="5486400" cy="5277300"/>
           </a:xfrm>
           <a:prstGeom prst="rect">
             <a:avLst/>
           </a:prstGeom>
-          <a:solidFill>
-            <a:srgbClr val="15102C"/>
-          </a:solidFill>
+          <a:noFill/>
           <a:ln>
             <a:noFill/>
           </a:ln>
         </p:spPr>
-      </p:pic>
-      <p:pic>
-        <p:nvPicPr>
+        <p:txBody>
+          <a:bodyPr anchorCtr="0" anchor="t" bIns="91425" lIns="91425" spcFirstLastPara="1" rIns="91425" wrap="square" tIns="91425">
+            <a:noAutofit/>
+          </a:bodyPr>
+          <a:lstStyle/>
+          <a:p>
+            <a:pPr indent="0" lvl="0" marL="0" rtl="0" algn="l">
+              <a:lnSpc>
+                <a:spcPct val="115000"/>
+              </a:lnSpc>
+              <a:spcBef>
+                <a:spcPts val="1200"/>
+              </a:spcBef>
+              <a:spcAft>
+                <a:spcPts val="0"/>
+              </a:spcAft>
+              <a:buClr>
+                <a:schemeClr val="dk1"/>
+              </a:buClr>
+              <a:buSzPts val="1100"/>
+              <a:buFont typeface="Arial"/>
+              <a:buNone/>
+            </a:pPr>
+            <a:r>
+              <a:rPr b="1" lang="en-IN" sz="1500">
+                <a:solidFill>
+                  <a:schemeClr val="lt1"/>
+                </a:solidFill>
+              </a:rPr>
+              <a:t>Tech Stack:</a:t>
+            </a:r>
+            <a:r>
+              <a:rPr lang="en-IN" sz="1500">
+                <a:solidFill>
+                  <a:schemeClr val="lt1"/>
+                </a:solidFill>
+              </a:rPr>
+              <a:t> Java • Selenium WebDriver • TestNG • Maven</a:t>
+            </a:r>
+            <a:br>
+              <a:rPr lang="en-IN" sz="1500">
+                <a:solidFill>
+                  <a:schemeClr val="lt1"/>
+                </a:solidFill>
+              </a:rPr>
+            </a:br>
+            <a:r>
+              <a:rPr lang="en-IN" sz="1500">
+                <a:solidFill>
+                  <a:schemeClr val="lt1"/>
+                </a:solidFill>
+              </a:rPr>
+              <a:t> </a:t>
+            </a:r>
+            <a:r>
+              <a:rPr b="1" lang="en-IN" sz="1500">
+                <a:solidFill>
+                  <a:schemeClr val="lt1"/>
+                </a:solidFill>
+              </a:rPr>
+              <a:t>Design Pattern:</a:t>
+            </a:r>
+            <a:r>
+              <a:rPr lang="en-IN" sz="1500">
+                <a:solidFill>
+                  <a:schemeClr val="lt1"/>
+                </a:solidFill>
+              </a:rPr>
+              <a:t> Page Object Model (POM)</a:t>
+            </a:r>
+            <a:endParaRPr sz="1500">
+              <a:solidFill>
+                <a:schemeClr val="lt1"/>
+              </a:solidFill>
+            </a:endParaRPr>
+          </a:p>
+          <a:p>
+            <a:pPr indent="0" lvl="0" marL="0" rtl="0" algn="l">
+              <a:lnSpc>
+                <a:spcPct val="115000"/>
+              </a:lnSpc>
+              <a:spcBef>
+                <a:spcPts val="1200"/>
+              </a:spcBef>
+              <a:spcAft>
+                <a:spcPts val="0"/>
+              </a:spcAft>
+              <a:buClr>
+                <a:schemeClr val="dk1"/>
+              </a:buClr>
+              <a:buSzPts val="1100"/>
+              <a:buFont typeface="Arial"/>
+              <a:buNone/>
+            </a:pPr>
+            <a:r>
+              <a:rPr b="1" lang="en-IN" sz="1500">
+                <a:solidFill>
+                  <a:schemeClr val="lt1"/>
+                </a:solidFill>
+              </a:rPr>
+              <a:t>Features:</a:t>
+            </a:r>
+            <a:endParaRPr b="1" sz="1500">
+              <a:solidFill>
+                <a:schemeClr val="lt1"/>
+              </a:solidFill>
+            </a:endParaRPr>
+          </a:p>
+          <a:p>
+            <a:pPr indent="-323850" lvl="0" marL="457200" rtl="0" algn="l">
+              <a:lnSpc>
+                <a:spcPct val="115000"/>
+              </a:lnSpc>
+              <a:spcBef>
+                <a:spcPts val="1200"/>
+              </a:spcBef>
+              <a:spcAft>
+                <a:spcPts val="0"/>
+              </a:spcAft>
+              <a:buClr>
+                <a:schemeClr val="lt1"/>
+              </a:buClr>
+              <a:buSzPts val="1500"/>
+              <a:buChar char="●"/>
+            </a:pPr>
+            <a:r>
+              <a:rPr lang="en-IN" sz="1500">
+                <a:solidFill>
+                  <a:schemeClr val="lt1"/>
+                </a:solidFill>
+              </a:rPr>
+              <a:t>Automated tests for login, forms, search, alerts, iframes, and windows</a:t>
+            </a:r>
+            <a:br>
+              <a:rPr lang="en-IN" sz="1500">
+                <a:solidFill>
+                  <a:schemeClr val="lt1"/>
+                </a:solidFill>
+              </a:rPr>
+            </a:br>
+            <a:endParaRPr sz="1500">
+              <a:solidFill>
+                <a:schemeClr val="lt1"/>
+              </a:solidFill>
+            </a:endParaRPr>
+          </a:p>
+          <a:p>
+            <a:pPr indent="-323850" lvl="0" marL="457200" rtl="0" algn="l">
+              <a:lnSpc>
+                <a:spcPct val="115000"/>
+              </a:lnSpc>
+              <a:spcBef>
+                <a:spcPts val="0"/>
+              </a:spcBef>
+              <a:spcAft>
+                <a:spcPts val="0"/>
+              </a:spcAft>
+              <a:buClr>
+                <a:schemeClr val="lt1"/>
+              </a:buClr>
+              <a:buSzPts val="1500"/>
+              <a:buChar char="●"/>
+            </a:pPr>
+            <a:r>
+              <a:rPr lang="en-IN" sz="1500">
+                <a:solidFill>
+                  <a:schemeClr val="lt1"/>
+                </a:solidFill>
+              </a:rPr>
+              <a:t>TestNG assertions and execution via testng.xml</a:t>
+            </a:r>
+            <a:br>
+              <a:rPr lang="en-IN" sz="1500">
+                <a:solidFill>
+                  <a:schemeClr val="lt1"/>
+                </a:solidFill>
+              </a:rPr>
+            </a:br>
+            <a:endParaRPr sz="1500">
+              <a:solidFill>
+                <a:schemeClr val="lt1"/>
+              </a:solidFill>
+            </a:endParaRPr>
+          </a:p>
+          <a:p>
+            <a:pPr indent="-323850" lvl="0" marL="457200" rtl="0" algn="l">
+              <a:lnSpc>
+                <a:spcPct val="115000"/>
+              </a:lnSpc>
+              <a:spcBef>
+                <a:spcPts val="0"/>
+              </a:spcBef>
+              <a:spcAft>
+                <a:spcPts val="0"/>
+              </a:spcAft>
+              <a:buClr>
+                <a:schemeClr val="lt1"/>
+              </a:buClr>
+              <a:buSzPts val="1500"/>
+              <a:buChar char="●"/>
+            </a:pPr>
+            <a:r>
+              <a:rPr lang="en-IN" sz="1500">
+                <a:solidFill>
+                  <a:schemeClr val="lt1"/>
+                </a:solidFill>
+              </a:rPr>
+              <a:t>Log4j logging for traceability</a:t>
+            </a:r>
+            <a:br>
+              <a:rPr lang="en-IN" sz="1500">
+                <a:solidFill>
+                  <a:schemeClr val="lt1"/>
+                </a:solidFill>
+              </a:rPr>
+            </a:br>
+            <a:endParaRPr sz="1500">
+              <a:solidFill>
+                <a:schemeClr val="lt1"/>
+              </a:solidFill>
+            </a:endParaRPr>
+          </a:p>
+          <a:p>
+            <a:pPr indent="-323850" lvl="0" marL="457200" rtl="0" algn="l">
+              <a:lnSpc>
+                <a:spcPct val="115000"/>
+              </a:lnSpc>
+              <a:spcBef>
+                <a:spcPts val="0"/>
+              </a:spcBef>
+              <a:spcAft>
+                <a:spcPts val="0"/>
+              </a:spcAft>
+              <a:buClr>
+                <a:schemeClr val="lt1"/>
+              </a:buClr>
+              <a:buSzPts val="1500"/>
+              <a:buChar char="●"/>
+            </a:pPr>
+            <a:r>
+              <a:rPr lang="en-IN" sz="1500">
+                <a:solidFill>
+                  <a:schemeClr val="lt1"/>
+                </a:solidFill>
+              </a:rPr>
+              <a:t>Screenshot capture on test failure</a:t>
+            </a:r>
+            <a:br>
+              <a:rPr lang="en-IN" sz="1500">
+                <a:solidFill>
+                  <a:schemeClr val="lt1"/>
+                </a:solidFill>
+              </a:rPr>
+            </a:br>
+            <a:endParaRPr sz="1500">
+              <a:solidFill>
+                <a:schemeClr val="lt1"/>
+              </a:solidFill>
+            </a:endParaRPr>
+          </a:p>
+          <a:p>
+            <a:pPr indent="-323850" lvl="0" marL="457200" rtl="0" algn="l">
+              <a:lnSpc>
+                <a:spcPct val="115000"/>
+              </a:lnSpc>
+              <a:spcBef>
+                <a:spcPts val="0"/>
+              </a:spcBef>
+              <a:spcAft>
+                <a:spcPts val="0"/>
+              </a:spcAft>
+              <a:buClr>
+                <a:schemeClr val="lt1"/>
+              </a:buClr>
+              <a:buSzPts val="1500"/>
+              <a:buChar char="●"/>
+            </a:pPr>
+            <a:r>
+              <a:rPr lang="en-IN" sz="1500">
+                <a:solidFill>
+                  <a:schemeClr val="lt1"/>
+                </a:solidFill>
+              </a:rPr>
+              <a:t>Cross-browser support (Chrome &amp; Edge)</a:t>
+            </a:r>
+            <a:br>
+              <a:rPr lang="en-IN" sz="1500">
+                <a:solidFill>
+                  <a:schemeClr val="lt1"/>
+                </a:solidFill>
+              </a:rPr>
+            </a:br>
+            <a:endParaRPr sz="1500">
+              <a:solidFill>
+                <a:schemeClr val="lt1"/>
+              </a:solidFill>
+            </a:endParaRPr>
+          </a:p>
+          <a:p>
+            <a:pPr indent="-323850" lvl="0" marL="457200" rtl="0" algn="l">
+              <a:lnSpc>
+                <a:spcPct val="115000"/>
+              </a:lnSpc>
+              <a:spcBef>
+                <a:spcPts val="0"/>
+              </a:spcBef>
+              <a:spcAft>
+                <a:spcPts val="0"/>
+              </a:spcAft>
+              <a:buClr>
+                <a:schemeClr val="lt1"/>
+              </a:buClr>
+              <a:buSzPts val="1500"/>
+              <a:buChar char="●"/>
+            </a:pPr>
+            <a:r>
+              <a:rPr lang="en-IN" sz="1500">
+                <a:solidFill>
+                  <a:schemeClr val="lt1"/>
+                </a:solidFill>
+              </a:rPr>
+              <a:t>Headless mode toggle via config.properties</a:t>
+            </a:r>
+            <a:br>
+              <a:rPr lang="en-IN" sz="1500">
+                <a:solidFill>
+                  <a:schemeClr val="lt1"/>
+                </a:solidFill>
+              </a:rPr>
+            </a:br>
+            <a:endParaRPr sz="1500">
+              <a:solidFill>
+                <a:schemeClr val="lt1"/>
+              </a:solidFill>
+            </a:endParaRPr>
+          </a:p>
+          <a:p>
+            <a:pPr indent="0" lvl="0" marL="0" rtl="0" algn="l">
+              <a:spcBef>
+                <a:spcPts val="1200"/>
+              </a:spcBef>
+              <a:spcAft>
+                <a:spcPts val="0"/>
+              </a:spcAft>
+              <a:buNone/>
+            </a:pPr>
+            <a:r>
+              <a:t/>
+            </a:r>
+            <a:endParaRPr sz="3200">
+              <a:solidFill>
+                <a:schemeClr val="lt1"/>
+              </a:solidFill>
+            </a:endParaRPr>
+          </a:p>
+        </p:txBody>
+      </p:sp>
+      <p:sp>
+        <p:nvSpPr>
           <p:cNvPr id="102" name="Google Shape;102;p18"/>
-          <p:cNvPicPr preferRelativeResize="0"/>
+          <p:cNvSpPr txBox="1"/>
           <p:nvPr/>
-        </p:nvPicPr>
-        <p:blipFill>
-          <a:blip r:embed="rId5">
-            <a:alphaModFix/>
-          </a:blip>
-          <a:stretch>
-            <a:fillRect/>
-          </a:stretch>
-        </p:blipFill>
-        <p:spPr>
-          <a:xfrm>
-            <a:off x="5975762" y="1457575"/>
-            <a:ext cx="5866438" cy="5288475"/>
+        </p:nvSpPr>
+        <p:spPr>
+          <a:xfrm>
+            <a:off x="6214825" y="1526575"/>
+            <a:ext cx="5649000" cy="4579800"/>
           </a:xfrm>
           <a:prstGeom prst="rect">
             <a:avLst/>
           </a:prstGeom>
-          <a:solidFill>
-            <a:srgbClr val="15102C"/>
-          </a:solidFill>
+          <a:noFill/>
           <a:ln>
             <a:noFill/>
           </a:ln>
         </p:spPr>
-      </p:pic>
+        <p:txBody>
+          <a:bodyPr anchorCtr="0" anchor="t" bIns="91425" lIns="91425" spcFirstLastPara="1" rIns="91425" wrap="square" tIns="91425">
+            <a:noAutofit/>
+          </a:bodyPr>
+          <a:lstStyle/>
+          <a:p>
+            <a:pPr indent="0" lvl="0" marL="0" rtl="0" algn="l">
+              <a:lnSpc>
+                <a:spcPct val="115000"/>
+              </a:lnSpc>
+              <a:spcBef>
+                <a:spcPts val="1200"/>
+              </a:spcBef>
+              <a:spcAft>
+                <a:spcPts val="0"/>
+              </a:spcAft>
+              <a:buClr>
+                <a:schemeClr val="dk1"/>
+              </a:buClr>
+              <a:buSzPts val="1100"/>
+              <a:buFont typeface="Arial"/>
+              <a:buNone/>
+            </a:pPr>
+            <a:r>
+              <a:rPr b="1" lang="en-IN" sz="1500">
+                <a:solidFill>
+                  <a:schemeClr val="lt1"/>
+                </a:solidFill>
+              </a:rPr>
+              <a:t>Utilities:</a:t>
+            </a:r>
+            <a:endParaRPr b="1" sz="1500">
+              <a:solidFill>
+                <a:schemeClr val="lt1"/>
+              </a:solidFill>
+            </a:endParaRPr>
+          </a:p>
+          <a:p>
+            <a:pPr indent="-323850" lvl="0" marL="457200" rtl="0" algn="l">
+              <a:lnSpc>
+                <a:spcPct val="115000"/>
+              </a:lnSpc>
+              <a:spcBef>
+                <a:spcPts val="1200"/>
+              </a:spcBef>
+              <a:spcAft>
+                <a:spcPts val="0"/>
+              </a:spcAft>
+              <a:buClr>
+                <a:schemeClr val="lt1"/>
+              </a:buClr>
+              <a:buSzPts val="1500"/>
+              <a:buChar char="●"/>
+            </a:pPr>
+            <a:r>
+              <a:rPr lang="en-IN" sz="1500">
+                <a:solidFill>
+                  <a:schemeClr val="lt1"/>
+                </a:solidFill>
+              </a:rPr>
+              <a:t>ClickOnElementUsingJS() – JS-based click handling</a:t>
+            </a:r>
+            <a:br>
+              <a:rPr lang="en-IN" sz="1500">
+                <a:solidFill>
+                  <a:schemeClr val="lt1"/>
+                </a:solidFill>
+              </a:rPr>
+            </a:br>
+            <a:endParaRPr sz="1500">
+              <a:solidFill>
+                <a:schemeClr val="lt1"/>
+              </a:solidFill>
+            </a:endParaRPr>
+          </a:p>
+          <a:p>
+            <a:pPr indent="-323850" lvl="0" marL="457200" rtl="0" algn="l">
+              <a:lnSpc>
+                <a:spcPct val="115000"/>
+              </a:lnSpc>
+              <a:spcBef>
+                <a:spcPts val="0"/>
+              </a:spcBef>
+              <a:spcAft>
+                <a:spcPts val="0"/>
+              </a:spcAft>
+              <a:buClr>
+                <a:schemeClr val="lt1"/>
+              </a:buClr>
+              <a:buSzPts val="1500"/>
+              <a:buChar char="●"/>
+            </a:pPr>
+            <a:r>
+              <a:rPr lang="en-IN" sz="1500">
+                <a:solidFill>
+                  <a:schemeClr val="lt1"/>
+                </a:solidFill>
+              </a:rPr>
+              <a:t>CaptureScreenshot() – Save failure screenshots</a:t>
+            </a:r>
+            <a:br>
+              <a:rPr lang="en-IN" sz="1500">
+                <a:solidFill>
+                  <a:schemeClr val="lt1"/>
+                </a:solidFill>
+              </a:rPr>
+            </a:br>
+            <a:endParaRPr sz="1500">
+              <a:solidFill>
+                <a:schemeClr val="lt1"/>
+              </a:solidFill>
+            </a:endParaRPr>
+          </a:p>
+          <a:p>
+            <a:pPr indent="0" lvl="0" marL="0" rtl="0" algn="l">
+              <a:lnSpc>
+                <a:spcPct val="115000"/>
+              </a:lnSpc>
+              <a:spcBef>
+                <a:spcPts val="1200"/>
+              </a:spcBef>
+              <a:spcAft>
+                <a:spcPts val="0"/>
+              </a:spcAft>
+              <a:buClr>
+                <a:schemeClr val="dk1"/>
+              </a:buClr>
+              <a:buSzPts val="1100"/>
+              <a:buFont typeface="Arial"/>
+              <a:buNone/>
+            </a:pPr>
+            <a:r>
+              <a:rPr b="1" lang="en-IN" sz="1500">
+                <a:solidFill>
+                  <a:schemeClr val="lt1"/>
+                </a:solidFill>
+              </a:rPr>
+              <a:t>Execution:</a:t>
+            </a:r>
+            <a:endParaRPr b="1" sz="1500">
+              <a:solidFill>
+                <a:schemeClr val="lt1"/>
+              </a:solidFill>
+            </a:endParaRPr>
+          </a:p>
+          <a:p>
+            <a:pPr indent="-323850" lvl="0" marL="457200" rtl="0" algn="l">
+              <a:lnSpc>
+                <a:spcPct val="115000"/>
+              </a:lnSpc>
+              <a:spcBef>
+                <a:spcPts val="1200"/>
+              </a:spcBef>
+              <a:spcAft>
+                <a:spcPts val="0"/>
+              </a:spcAft>
+              <a:buClr>
+                <a:schemeClr val="lt1"/>
+              </a:buClr>
+              <a:buSzPts val="1500"/>
+              <a:buChar char="●"/>
+            </a:pPr>
+            <a:r>
+              <a:rPr lang="en-IN" sz="1500">
+                <a:solidFill>
+                  <a:schemeClr val="lt1"/>
+                </a:solidFill>
+              </a:rPr>
+              <a:t>Run with: mvn test or mvn clean install</a:t>
+            </a:r>
+            <a:endParaRPr sz="3200">
+              <a:solidFill>
+                <a:schemeClr val="dk1"/>
+              </a:solidFill>
+              <a:latin typeface="Calibri"/>
+              <a:ea typeface="Calibri"/>
+              <a:cs typeface="Calibri"/>
+              <a:sym typeface="Calibri"/>
+            </a:endParaRPr>
+          </a:p>
+        </p:txBody>
+      </p:sp>
     </p:spTree>
   </p:cSld>
   <p:clrMapOvr>
@@ -11236,7 +15743,7 @@
         <p:spPr>
           <a:xfrm>
             <a:off x="10347" y="0"/>
-            <a:ext cx="2401377" cy="902226"/>
+            <a:ext cx="2401375" cy="902226"/>
           </a:xfrm>
           <a:prstGeom prst="rect">
             <a:avLst/>
@@ -11256,7 +15763,7 @@
         <p:spPr>
           <a:xfrm>
             <a:off x="323850" y="1352550"/>
-            <a:ext cx="6305550" cy="0"/>
+            <a:ext cx="6305700" cy="0"/>
           </a:xfrm>
           <a:prstGeom prst="straightConnector1">
             <a:avLst/>
@@ -11281,8 +15788,8 @@
         </p:nvSpPr>
         <p:spPr>
           <a:xfrm>
-            <a:off x="323850" y="759425"/>
-            <a:ext cx="11623800" cy="465000"/>
+            <a:off x="286725" y="759425"/>
+            <a:ext cx="11367900" cy="488100"/>
           </a:xfrm>
           <a:prstGeom prst="rect">
             <a:avLst/>
@@ -11308,50 +15815,18 @@
               <a:buClr>
                 <a:schemeClr val="dk1"/>
               </a:buClr>
-              <a:buSzPts val="1100"/>
               <a:buFont typeface="Arial"/>
               <a:buNone/>
             </a:pPr>
             <a:r>
-              <a:rPr b="1" lang="en-IN" sz="2100">
+              <a:rPr b="1" lang="en-IN" sz="2400">
                 <a:solidFill>
                   <a:schemeClr val="lt1"/>
                 </a:solidFill>
               </a:rPr>
-              <a:t>Test Base Before &amp; After Method, Config.properties, TestNG.xml </a:t>
-            </a:r>
-            <a:r>
-              <a:rPr b="1" lang="en-IN" sz="2100">
-                <a:solidFill>
-                  <a:schemeClr val="lt1"/>
-                </a:solidFill>
-              </a:rPr>
-              <a:t>of the Selenium project </a:t>
-            </a:r>
-            <a:endParaRPr sz="2500">
-              <a:solidFill>
-                <a:schemeClr val="dk1"/>
-              </a:solidFill>
-              <a:latin typeface="Calibri"/>
-              <a:ea typeface="Calibri"/>
-              <a:cs typeface="Calibri"/>
-              <a:sym typeface="Calibri"/>
-            </a:endParaRPr>
-          </a:p>
-          <a:p>
-            <a:pPr indent="0" lvl="0" marL="0" rtl="0" algn="l">
-              <a:spcBef>
-                <a:spcPts val="0"/>
-              </a:spcBef>
-              <a:spcAft>
-                <a:spcPts val="0"/>
-              </a:spcAft>
-              <a:buNone/>
-            </a:pPr>
-            <a:r>
-              <a:t/>
-            </a:r>
-            <a:endParaRPr sz="2500">
+              <a:t>Login Functionality Page &amp; Test of the Selenium project with screenshots</a:t>
+            </a:r>
+            <a:endParaRPr sz="2800">
               <a:solidFill>
                 <a:schemeClr val="dk1"/>
               </a:solidFill>
@@ -11379,8 +15854,8 @@
         </p:blipFill>
         <p:spPr>
           <a:xfrm>
-            <a:off x="157250" y="1480675"/>
-            <a:ext cx="6472149" cy="5211050"/>
+            <a:off x="323850" y="1457575"/>
+            <a:ext cx="5445299" cy="5288475"/>
           </a:xfrm>
           <a:prstGeom prst="rect">
             <a:avLst/>
@@ -11409,68 +15884,8 @@
         </p:blipFill>
         <p:spPr>
           <a:xfrm>
-            <a:off x="6916872" y="1480672"/>
-            <a:ext cx="5275125" cy="2299032"/>
-          </a:xfrm>
-          <a:prstGeom prst="rect">
-            <a:avLst/>
-          </a:prstGeom>
-          <a:solidFill>
-            <a:srgbClr val="15102C"/>
-          </a:solidFill>
-          <a:ln>
-            <a:noFill/>
-          </a:ln>
-        </p:spPr>
-      </p:pic>
-      <p:pic>
-        <p:nvPicPr>
-          <p:cNvPr id="113" name="Google Shape;113;p19"/>
-          <p:cNvPicPr preferRelativeResize="0"/>
-          <p:nvPr/>
-        </p:nvPicPr>
-        <p:blipFill>
-          <a:blip r:embed="rId6">
-            <a:alphaModFix/>
-          </a:blip>
-          <a:stretch>
-            <a:fillRect/>
-          </a:stretch>
-        </p:blipFill>
-        <p:spPr>
-          <a:xfrm>
-            <a:off x="6916863" y="3855300"/>
-            <a:ext cx="2219325" cy="600075"/>
-          </a:xfrm>
-          <a:prstGeom prst="rect">
-            <a:avLst/>
-          </a:prstGeom>
-          <a:solidFill>
-            <a:srgbClr val="15102C"/>
-          </a:solidFill>
-          <a:ln>
-            <a:noFill/>
-          </a:ln>
-        </p:spPr>
-      </p:pic>
-      <p:pic>
-        <p:nvPicPr>
-          <p:cNvPr id="114" name="Google Shape;114;p19"/>
-          <p:cNvPicPr preferRelativeResize="0"/>
-          <p:nvPr/>
-        </p:nvPicPr>
-        <p:blipFill>
-          <a:blip r:embed="rId7">
-            <a:alphaModFix/>
-          </a:blip>
-          <a:stretch>
-            <a:fillRect/>
-          </a:stretch>
-        </p:blipFill>
-        <p:spPr>
-          <a:xfrm>
-            <a:off x="6916874" y="4531000"/>
-            <a:ext cx="4553839" cy="2299025"/>
+            <a:off x="5975762" y="1457575"/>
+            <a:ext cx="5866438" cy="5288475"/>
           </a:xfrm>
           <a:prstGeom prst="rect">
             <a:avLst/>
@@ -11496,7 +15911,7 @@
   <p:cSld>
     <p:spTree>
       <p:nvGrpSpPr>
-        <p:cNvPr id="118" name="Shape 118"/>
+        <p:cNvPr id="116" name="Shape 116"/>
         <p:cNvGrpSpPr/>
         <p:nvPr/>
       </p:nvGrpSpPr>
@@ -11508,9 +15923,60 @@
           <a:chExt cx="0" cy="0"/>
         </a:xfrm>
       </p:grpSpPr>
+      <p:sp>
+        <p:nvSpPr>
+          <p:cNvPr id="117" name="Google Shape;117;p20"/>
+          <p:cNvSpPr/>
+          <p:nvPr/>
+        </p:nvSpPr>
+        <p:spPr>
+          <a:xfrm>
+            <a:off x="0" y="0"/>
+            <a:ext cx="12192000" cy="6858000"/>
+          </a:xfrm>
+          <a:prstGeom prst="rect">
+            <a:avLst/>
+          </a:prstGeom>
+          <a:solidFill>
+            <a:srgbClr val="15102C"/>
+          </a:solidFill>
+          <a:ln>
+            <a:noFill/>
+          </a:ln>
+        </p:spPr>
+        <p:txBody>
+          <a:bodyPr anchorCtr="0" anchor="ctr" bIns="45700" lIns="91425" spcFirstLastPara="1" rIns="91425" wrap="square" tIns="45700">
+            <a:noAutofit/>
+          </a:bodyPr>
+          <a:lstStyle/>
+          <a:p>
+            <a:pPr indent="0" lvl="0" marL="0" marR="0" rtl="0" algn="ctr">
+              <a:spcBef>
+                <a:spcPts val="0"/>
+              </a:spcBef>
+              <a:spcAft>
+                <a:spcPts val="0"/>
+              </a:spcAft>
+              <a:buNone/>
+            </a:pPr>
+            <a:r>
+              <a:t/>
+            </a:r>
+            <a:endParaRPr sz="1800">
+              <a:solidFill>
+                <a:schemeClr val="lt1"/>
+              </a:solidFill>
+              <a:latin typeface="Calibri"/>
+              <a:ea typeface="Calibri"/>
+              <a:cs typeface="Calibri"/>
+              <a:sym typeface="Calibri"/>
+            </a:endParaRPr>
+          </a:p>
+        </p:txBody>
+      </p:sp>
       <p:pic>
         <p:nvPicPr>
-          <p:cNvPr descr="A low angle view of a building&#10;&#10;Description automatically generated with medium confidence" id="119" name="Google Shape;119;p20"/>
+          <p:cNvPr id="118" name="Google Shape;118;p20"/>
           <p:cNvPicPr preferRelativeResize="0"/>
           <p:nvPr/>
         </p:nvPicPr>
@@ -11518,13 +15984,13 @@
           <a:blip r:embed="rId3">
             <a:alphaModFix/>
           </a:blip>
-          <a:srcRect b="0" l="14445" r="11960" t="0"/>
+          <a:srcRect b="0" l="0" r="0" t="0"/>
           <a:stretch/>
         </p:blipFill>
         <p:spPr>
           <a:xfrm>
-            <a:off x="7705638" y="0"/>
-            <a:ext cx="4486361" cy="6858000"/>
+            <a:off x="10347" y="0"/>
+            <a:ext cx="2401377" cy="902226"/>
           </a:xfrm>
           <a:prstGeom prst="rect">
             <a:avLst/>
@@ -11535,36 +16001,9 @@
           </a:ln>
         </p:spPr>
       </p:pic>
-      <p:pic>
-        <p:nvPicPr>
-          <p:cNvPr id="120" name="Google Shape;120;p20"/>
-          <p:cNvPicPr preferRelativeResize="0"/>
-          <p:nvPr/>
-        </p:nvPicPr>
-        <p:blipFill rotWithShape="1">
-          <a:blip r:embed="rId4">
-            <a:alphaModFix/>
-          </a:blip>
-          <a:srcRect b="0" l="0" r="0" t="0"/>
-          <a:stretch/>
-        </p:blipFill>
-        <p:spPr>
-          <a:xfrm>
-            <a:off x="10347" y="0"/>
-            <a:ext cx="2401377" cy="902226"/>
-          </a:xfrm>
-          <a:prstGeom prst="rect">
-            <a:avLst/>
-          </a:prstGeom>
-          <a:noFill/>
-          <a:ln>
-            <a:noFill/>
-          </a:ln>
-        </p:spPr>
-      </p:pic>
       <p:cxnSp>
         <p:nvCxnSpPr>
-          <p:cNvPr id="121" name="Google Shape;121;p20"/>
+          <p:cNvPr id="119" name="Google Shape;119;p20"/>
           <p:cNvCxnSpPr/>
           <p:nvPr/>
         </p:nvCxnSpPr>
@@ -11579,7 +16018,7 @@
           <a:noFill/>
           <a:ln cap="flat" cmpd="sng" w="9525">
             <a:solidFill>
-              <a:schemeClr val="dk1"/>
+              <a:schemeClr val="lt1"/>
             </a:solidFill>
             <a:prstDash val="solid"/>
             <a:miter lim="800000"/>
@@ -11590,14 +16029,14 @@
       </p:cxnSp>
       <p:sp>
         <p:nvSpPr>
-          <p:cNvPr id="122" name="Google Shape;122;p20"/>
+          <p:cNvPr id="120" name="Google Shape;120;p20"/>
           <p:cNvSpPr txBox="1"/>
           <p:nvPr/>
         </p:nvSpPr>
         <p:spPr>
           <a:xfrm>
-            <a:off x="309975" y="829150"/>
-            <a:ext cx="7137000" cy="523500"/>
+            <a:off x="323850" y="759425"/>
+            <a:ext cx="11623800" cy="465000"/>
           </a:xfrm>
           <a:prstGeom prst="rect">
             <a:avLst/>
@@ -11620,21 +16059,30 @@
               <a:spcAft>
                 <a:spcPts val="0"/>
               </a:spcAft>
-              <a:buNone/>
-            </a:pPr>
-            <a:r>
-              <a:rPr lang="en-IN" sz="2800">
-                <a:solidFill>
-                  <a:schemeClr val="dk1"/>
-                </a:solidFill>
-                <a:latin typeface="Calibri"/>
-                <a:ea typeface="Calibri"/>
-                <a:cs typeface="Calibri"/>
-                <a:sym typeface="Calibri"/>
-              </a:rPr>
-              <a:t>Selenium Form Submission Test Video</a:t>
-            </a:r>
-            <a:endParaRPr sz="2800">
+              <a:buClr>
+                <a:schemeClr val="dk1"/>
+              </a:buClr>
+              <a:buSzPts val="1100"/>
+              <a:buFont typeface="Arial"/>
+              <a:buNone/>
+            </a:pPr>
+            <a:r>
+              <a:rPr b="1" lang="en-IN" sz="2100">
+                <a:solidFill>
+                  <a:schemeClr val="lt1"/>
+                </a:solidFill>
+              </a:rPr>
+              <a:t>Test Base Before &amp; After Method, Config.properties, TestNG.xml </a:t>
+            </a:r>
+            <a:r>
+              <a:rPr b="1" lang="en-IN" sz="2100">
+                <a:solidFill>
+                  <a:schemeClr val="lt1"/>
+                </a:solidFill>
+              </a:rPr>
+              <a:t>of the Selenium project </a:t>
+            </a:r>
+            <a:endParaRPr sz="2500">
               <a:solidFill>
                 <a:schemeClr val="dk1"/>
               </a:solidFill>
@@ -11644,13 +16092,94 @@
               <a:sym typeface="Calibri"/>
             </a:endParaRPr>
           </a:p>
+          <a:p>
+            <a:pPr indent="0" lvl="0" marL="0" rtl="0" algn="l">
+              <a:spcBef>
+                <a:spcPts val="0"/>
+              </a:spcBef>
+              <a:spcAft>
+                <a:spcPts val="0"/>
+              </a:spcAft>
+              <a:buNone/>
+            </a:pPr>
+            <a:r>
+              <a:t/>
+            </a:r>
+            <a:endParaRPr sz="2500">
+              <a:solidFill>
+                <a:schemeClr val="dk1"/>
+              </a:solidFill>
+              <a:latin typeface="Calibri"/>
+              <a:ea typeface="Calibri"/>
+              <a:cs typeface="Calibri"/>
+              <a:sym typeface="Calibri"/>
+            </a:endParaRPr>
+          </a:p>
         </p:txBody>
       </p:sp>
       <p:pic>
         <p:nvPicPr>
-          <p:cNvPr id="123" name="Google Shape;123;p20" title="eclipse-workspace - hpcapstone_src_test_java_tests_FormSubmissionTest.java - Eclipse IDE 2025-05-23 16-42-09.mp4">
-            <a:hlinkClick r:id="rId5"/>
-          </p:cNvPr>
+          <p:cNvPr id="121" name="Google Shape;121;p20"/>
+          <p:cNvPicPr preferRelativeResize="0"/>
+          <p:nvPr/>
+        </p:nvPicPr>
+        <p:blipFill>
+          <a:blip r:embed="rId4">
+            <a:alphaModFix/>
+          </a:blip>
+          <a:stretch>
+            <a:fillRect/>
+          </a:stretch>
+        </p:blipFill>
+        <p:spPr>
+          <a:xfrm>
+            <a:off x="157250" y="1480675"/>
+            <a:ext cx="6472149" cy="5211050"/>
+          </a:xfrm>
+          <a:prstGeom prst="rect">
+            <a:avLst/>
+          </a:prstGeom>
+          <a:solidFill>
+            <a:srgbClr val="15102C"/>
+          </a:solidFill>
+          <a:ln>
+            <a:noFill/>
+          </a:ln>
+        </p:spPr>
+      </p:pic>
+      <p:pic>
+        <p:nvPicPr>
+          <p:cNvPr id="122" name="Google Shape;122;p20"/>
+          <p:cNvPicPr preferRelativeResize="0"/>
+          <p:nvPr/>
+        </p:nvPicPr>
+        <p:blipFill>
+          <a:blip r:embed="rId5">
+            <a:alphaModFix/>
+          </a:blip>
+          <a:stretch>
+            <a:fillRect/>
+          </a:stretch>
+        </p:blipFill>
+        <p:spPr>
+          <a:xfrm>
+            <a:off x="6916872" y="1480672"/>
+            <a:ext cx="5275125" cy="2299032"/>
+          </a:xfrm>
+          <a:prstGeom prst="rect">
+            <a:avLst/>
+          </a:prstGeom>
+          <a:solidFill>
+            <a:srgbClr val="15102C"/>
+          </a:solidFill>
+          <a:ln>
+            <a:noFill/>
+          </a:ln>
+        </p:spPr>
+      </p:pic>
+      <p:pic>
+        <p:nvPicPr>
+          <p:cNvPr id="123" name="Google Shape;123;p20"/>
           <p:cNvPicPr preferRelativeResize="0"/>
           <p:nvPr/>
         </p:nvPicPr>
@@ -11664,13 +16193,45 @@
         </p:blipFill>
         <p:spPr>
           <a:xfrm>
-            <a:off x="152400" y="1505050"/>
-            <a:ext cx="7294576" cy="4671025"/>
+            <a:off x="6916863" y="3855300"/>
+            <a:ext cx="2219325" cy="600075"/>
           </a:xfrm>
           <a:prstGeom prst="rect">
             <a:avLst/>
           </a:prstGeom>
-          <a:noFill/>
+          <a:solidFill>
+            <a:srgbClr val="15102C"/>
+          </a:solidFill>
+          <a:ln>
+            <a:noFill/>
+          </a:ln>
+        </p:spPr>
+      </p:pic>
+      <p:pic>
+        <p:nvPicPr>
+          <p:cNvPr id="124" name="Google Shape;124;p20"/>
+          <p:cNvPicPr preferRelativeResize="0"/>
+          <p:nvPr/>
+        </p:nvPicPr>
+        <p:blipFill>
+          <a:blip r:embed="rId7">
+            <a:alphaModFix/>
+          </a:blip>
+          <a:stretch>
+            <a:fillRect/>
+          </a:stretch>
+        </p:blipFill>
+        <p:spPr>
+          <a:xfrm>
+            <a:off x="6916874" y="4531000"/>
+            <a:ext cx="4553839" cy="2299025"/>
+          </a:xfrm>
+          <a:prstGeom prst="rect">
+            <a:avLst/>
+          </a:prstGeom>
+          <a:solidFill>
+            <a:srgbClr val="15102C"/>
+          </a:solidFill>
           <a:ln>
             <a:noFill/>
           </a:ln>
@@ -11681,89 +16242,6 @@
   <p:clrMapOvr>
     <a:masterClrMapping/>
   </p:clrMapOvr>
-  <p:timing>
-    <p:tnLst>
-      <p:par>
-        <p:cTn dur="indefinite" nodeType="tmRoot" restart="never">
-          <p:childTnLst>
-            <p:seq concurrent="1" nextAc="seek">
-              <p:cTn dur="indefinite" id="2" nodeType="mainSeq">
-                <p:childTnLst>
-                  <p:par>
-                    <p:cTn fill="hold">
-                      <p:stCondLst>
-                        <p:cond delay="indefinite"/>
-                      </p:stCondLst>
-                      <p:childTnLst>
-                        <p:par>
-                          <p:cTn fill="hold">
-                            <p:stCondLst>
-                              <p:cond delay="0"/>
-                            </p:stCondLst>
-                            <p:childTnLst>
-                              <p:par>
-                                <p:cTn fill="hold" nodeType="clickEffect" presetClass="entr" presetID="10" presetSubtype="0">
-                                  <p:stCondLst>
-                                    <p:cond delay="0"/>
-                                  </p:stCondLst>
-                                  <p:childTnLst>
-                                    <p:set>
-                                      <p:cBhvr>
-                                        <p:cTn dur="1" fill="hold">
-                                          <p:stCondLst>
-                                            <p:cond delay="0"/>
-                                          </p:stCondLst>
-                                        </p:cTn>
-                                        <p:tgtEl>
-                                          <p:spTgt spid="123"/>
-                                        </p:tgtEl>
-                                        <p:attrNameLst>
-                                          <p:attrName>style.visibility</p:attrName>
-                                        </p:attrNameLst>
-                                      </p:cBhvr>
-                                      <p:to>
-                                        <p:strVal val="visible"/>
-                                      </p:to>
-                                    </p:set>
-                                    <p:animEffect filter="fade" transition="in">
-                                      <p:cBhvr>
-                                        <p:cTn dur="1000"/>
-                                        <p:tgtEl>
-                                          <p:spTgt spid="123"/>
-                                        </p:tgtEl>
-                                      </p:cBhvr>
-                                    </p:animEffect>
-                                  </p:childTnLst>
-                                </p:cTn>
-                              </p:par>
-                            </p:childTnLst>
-                          </p:cTn>
-                        </p:par>
-                      </p:childTnLst>
-                    </p:cTn>
-                  </p:par>
-                </p:childTnLst>
-              </p:cTn>
-              <p:prevCondLst>
-                <p:cond evt="onPrev">
-                  <p:tgtEl>
-                    <p:sldTgt/>
-                  </p:tgtEl>
-                </p:cond>
-              </p:prevCondLst>
-              <p:nextCondLst>
-                <p:cond evt="onNext">
-                  <p:tgtEl>
-                    <p:sldTgt/>
-                  </p:tgtEl>
-                </p:cond>
-              </p:nextCondLst>
-            </p:seq>
-          </p:childTnLst>
-        </p:cTn>
-      </p:par>
-    </p:tnLst>
-  </p:timing>
 </p:sld>
 </file>
 
@@ -11772,7 +16250,7 @@
   <p:cSld>
     <p:spTree>
       <p:nvGrpSpPr>
-        <p:cNvPr id="127" name="Shape 127"/>
+        <p:cNvPr id="128" name="Shape 128"/>
         <p:cNvGrpSpPr/>
         <p:nvPr/>
       </p:nvGrpSpPr>
@@ -11784,9 +16262,60 @@
           <a:chExt cx="0" cy="0"/>
         </a:xfrm>
       </p:grpSpPr>
+      <p:sp>
+        <p:nvSpPr>
+          <p:cNvPr id="129" name="Google Shape;129;p21"/>
+          <p:cNvSpPr/>
+          <p:nvPr/>
+        </p:nvSpPr>
+        <p:spPr>
+          <a:xfrm>
+            <a:off x="0" y="0"/>
+            <a:ext cx="12192000" cy="6858000"/>
+          </a:xfrm>
+          <a:prstGeom prst="rect">
+            <a:avLst/>
+          </a:prstGeom>
+          <a:solidFill>
+            <a:srgbClr val="15102C"/>
+          </a:solidFill>
+          <a:ln>
+            <a:noFill/>
+          </a:ln>
+        </p:spPr>
+        <p:txBody>
+          <a:bodyPr anchorCtr="0" anchor="ctr" bIns="45700" lIns="91425" spcFirstLastPara="1" rIns="91425" wrap="square" tIns="45700">
+            <a:noAutofit/>
+          </a:bodyPr>
+          <a:lstStyle/>
+          <a:p>
+            <a:pPr indent="0" lvl="0" marL="0" marR="0" rtl="0" algn="ctr">
+              <a:spcBef>
+                <a:spcPts val="0"/>
+              </a:spcBef>
+              <a:spcAft>
+                <a:spcPts val="0"/>
+              </a:spcAft>
+              <a:buNone/>
+            </a:pPr>
+            <a:r>
+              <a:t/>
+            </a:r>
+            <a:endParaRPr sz="1800">
+              <a:solidFill>
+                <a:schemeClr val="lt1"/>
+              </a:solidFill>
+              <a:latin typeface="Calibri"/>
+              <a:ea typeface="Calibri"/>
+              <a:cs typeface="Calibri"/>
+              <a:sym typeface="Calibri"/>
+            </a:endParaRPr>
+          </a:p>
+        </p:txBody>
+      </p:sp>
       <p:pic>
         <p:nvPicPr>
-          <p:cNvPr id="128" name="Google Shape;128;p21"/>
+          <p:cNvPr id="130" name="Google Shape;130;p21"/>
           <p:cNvPicPr preferRelativeResize="0"/>
           <p:nvPr/>
         </p:nvPicPr>
@@ -11800,7 +16329,7 @@
         <p:spPr>
           <a:xfrm>
             <a:off x="10347" y="0"/>
-            <a:ext cx="2401377" cy="902226"/>
+            <a:ext cx="2401375" cy="902226"/>
           </a:xfrm>
           <a:prstGeom prst="rect">
             <a:avLst/>
@@ -11813,14 +16342,14 @@
       </p:pic>
       <p:cxnSp>
         <p:nvCxnSpPr>
-          <p:cNvPr id="129" name="Google Shape;129;p21"/>
+          <p:cNvPr id="131" name="Google Shape;131;p21"/>
           <p:cNvCxnSpPr/>
           <p:nvPr/>
         </p:nvCxnSpPr>
         <p:spPr>
           <a:xfrm>
             <a:off x="323850" y="1352550"/>
-            <a:ext cx="6305550" cy="0"/>
+            <a:ext cx="6305700" cy="0"/>
           </a:xfrm>
           <a:prstGeom prst="straightConnector1">
             <a:avLst/>
@@ -11828,7 +16357,7 @@
           <a:noFill/>
           <a:ln cap="flat" cmpd="sng" w="9525">
             <a:solidFill>
-              <a:schemeClr val="dk1"/>
+              <a:schemeClr val="lt1"/>
             </a:solidFill>
             <a:prstDash val="solid"/>
             <a:miter lim="800000"/>
@@ -11837,43 +16366,16 @@
           </a:ln>
         </p:spPr>
       </p:cxnSp>
-      <p:pic>
-        <p:nvPicPr>
-          <p:cNvPr descr="A person standing on a roof&#10;&#10;Description automatically generated with low confidence" id="130" name="Google Shape;130;p21"/>
-          <p:cNvPicPr preferRelativeResize="0"/>
-          <p:nvPr/>
-        </p:nvPicPr>
-        <p:blipFill rotWithShape="1">
-          <a:blip r:embed="rId4">
-            <a:alphaModFix/>
-          </a:blip>
-          <a:srcRect b="0" l="13202" r="13372" t="0"/>
-          <a:stretch/>
-        </p:blipFill>
-        <p:spPr>
-          <a:xfrm>
-            <a:off x="7715985" y="0"/>
-            <a:ext cx="4476015" cy="6858000"/>
-          </a:xfrm>
-          <a:prstGeom prst="rect">
-            <a:avLst/>
-          </a:prstGeom>
-          <a:noFill/>
-          <a:ln>
-            <a:noFill/>
-          </a:ln>
-        </p:spPr>
-      </p:pic>
       <p:sp>
         <p:nvSpPr>
-          <p:cNvPr id="131" name="Google Shape;131;p21"/>
+          <p:cNvPr id="132" name="Google Shape;132;p21"/>
           <p:cNvSpPr txBox="1"/>
           <p:nvPr/>
         </p:nvSpPr>
         <p:spPr>
           <a:xfrm>
-            <a:off x="449450" y="736175"/>
-            <a:ext cx="6067500" cy="511500"/>
+            <a:off x="323850" y="759425"/>
+            <a:ext cx="11623800" cy="465000"/>
           </a:xfrm>
           <a:prstGeom prst="rect">
             <a:avLst/>
@@ -11896,38 +16398,17 @@
               <a:spcAft>
                 <a:spcPts val="0"/>
               </a:spcAft>
-              <a:buClr>
-                <a:schemeClr val="dk1"/>
-              </a:buClr>
-              <a:buSzPts val="1100"/>
-              <a:buFont typeface="Arial"/>
-              <a:buNone/>
-            </a:pPr>
-            <a:r>
-              <a:rPr lang="en-IN" sz="2800">
-                <a:solidFill>
-                  <a:schemeClr val="dk1"/>
-                </a:solidFill>
-                <a:latin typeface="Calibri"/>
-                <a:ea typeface="Calibri"/>
-                <a:cs typeface="Calibri"/>
-                <a:sym typeface="Calibri"/>
-              </a:rPr>
-              <a:t>API Postman</a:t>
-            </a:r>
-            <a:r>
-              <a:rPr lang="en-IN" sz="2800">
-                <a:solidFill>
-                  <a:schemeClr val="dk1"/>
-                </a:solidFill>
-                <a:latin typeface="Calibri"/>
-                <a:ea typeface="Calibri"/>
-                <a:cs typeface="Calibri"/>
-                <a:sym typeface="Calibri"/>
-              </a:rPr>
-              <a:t> Test Video</a:t>
-            </a:r>
-            <a:endParaRPr sz="2800">
+              <a:buNone/>
+            </a:pPr>
+            <a:r>
+              <a:rPr b="1" lang="en-IN" sz="2100">
+                <a:solidFill>
+                  <a:schemeClr val="lt1"/>
+                </a:solidFill>
+              </a:rPr>
+              <a:t>Test Results of the selenium project usin Jenkins </a:t>
+            </a:r>
+            <a:endParaRPr sz="2500">
               <a:solidFill>
                 <a:schemeClr val="dk1"/>
               </a:solidFill>
@@ -11937,22 +16418,208 @@
               <a:sym typeface="Calibri"/>
             </a:endParaRPr>
           </a:p>
-          <a:p>
-            <a:pPr indent="0" lvl="0" marL="0" rtl="0" algn="l">
-              <a:spcBef>
-                <a:spcPts val="0"/>
-              </a:spcBef>
-              <a:spcAft>
-                <a:spcPts val="0"/>
-              </a:spcAft>
-              <a:buNone/>
-            </a:pPr>
-            <a:r>
-              <a:t/>
-            </a:r>
-            <a:endParaRPr sz="2800">
+        </p:txBody>
+      </p:sp>
+      <p:pic>
+        <p:nvPicPr>
+          <p:cNvPr id="133" name="Google Shape;133;p21"/>
+          <p:cNvPicPr preferRelativeResize="0"/>
+          <p:nvPr/>
+        </p:nvPicPr>
+        <p:blipFill>
+          <a:blip r:embed="rId4">
+            <a:alphaModFix/>
+          </a:blip>
+          <a:stretch>
+            <a:fillRect/>
+          </a:stretch>
+        </p:blipFill>
+        <p:spPr>
+          <a:xfrm>
+            <a:off x="323850" y="3108000"/>
+            <a:ext cx="5542250" cy="3286000"/>
+          </a:xfrm>
+          <a:prstGeom prst="rect">
+            <a:avLst/>
+          </a:prstGeom>
+          <a:solidFill>
+            <a:srgbClr val="15102C"/>
+          </a:solidFill>
+          <a:ln>
+            <a:noFill/>
+          </a:ln>
+        </p:spPr>
+      </p:pic>
+      <p:pic>
+        <p:nvPicPr>
+          <p:cNvPr id="134" name="Google Shape;134;p21"/>
+          <p:cNvPicPr preferRelativeResize="0"/>
+          <p:nvPr/>
+        </p:nvPicPr>
+        <p:blipFill>
+          <a:blip r:embed="rId5">
+            <a:alphaModFix/>
+          </a:blip>
+          <a:stretch>
+            <a:fillRect/>
+          </a:stretch>
+        </p:blipFill>
+        <p:spPr>
+          <a:xfrm>
+            <a:off x="5866100" y="3108000"/>
+            <a:ext cx="6305698" cy="3286000"/>
+          </a:xfrm>
+          <a:prstGeom prst="rect">
+            <a:avLst/>
+          </a:prstGeom>
+          <a:solidFill>
+            <a:srgbClr val="15102C"/>
+          </a:solidFill>
+          <a:ln>
+            <a:noFill/>
+          </a:ln>
+        </p:spPr>
+      </p:pic>
+      <p:sp>
+        <p:nvSpPr>
+          <p:cNvPr id="135" name="Google Shape;135;p21"/>
+          <p:cNvSpPr txBox="1"/>
+          <p:nvPr/>
+        </p:nvSpPr>
+        <p:spPr>
+          <a:xfrm>
+            <a:off x="449450" y="1503325"/>
+            <a:ext cx="8485200" cy="1267200"/>
+          </a:xfrm>
+          <a:prstGeom prst="rect">
+            <a:avLst/>
+          </a:prstGeom>
+          <a:noFill/>
+          <a:ln>
+            <a:noFill/>
+          </a:ln>
+        </p:spPr>
+        <p:txBody>
+          <a:bodyPr anchorCtr="0" anchor="t" bIns="91425" lIns="91425" spcFirstLastPara="1" rIns="91425" wrap="square" tIns="91425">
+            <a:noAutofit/>
+          </a:bodyPr>
+          <a:lstStyle/>
+          <a:p>
+            <a:pPr indent="-330200" lvl="0" marL="457200" rtl="0" algn="l">
+              <a:spcBef>
+                <a:spcPts val="0"/>
+              </a:spcBef>
+              <a:spcAft>
+                <a:spcPts val="0"/>
+              </a:spcAft>
+              <a:buClr>
+                <a:schemeClr val="lt1"/>
+              </a:buClr>
+              <a:buSzPts val="1600"/>
+              <a:buChar char="●"/>
+            </a:pPr>
+            <a:r>
+              <a:rPr b="1" lang="en-IN" sz="1600">
+                <a:solidFill>
+                  <a:schemeClr val="lt1"/>
+                </a:solidFill>
+              </a:rPr>
+              <a:t>All 11 automated UI test cases passed successfully</a:t>
+            </a:r>
+            <a:r>
+              <a:rPr lang="en-IN" sz="1600">
+                <a:solidFill>
+                  <a:schemeClr val="lt1"/>
+                </a:solidFill>
+              </a:rPr>
+              <a:t> with </a:t>
+            </a:r>
+            <a:r>
+              <a:rPr b="1" lang="en-IN" sz="1600">
+                <a:solidFill>
+                  <a:schemeClr val="lt1"/>
+                </a:solidFill>
+              </a:rPr>
+              <a:t>no failures or errors</a:t>
+            </a:r>
+            <a:r>
+              <a:rPr lang="en-IN" sz="1600">
+                <a:solidFill>
+                  <a:schemeClr val="lt1"/>
+                </a:solidFill>
+              </a:rPr>
+              <a:t>.</a:t>
+            </a:r>
+            <a:br>
+              <a:rPr lang="en-IN" sz="1600">
+                <a:solidFill>
+                  <a:schemeClr val="lt1"/>
+                </a:solidFill>
+              </a:rPr>
+            </a:br>
+            <a:endParaRPr sz="1600">
               <a:solidFill>
-                <a:schemeClr val="dk1"/>
+                <a:schemeClr val="lt1"/>
+              </a:solidFill>
+            </a:endParaRPr>
+          </a:p>
+          <a:p>
+            <a:pPr indent="-330200" lvl="0" marL="457200" rtl="0" algn="l">
+              <a:spcBef>
+                <a:spcPts val="0"/>
+              </a:spcBef>
+              <a:spcAft>
+                <a:spcPts val="0"/>
+              </a:spcAft>
+              <a:buClr>
+                <a:schemeClr val="lt1"/>
+              </a:buClr>
+              <a:buSzPts val="1600"/>
+              <a:buChar char="●"/>
+            </a:pPr>
+            <a:r>
+              <a:rPr lang="en-IN" sz="1600">
+                <a:solidFill>
+                  <a:schemeClr val="lt1"/>
+                </a:solidFill>
+              </a:rPr>
+              <a:t>Tests executed on </a:t>
+            </a:r>
+            <a:r>
+              <a:rPr b="1" lang="en-IN" sz="1600">
+                <a:solidFill>
+                  <a:schemeClr val="lt1"/>
+                </a:solidFill>
+              </a:rPr>
+              <a:t>Edge browser</a:t>
+            </a:r>
+            <a:r>
+              <a:rPr lang="en-IN" sz="1600">
+                <a:solidFill>
+                  <a:schemeClr val="lt1"/>
+                </a:solidFill>
+              </a:rPr>
+              <a:t> in </a:t>
+            </a:r>
+            <a:r>
+              <a:rPr b="1" lang="en-IN" sz="1600">
+                <a:solidFill>
+                  <a:schemeClr val="lt1"/>
+                </a:solidFill>
+              </a:rPr>
+              <a:t>headless mode</a:t>
+            </a:r>
+            <a:r>
+              <a:rPr lang="en-IN" sz="1600">
+                <a:solidFill>
+                  <a:schemeClr val="lt1"/>
+                </a:solidFill>
+              </a:rPr>
+              <a:t>, covering login, form, search, alert, iframe &amp; window handling.</a:t>
+            </a:r>
+            <a:endParaRPr sz="3300">
+              <a:solidFill>
+                <a:schemeClr val="lt1"/>
               </a:solidFill>
               <a:latin typeface="Calibri"/>
               <a:ea typeface="Calibri"/>
@@ -11962,128 +16629,294 @@
           </a:p>
         </p:txBody>
       </p:sp>
-      <p:pic>
-        <p:nvPicPr>
-          <p:cNvPr id="132" name="Google Shape;132;p21" title="restful-api-env - My Workspace 2025-05-23 16-34-45.mp4">
-            <a:hlinkClick r:id="rId5"/>
-          </p:cNvPr>
-          <p:cNvPicPr preferRelativeResize="0"/>
-          <p:nvPr/>
-        </p:nvPicPr>
-        <p:blipFill>
-          <a:blip r:embed="rId6">
-            <a:alphaModFix/>
-          </a:blip>
-          <a:stretch>
-            <a:fillRect/>
-          </a:stretch>
-        </p:blipFill>
-        <p:spPr>
-          <a:xfrm>
-            <a:off x="175650" y="1562800"/>
-            <a:ext cx="7294525" cy="4636525"/>
-          </a:xfrm>
-          <a:prstGeom prst="rect">
-            <a:avLst/>
-          </a:prstGeom>
-          <a:noFill/>
-          <a:ln>
-            <a:noFill/>
-          </a:ln>
-        </p:spPr>
-      </p:pic>
     </p:spTree>
   </p:cSld>
   <p:clrMapOvr>
     <a:masterClrMapping/>
   </p:clrMapOvr>
-  <p:timing>
-    <p:tnLst>
-      <p:par>
-        <p:cTn dur="indefinite" nodeType="tmRoot" restart="never">
-          <p:childTnLst>
-            <p:seq concurrent="1" nextAc="seek">
-              <p:cTn dur="indefinite" id="2" nodeType="mainSeq">
-                <p:childTnLst>
-                  <p:par>
-                    <p:cTn fill="hold">
-                      <p:stCondLst>
-                        <p:cond delay="indefinite"/>
-                      </p:stCondLst>
-                      <p:childTnLst>
-                        <p:par>
-                          <p:cTn fill="hold">
-                            <p:stCondLst>
-                              <p:cond delay="0"/>
-                            </p:stCondLst>
-                            <p:childTnLst>
-                              <p:par>
-                                <p:cTn fill="hold" nodeType="clickEffect" presetClass="entr" presetID="10" presetSubtype="0">
-                                  <p:stCondLst>
-                                    <p:cond delay="0"/>
-                                  </p:stCondLst>
-                                  <p:childTnLst>
-                                    <p:set>
-                                      <p:cBhvr>
-                                        <p:cTn dur="1" fill="hold">
-                                          <p:stCondLst>
-                                            <p:cond delay="0"/>
-                                          </p:stCondLst>
-                                        </p:cTn>
-                                        <p:tgtEl>
-                                          <p:spTgt spid="132"/>
-                                        </p:tgtEl>
-                                        <p:attrNameLst>
-                                          <p:attrName>style.visibility</p:attrName>
-                                        </p:attrNameLst>
-                                      </p:cBhvr>
-                                      <p:to>
-                                        <p:strVal val="visible"/>
-                                      </p:to>
-                                    </p:set>
-                                    <p:animEffect filter="fade" transition="in">
-                                      <p:cBhvr>
-                                        <p:cTn dur="1000"/>
-                                        <p:tgtEl>
-                                          <p:spTgt spid="132"/>
-                                        </p:tgtEl>
-                                      </p:cBhvr>
-                                    </p:animEffect>
-                                  </p:childTnLst>
-                                </p:cTn>
-                              </p:par>
-                            </p:childTnLst>
-                          </p:cTn>
-                        </p:par>
-                      </p:childTnLst>
-                    </p:cTn>
-                  </p:par>
-                </p:childTnLst>
-              </p:cTn>
-              <p:prevCondLst>
-                <p:cond evt="onPrev">
-                  <p:tgtEl>
-                    <p:sldTgt/>
-                  </p:tgtEl>
-                </p:cond>
-              </p:prevCondLst>
-              <p:nextCondLst>
-                <p:cond evt="onNext">
-                  <p:tgtEl>
-                    <p:sldTgt/>
-                  </p:tgtEl>
-                </p:cond>
-              </p:nextCondLst>
-            </p:seq>
-          </p:childTnLst>
-        </p:cTn>
-      </p:par>
-    </p:tnLst>
-  </p:timing>
 </p:sld>
 </file>
 
 <file path=ppt/theme/theme1.xml><?xml version="1.0" encoding="utf-8"?>
+<a:theme xmlns:a="http://schemas.openxmlformats.org/drawingml/2006/main" xmlns:r="http://schemas.openxmlformats.org/officeDocument/2006/relationships">
+  <a:themeElements>
+    <a:clrScheme name="Default">
+      <a:dk1>
+        <a:srgbClr val="000000"/>
+      </a:dk1>
+      <a:lt1>
+        <a:srgbClr val="FFFFFF"/>
+      </a:lt1>
+      <a:dk2>
+        <a:srgbClr val="158158"/>
+      </a:dk2>
+      <a:lt2>
+        <a:srgbClr val="F3F3F3"/>
+      </a:lt2>
+      <a:accent1>
+        <a:srgbClr val="058DC7"/>
+      </a:accent1>
+      <a:accent2>
+        <a:srgbClr val="50B432"/>
+      </a:accent2>
+      <a:accent3>
+        <a:srgbClr val="ED561B"/>
+      </a:accent3>
+      <a:accent4>
+        <a:srgbClr val="EDEF00"/>
+      </a:accent4>
+      <a:accent5>
+        <a:srgbClr val="24CBE5"/>
+      </a:accent5>
+      <a:accent6>
+        <a:srgbClr val="64E572"/>
+      </a:accent6>
+      <a:hlink>
+        <a:srgbClr val="2200CC"/>
+      </a:hlink>
+      <a:folHlink>
+        <a:srgbClr val="551A8B"/>
+      </a:folHlink>
+    </a:clrScheme>
+    <a:fontScheme name="Office">
+      <a:majorFont>
+        <a:latin typeface="Arial"/>
+        <a:ea typeface=""/>
+        <a:cs typeface=""/>
+        <a:font script="Jpan" typeface="ＭＳ Ｐゴシック"/>
+        <a:font script="Hang" typeface="맑은 고딕"/>
+        <a:font script="Hans" typeface="宋体"/>
+        <a:font script="Hant" typeface="新細明體"/>
+        <a:font script="Arab" typeface="Times New Roman"/>
+        <a:font script="Hebr" typeface="Times New Roman"/>
+        <a:font script="Thai" typeface="Angsana New"/>
+        <a:font script="Ethi" typeface="Nyala"/>
+        <a:font script="Beng" typeface="Vrinda"/>
+        <a:font script="Gujr" typeface="Shruti"/>
+        <a:font script="Khmr" typeface="MoolBoran"/>
+        <a:font script="Knda" typeface="Tunga"/>
+        <a:font script="Guru" typeface="Raavi"/>
+        <a:font script="Cans" typeface="Euphemia"/>
+        <a:font script="Cher" typeface="Plantagenet Cherokee"/>
+        <a:font script="Yiii" typeface="Microsoft Yi Baiti"/>
+        <a:font script="Tibt" typeface="Microsoft Himalaya"/>
+        <a:font script="Thaa" typeface="MV Boli"/>
+        <a:font script="Deva" typeface="Mangal"/>
+        <a:font script="Telu" typeface="Gautami"/>
+        <a:font script="Taml" typeface="Latha"/>
+        <a:font script="Syrc" typeface="Estrangelo Edessa"/>
+        <a:font script="Orya" typeface="Kalinga"/>
+        <a:font script="Mlym" typeface="Kartika"/>
+        <a:font script="Laoo" typeface="DokChampa"/>
+        <a:font script="Sinh" typeface="Iskoola Pota"/>
+        <a:font script="Mong" typeface="Mongolian Baiti"/>
+        <a:font script="Viet" typeface="Times New Roman"/>
+        <a:font script="Uigh" typeface="Microsoft Uighur"/>
+        <a:font script="Geor" typeface="Sylfaen"/>
+      </a:majorFont>
+      <a:minorFont>
+        <a:latin typeface="Arial"/>
+        <a:ea typeface=""/>
+        <a:cs typeface=""/>
+        <a:font script="Jpan" typeface="ＭＳ Ｐゴシック"/>
+        <a:font script="Hang" typeface="맑은 고딕"/>
+        <a:font script="Hans" typeface="宋体"/>
+        <a:font script="Hant" typeface="新細明體"/>
+        <a:font script="Arab" typeface="Arial"/>
+        <a:font script="Hebr" typeface="Arial"/>
+        <a:font script="Thai" typeface="Cordia New"/>
+        <a:font script="Ethi" typeface="Nyala"/>
+        <a:font script="Beng" typeface="Vrinda"/>
+        <a:font script="Gujr" typeface="Shruti"/>
+        <a:font script="Khmr" typeface="DaunPenh"/>
+        <a:font script="Knda" typeface="Tunga"/>
+        <a:font script="Guru" typeface="Raavi"/>
+        <a:font script="Cans" typeface="Euphemia"/>
+        <a:font script="Cher" typeface="Plantagenet Cherokee"/>
+        <a:font script="Yiii" typeface="Microsoft Yi Baiti"/>
+        <a:font script="Tibt" typeface="Microsoft Himalaya"/>
+        <a:font script="Thaa" typeface="MV Boli"/>
+        <a:font script="Deva" typeface="Mangal"/>
+        <a:font script="Telu" typeface="Gautami"/>
+        <a:font script="Taml" typeface="Latha"/>
+        <a:font script="Syrc" typeface="Estrangelo Edessa"/>
+        <a:font script="Orya" typeface="Kalinga"/>
+        <a:font script="Mlym" typeface="Kartika"/>
+        <a:font script="Laoo" typeface="DokChampa"/>
+        <a:font script="Sinh" typeface="Iskoola Pota"/>
+        <a:font script="Mong" typeface="Mongolian Baiti"/>
+        <a:font script="Viet" typeface="Arial"/>
+        <a:font script="Uigh" typeface="Microsoft Uighur"/>
+        <a:font script="Geor" typeface="Sylfaen"/>
+      </a:minorFont>
+    </a:fontScheme>
+    <a:fmtScheme name="Office">
+      <a:fillStyleLst>
+        <a:solidFill>
+          <a:schemeClr val="phClr"/>
+        </a:solidFill>
+        <a:gradFill rotWithShape="1">
+          <a:gsLst>
+            <a:gs pos="0">
+              <a:schemeClr val="phClr">
+                <a:tint val="50000"/>
+                <a:satMod val="300000"/>
+              </a:schemeClr>
+            </a:gs>
+            <a:gs pos="35000">
+              <a:schemeClr val="phClr">
+                <a:tint val="37000"/>
+                <a:satMod val="300000"/>
+              </a:schemeClr>
+            </a:gs>
+            <a:gs pos="100000">
+              <a:schemeClr val="phClr">
+                <a:tint val="15000"/>
+                <a:satMod val="350000"/>
+              </a:schemeClr>
+            </a:gs>
+          </a:gsLst>
+          <a:lin ang="16200000" scaled="1"/>
+        </a:gradFill>
+        <a:gradFill rotWithShape="1">
+          <a:gsLst>
+            <a:gs pos="0">
+              <a:schemeClr val="phClr">
+                <a:tint val="100000"/>
+                <a:shade val="100000"/>
+                <a:satMod val="130000"/>
+              </a:schemeClr>
+            </a:gs>
+            <a:gs pos="100000">
+              <a:schemeClr val="phClr">
+                <a:tint val="50000"/>
+                <a:shade val="100000"/>
+                <a:satMod val="350000"/>
+              </a:schemeClr>
+            </a:gs>
+          </a:gsLst>
+          <a:lin ang="16200000" scaled="0"/>
+        </a:gradFill>
+      </a:fillStyleLst>
+      <a:lnStyleLst>
+        <a:ln w="9525" cap="flat" cmpd="sng" algn="ctr">
+          <a:solidFill>
+            <a:schemeClr val="phClr">
+              <a:shade val="95000"/>
+              <a:satMod val="105000"/>
+            </a:schemeClr>
+          </a:solidFill>
+          <a:prstDash val="solid"/>
+        </a:ln>
+        <a:ln w="25400" cap="flat" cmpd="sng" algn="ctr">
+          <a:solidFill>
+            <a:schemeClr val="phClr"/>
+          </a:solidFill>
+          <a:prstDash val="solid"/>
+        </a:ln>
+        <a:ln w="38100" cap="flat" cmpd="sng" algn="ctr">
+          <a:solidFill>
+            <a:schemeClr val="phClr"/>
+          </a:solidFill>
+          <a:prstDash val="solid"/>
+        </a:ln>
+      </a:lnStyleLst>
+      <a:effectStyleLst>
+        <a:effectStyle>
+          <a:effectLst>
+            <a:outerShdw blurRad="40000" dist="20000" dir="5400000" rotWithShape="0">
+              <a:srgbClr val="000000">
+                <a:alpha val="38000"/>
+              </a:srgbClr>
+            </a:outerShdw>
+          </a:effectLst>
+        </a:effectStyle>
+        <a:effectStyle>
+          <a:effectLst>
+            <a:outerShdw blurRad="40000" dist="23000" dir="5400000" rotWithShape="0">
+              <a:srgbClr val="000000">
+                <a:alpha val="35000"/>
+              </a:srgbClr>
+            </a:outerShdw>
+          </a:effectLst>
+        </a:effectStyle>
+        <a:effectStyle>
+          <a:effectLst>
+            <a:outerShdw blurRad="40000" dist="23000" dir="5400000" rotWithShape="0">
+              <a:srgbClr val="000000">
+                <a:alpha val="35000"/>
+              </a:srgbClr>
+            </a:outerShdw>
+          </a:effectLst>
+          <a:scene3d>
+            <a:camera prst="orthographicFront">
+              <a:rot lat="0" lon="0" rev="0"/>
+            </a:camera>
+            <a:lightRig rig="threePt" dir="t">
+              <a:rot lat="0" lon="0" rev="1200000"/>
+            </a:lightRig>
+          </a:scene3d>
+          <a:sp3d>
+            <a:bevelT w="63500" h="25400"/>
+          </a:sp3d>
+        </a:effectStyle>
+      </a:effectStyleLst>
+      <a:bgFillStyleLst>
+        <a:solidFill>
+          <a:schemeClr val="phClr"/>
+        </a:solidFill>
+        <a:gradFill rotWithShape="1">
+          <a:gsLst>
+            <a:gs pos="0">
+              <a:schemeClr val="phClr">
+                <a:tint val="40000"/>
+                <a:satMod val="350000"/>
+              </a:schemeClr>
+            </a:gs>
+            <a:gs pos="40000">
+              <a:schemeClr val="phClr">
+                <a:tint val="45000"/>
+                <a:shade val="99000"/>
+                <a:satMod val="350000"/>
+              </a:schemeClr>
+            </a:gs>
+            <a:gs pos="100000">
+              <a:schemeClr val="phClr">
+                <a:shade val="20000"/>
+                <a:satMod val="255000"/>
+              </a:schemeClr>
+            </a:gs>
+          </a:gsLst>
+          <a:path path="circle">
+            <a:fillToRect l="50000" t="-80000" r="50000" b="180000"/>
+          </a:path>
+        </a:gradFill>
+        <a:gradFill rotWithShape="1">
+          <a:gsLst>
+            <a:gs pos="0">
+              <a:schemeClr val="phClr">
+                <a:tint val="80000"/>
+                <a:satMod val="300000"/>
+              </a:schemeClr>
+            </a:gs>
+            <a:gs pos="100000">
+              <a:schemeClr val="phClr">
+                <a:shade val="30000"/>
+                <a:satMod val="200000"/>
+              </a:schemeClr>
+            </a:gs>
+          </a:gsLst>
+          <a:path path="circle">
+            <a:fillToRect l="50000" t="50000" r="50000" b="50000"/>
+          </a:path>
+        </a:gradFill>
+      </a:bgFillStyleLst>
+    </a:fmtScheme>
+  </a:themeElements>
+</a:theme>
+</file>
+
+<file path=ppt/theme/theme2.xml><?xml version="1.0" encoding="utf-8"?>
 <a:theme xmlns:a="http://schemas.openxmlformats.org/drawingml/2006/main" xmlns:r="http://schemas.openxmlformats.org/officeDocument/2006/relationships" name="Office Theme">
   <a:themeElements>
     <a:clrScheme name="Office">
@@ -12360,283 +17193,4 @@
     </a:fmtScheme>
   </a:themeElements>
 </a:theme>
-</file>
-
-<file path=ppt/theme/theme2.xml><?xml version="1.0" encoding="utf-8"?>
-<a:theme xmlns:a="http://schemas.openxmlformats.org/drawingml/2006/main" xmlns:r="http://schemas.openxmlformats.org/officeDocument/2006/relationships">
-  <a:themeElements>
-    <a:clrScheme name="Default">
-      <a:dk1>
-        <a:srgbClr val="000000"/>
-      </a:dk1>
-      <a:lt1>
-        <a:srgbClr val="FFFFFF"/>
-      </a:lt1>
-      <a:dk2>
-        <a:srgbClr val="158158"/>
-      </a:dk2>
-      <a:lt2>
-        <a:srgbClr val="F3F3F3"/>
-      </a:lt2>
-      <a:accent1>
-        <a:srgbClr val="058DC7"/>
-      </a:accent1>
-      <a:accent2>
-        <a:srgbClr val="50B432"/>
-      </a:accent2>
-      <a:accent3>
-        <a:srgbClr val="ED561B"/>
-      </a:accent3>
-      <a:accent4>
-        <a:srgbClr val="EDEF00"/>
-      </a:accent4>
-      <a:accent5>
-        <a:srgbClr val="24CBE5"/>
-      </a:accent5>
-      <a:accent6>
-        <a:srgbClr val="64E572"/>
-      </a:accent6>
-      <a:hlink>
-        <a:srgbClr val="2200CC"/>
-      </a:hlink>
-      <a:folHlink>
-        <a:srgbClr val="551A8B"/>
-      </a:folHlink>
-    </a:clrScheme>
-    <a:fontScheme name="Office">
-      <a:majorFont>
-        <a:latin typeface="Arial"/>
-        <a:ea typeface=""/>
-        <a:cs typeface=""/>
-        <a:font script="Jpan" typeface="ＭＳ Ｐゴシック"/>
-        <a:font script="Hang" typeface="맑은 고딕"/>
-        <a:font script="Hans" typeface="宋体"/>
-        <a:font script="Hant" typeface="新細明體"/>
-        <a:font script="Arab" typeface="Times New Roman"/>
-        <a:font script="Hebr" typeface="Times New Roman"/>
-        <a:font script="Thai" typeface="Angsana New"/>
-        <a:font script="Ethi" typeface="Nyala"/>
-        <a:font script="Beng" typeface="Vrinda"/>
-        <a:font script="Gujr" typeface="Shruti"/>
-        <a:font script="Khmr" typeface="MoolBoran"/>
-        <a:font script="Knda" typeface="Tunga"/>
-        <a:font script="Guru" typeface="Raavi"/>
-        <a:font script="Cans" typeface="Euphemia"/>
-        <a:font script="Cher" typeface="Plantagenet Cherokee"/>
-        <a:font script="Yiii" typeface="Microsoft Yi Baiti"/>
-        <a:font script="Tibt" typeface="Microsoft Himalaya"/>
-        <a:font script="Thaa" typeface="MV Boli"/>
-        <a:font script="Deva" typeface="Mangal"/>
-        <a:font script="Telu" typeface="Gautami"/>
-        <a:font script="Taml" typeface="Latha"/>
-        <a:font script="Syrc" typeface="Estrangelo Edessa"/>
-        <a:font script="Orya" typeface="Kalinga"/>
-        <a:font script="Mlym" typeface="Kartika"/>
-        <a:font script="Laoo" typeface="DokChampa"/>
-        <a:font script="Sinh" typeface="Iskoola Pota"/>
-        <a:font script="Mong" typeface="Mongolian Baiti"/>
-        <a:font script="Viet" typeface="Times New Roman"/>
-        <a:font script="Uigh" typeface="Microsoft Uighur"/>
-        <a:font script="Geor" typeface="Sylfaen"/>
-      </a:majorFont>
-      <a:minorFont>
-        <a:latin typeface="Arial"/>
-        <a:ea typeface=""/>
-        <a:cs typeface=""/>
-        <a:font script="Jpan" typeface="ＭＳ Ｐゴシック"/>
-        <a:font script="Hang" typeface="맑은 고딕"/>
-        <a:font script="Hans" typeface="宋体"/>
-        <a:font script="Hant" typeface="新細明體"/>
-        <a:font script="Arab" typeface="Arial"/>
-        <a:font script="Hebr" typeface="Arial"/>
-        <a:font script="Thai" typeface="Cordia New"/>
-        <a:font script="Ethi" typeface="Nyala"/>
-        <a:font script="Beng" typeface="Vrinda"/>
-        <a:font script="Gujr" typeface="Shruti"/>
-        <a:font script="Khmr" typeface="DaunPenh"/>
-        <a:font script="Knda" typeface="Tunga"/>
-        <a:font script="Guru" typeface="Raavi"/>
-        <a:font script="Cans" typeface="Euphemia"/>
-        <a:font script="Cher" typeface="Plantagenet Cherokee"/>
-        <a:font script="Yiii" typeface="Microsoft Yi Baiti"/>
-        <a:font script="Tibt" typeface="Microsoft Himalaya"/>
-        <a:font script="Thaa" typeface="MV Boli"/>
-        <a:font script="Deva" typeface="Mangal"/>
-        <a:font script="Telu" typeface="Gautami"/>
-        <a:font script="Taml" typeface="Latha"/>
-        <a:font script="Syrc" typeface="Estrangelo Edessa"/>
-        <a:font script="Orya" typeface="Kalinga"/>
-        <a:font script="Mlym" typeface="Kartika"/>
-        <a:font script="Laoo" typeface="DokChampa"/>
-        <a:font script="Sinh" typeface="Iskoola Pota"/>
-        <a:font script="Mong" typeface="Mongolian Baiti"/>
-        <a:font script="Viet" typeface="Arial"/>
-        <a:font script="Uigh" typeface="Microsoft Uighur"/>
-        <a:font script="Geor" typeface="Sylfaen"/>
-      </a:minorFont>
-    </a:fontScheme>
-    <a:fmtScheme name="Office">
-      <a:fillStyleLst>
-        <a:solidFill>
-          <a:schemeClr val="phClr"/>
-        </a:solidFill>
-        <a:gradFill rotWithShape="1">
-          <a:gsLst>
-            <a:gs pos="0">
-              <a:schemeClr val="phClr">
-                <a:tint val="50000"/>
-                <a:satMod val="300000"/>
-              </a:schemeClr>
-            </a:gs>
-            <a:gs pos="35000">
-              <a:schemeClr val="phClr">
-                <a:tint val="37000"/>
-                <a:satMod val="300000"/>
-              </a:schemeClr>
-            </a:gs>
-            <a:gs pos="100000">
-              <a:schemeClr val="phClr">
-                <a:tint val="15000"/>
-                <a:satMod val="350000"/>
-              </a:schemeClr>
-            </a:gs>
-          </a:gsLst>
-          <a:lin ang="16200000" scaled="1"/>
-        </a:gradFill>
-        <a:gradFill rotWithShape="1">
-          <a:gsLst>
-            <a:gs pos="0">
-              <a:schemeClr val="phClr">
-                <a:tint val="100000"/>
-                <a:shade val="100000"/>
-                <a:satMod val="130000"/>
-              </a:schemeClr>
-            </a:gs>
-            <a:gs pos="100000">
-              <a:schemeClr val="phClr">
-                <a:tint val="50000"/>
-                <a:shade val="100000"/>
-                <a:satMod val="350000"/>
-              </a:schemeClr>
-            </a:gs>
-          </a:gsLst>
-          <a:lin ang="16200000" scaled="0"/>
-        </a:gradFill>
-      </a:fillStyleLst>
-      <a:lnStyleLst>
-        <a:ln w="9525" cap="flat" cmpd="sng" algn="ctr">
-          <a:solidFill>
-            <a:schemeClr val="phClr">
-              <a:shade val="95000"/>
-              <a:satMod val="105000"/>
-            </a:schemeClr>
-          </a:solidFill>
-          <a:prstDash val="solid"/>
-        </a:ln>
-        <a:ln w="25400" cap="flat" cmpd="sng" algn="ctr">
-          <a:solidFill>
-            <a:schemeClr val="phClr"/>
-          </a:solidFill>
-          <a:prstDash val="solid"/>
-        </a:ln>
-        <a:ln w="38100" cap="flat" cmpd="sng" algn="ctr">
-          <a:solidFill>
-            <a:schemeClr val="phClr"/>
-          </a:solidFill>
-          <a:prstDash val="solid"/>
-        </a:ln>
-      </a:lnStyleLst>
-      <a:effectStyleLst>
-        <a:effectStyle>
-          <a:effectLst>
-            <a:outerShdw blurRad="40000" dist="20000" dir="5400000" rotWithShape="0">
-              <a:srgbClr val="000000">
-                <a:alpha val="38000"/>
-              </a:srgbClr>
-            </a:outerShdw>
-          </a:effectLst>
-        </a:effectStyle>
-        <a:effectStyle>
-          <a:effectLst>
-            <a:outerShdw blurRad="40000" dist="23000" dir="5400000" rotWithShape="0">
-              <a:srgbClr val="000000">
-                <a:alpha val="35000"/>
-              </a:srgbClr>
-            </a:outerShdw>
-          </a:effectLst>
-        </a:effectStyle>
-        <a:effectStyle>
-          <a:effectLst>
-            <a:outerShdw blurRad="40000" dist="23000" dir="5400000" rotWithShape="0">
-              <a:srgbClr val="000000">
-                <a:alpha val="35000"/>
-              </a:srgbClr>
-            </a:outerShdw>
-          </a:effectLst>
-          <a:scene3d>
-            <a:camera prst="orthographicFront">
-              <a:rot lat="0" lon="0" rev="0"/>
-            </a:camera>
-            <a:lightRig rig="threePt" dir="t">
-              <a:rot lat="0" lon="0" rev="1200000"/>
-            </a:lightRig>
-          </a:scene3d>
-          <a:sp3d>
-            <a:bevelT w="63500" h="25400"/>
-          </a:sp3d>
-        </a:effectStyle>
-      </a:effectStyleLst>
-      <a:bgFillStyleLst>
-        <a:solidFill>
-          <a:schemeClr val="phClr"/>
-        </a:solidFill>
-        <a:gradFill rotWithShape="1">
-          <a:gsLst>
-            <a:gs pos="0">
-              <a:schemeClr val="phClr">
-                <a:tint val="40000"/>
-                <a:satMod val="350000"/>
-              </a:schemeClr>
-            </a:gs>
-            <a:gs pos="40000">
-              <a:schemeClr val="phClr">
-                <a:tint val="45000"/>
-                <a:shade val="99000"/>
-                <a:satMod val="350000"/>
-              </a:schemeClr>
-            </a:gs>
-            <a:gs pos="100000">
-              <a:schemeClr val="phClr">
-                <a:shade val="20000"/>
-                <a:satMod val="255000"/>
-              </a:schemeClr>
-            </a:gs>
-          </a:gsLst>
-          <a:path path="circle">
-            <a:fillToRect l="50000" t="-80000" r="50000" b="180000"/>
-          </a:path>
-        </a:gradFill>
-        <a:gradFill rotWithShape="1">
-          <a:gsLst>
-            <a:gs pos="0">
-              <a:schemeClr val="phClr">
-                <a:tint val="80000"/>
-                <a:satMod val="300000"/>
-              </a:schemeClr>
-            </a:gs>
-            <a:gs pos="100000">
-              <a:schemeClr val="phClr">
-                <a:shade val="30000"/>
-                <a:satMod val="200000"/>
-              </a:schemeClr>
-            </a:gs>
-          </a:gsLst>
-          <a:path path="circle">
-            <a:fillToRect l="50000" t="50000" r="50000" b="50000"/>
-          </a:path>
-        </a:gradFill>
-      </a:bgFillStyleLst>
-    </a:fmtScheme>
-  </a:themeElements>
-</a:theme>
 </file>